--- a/HW/circuitos.pptx
+++ b/HW/circuitos.pptx
@@ -270,7 +270,7 @@
           <a:p>
             <a:fld id="{9C561F23-70A9-462F-8291-EA351BB44CC7}" type="datetimeFigureOut">
               <a:rPr lang="es-MX" smtClean="0"/>
-              <a:t>13/09/2022</a:t>
+              <a:t>14/09/2022</a:t>
             </a:fld>
             <a:endParaRPr lang="es-MX"/>
           </a:p>
@@ -470,7 +470,7 @@
           <a:p>
             <a:fld id="{9C561F23-70A9-462F-8291-EA351BB44CC7}" type="datetimeFigureOut">
               <a:rPr lang="es-MX" smtClean="0"/>
-              <a:t>13/09/2022</a:t>
+              <a:t>14/09/2022</a:t>
             </a:fld>
             <a:endParaRPr lang="es-MX"/>
           </a:p>
@@ -680,7 +680,7 @@
           <a:p>
             <a:fld id="{9C561F23-70A9-462F-8291-EA351BB44CC7}" type="datetimeFigureOut">
               <a:rPr lang="es-MX" smtClean="0"/>
-              <a:t>13/09/2022</a:t>
+              <a:t>14/09/2022</a:t>
             </a:fld>
             <a:endParaRPr lang="es-MX"/>
           </a:p>
@@ -880,7 +880,7 @@
           <a:p>
             <a:fld id="{9C561F23-70A9-462F-8291-EA351BB44CC7}" type="datetimeFigureOut">
               <a:rPr lang="es-MX" smtClean="0"/>
-              <a:t>13/09/2022</a:t>
+              <a:t>14/09/2022</a:t>
             </a:fld>
             <a:endParaRPr lang="es-MX"/>
           </a:p>
@@ -1156,7 +1156,7 @@
           <a:p>
             <a:fld id="{9C561F23-70A9-462F-8291-EA351BB44CC7}" type="datetimeFigureOut">
               <a:rPr lang="es-MX" smtClean="0"/>
-              <a:t>13/09/2022</a:t>
+              <a:t>14/09/2022</a:t>
             </a:fld>
             <a:endParaRPr lang="es-MX"/>
           </a:p>
@@ -1424,7 +1424,7 @@
           <a:p>
             <a:fld id="{9C561F23-70A9-462F-8291-EA351BB44CC7}" type="datetimeFigureOut">
               <a:rPr lang="es-MX" smtClean="0"/>
-              <a:t>13/09/2022</a:t>
+              <a:t>14/09/2022</a:t>
             </a:fld>
             <a:endParaRPr lang="es-MX"/>
           </a:p>
@@ -1839,7 +1839,7 @@
           <a:p>
             <a:fld id="{9C561F23-70A9-462F-8291-EA351BB44CC7}" type="datetimeFigureOut">
               <a:rPr lang="es-MX" smtClean="0"/>
-              <a:t>13/09/2022</a:t>
+              <a:t>14/09/2022</a:t>
             </a:fld>
             <a:endParaRPr lang="es-MX"/>
           </a:p>
@@ -1981,7 +1981,7 @@
           <a:p>
             <a:fld id="{9C561F23-70A9-462F-8291-EA351BB44CC7}" type="datetimeFigureOut">
               <a:rPr lang="es-MX" smtClean="0"/>
-              <a:t>13/09/2022</a:t>
+              <a:t>14/09/2022</a:t>
             </a:fld>
             <a:endParaRPr lang="es-MX"/>
           </a:p>
@@ -2094,7 +2094,7 @@
           <a:p>
             <a:fld id="{9C561F23-70A9-462F-8291-EA351BB44CC7}" type="datetimeFigureOut">
               <a:rPr lang="es-MX" smtClean="0"/>
-              <a:t>13/09/2022</a:t>
+              <a:t>14/09/2022</a:t>
             </a:fld>
             <a:endParaRPr lang="es-MX"/>
           </a:p>
@@ -2407,7 +2407,7 @@
           <a:p>
             <a:fld id="{9C561F23-70A9-462F-8291-EA351BB44CC7}" type="datetimeFigureOut">
               <a:rPr lang="es-MX" smtClean="0"/>
-              <a:t>13/09/2022</a:t>
+              <a:t>14/09/2022</a:t>
             </a:fld>
             <a:endParaRPr lang="es-MX"/>
           </a:p>
@@ -2696,7 +2696,7 @@
           <a:p>
             <a:fld id="{9C561F23-70A9-462F-8291-EA351BB44CC7}" type="datetimeFigureOut">
               <a:rPr lang="es-MX" smtClean="0"/>
-              <a:t>13/09/2022</a:t>
+              <a:t>14/09/2022</a:t>
             </a:fld>
             <a:endParaRPr lang="es-MX"/>
           </a:p>
@@ -2939,7 +2939,7 @@
           <a:p>
             <a:fld id="{9C561F23-70A9-462F-8291-EA351BB44CC7}" type="datetimeFigureOut">
               <a:rPr lang="es-MX" smtClean="0"/>
-              <a:t>13/09/2022</a:t>
+              <a:t>14/09/2022</a:t>
             </a:fld>
             <a:endParaRPr lang="es-MX"/>
           </a:p>
@@ -3356,12 +3356,544 @@
           <a:chExt cx="0" cy="0"/>
         </a:xfrm>
       </p:grpSpPr>
+      <p:pic>
+        <p:nvPicPr>
+          <p:cNvPr id="2" name="Imagen 1">
+            <a:extLst>
+              <a:ext uri="{FF2B5EF4-FFF2-40B4-BE49-F238E27FC236}">
+                <a16:creationId xmlns:a16="http://schemas.microsoft.com/office/drawing/2014/main" id="{AAF09E66-6F9A-1EF2-34BD-D1C98DE9BA9F}"/>
+              </a:ext>
+            </a:extLst>
+          </p:cNvPr>
+          <p:cNvPicPr>
+            <a:picLocks noChangeAspect="1"/>
+          </p:cNvPicPr>
+          <p:nvPr/>
+        </p:nvPicPr>
+        <p:blipFill>
+          <a:blip r:embed="rId2"/>
+          <a:stretch>
+            <a:fillRect/>
+          </a:stretch>
+        </p:blipFill>
+        <p:spPr>
+          <a:xfrm>
+            <a:off x="3176581" y="2526247"/>
+            <a:ext cx="4582406" cy="3058453"/>
+          </a:xfrm>
+          <a:prstGeom prst="rect">
+            <a:avLst/>
+          </a:prstGeom>
+        </p:spPr>
+      </p:pic>
+      <p:pic>
+        <p:nvPicPr>
+          <p:cNvPr id="3" name="Imagen 2">
+            <a:extLst>
+              <a:ext uri="{FF2B5EF4-FFF2-40B4-BE49-F238E27FC236}">
+                <a16:creationId xmlns:a16="http://schemas.microsoft.com/office/drawing/2014/main" id="{F3B6192F-5201-CA5A-E71E-B9322D0A6A53}"/>
+              </a:ext>
+            </a:extLst>
+          </p:cNvPr>
+          <p:cNvPicPr>
+            <a:picLocks noChangeAspect="1"/>
+          </p:cNvPicPr>
+          <p:nvPr/>
+        </p:nvPicPr>
+        <p:blipFill rotWithShape="1">
+          <a:blip r:embed="rId3"/>
+          <a:srcRect l="4872" t="5421" r="5089" b="5428"/>
+          <a:stretch/>
+        </p:blipFill>
+        <p:spPr>
+          <a:xfrm rot="5400000">
+            <a:off x="7871588" y="2909846"/>
+            <a:ext cx="2974429" cy="2291257"/>
+          </a:xfrm>
+          <a:prstGeom prst="rect">
+            <a:avLst/>
+          </a:prstGeom>
+        </p:spPr>
+      </p:pic>
+      <p:cxnSp>
+        <p:nvCxnSpPr>
+          <p:cNvPr id="14" name="Conector recto 13">
+            <a:extLst>
+              <a:ext uri="{FF2B5EF4-FFF2-40B4-BE49-F238E27FC236}">
+                <a16:creationId xmlns:a16="http://schemas.microsoft.com/office/drawing/2014/main" id="{2866CDBD-8D37-5381-B226-3AFD990BCEFA}"/>
+              </a:ext>
+            </a:extLst>
+          </p:cNvPr>
+          <p:cNvCxnSpPr>
+            <a:cxnSpLocks/>
+          </p:cNvCxnSpPr>
+          <p:nvPr/>
+        </p:nvCxnSpPr>
+        <p:spPr>
+          <a:xfrm flipV="1">
+            <a:off x="3689131" y="733622"/>
+            <a:ext cx="0" cy="1944000"/>
+          </a:xfrm>
+          <a:prstGeom prst="line">
+            <a:avLst/>
+          </a:prstGeom>
+          <a:ln w="76200">
+            <a:solidFill>
+              <a:srgbClr val="FF0000"/>
+            </a:solidFill>
+          </a:ln>
+        </p:spPr>
+        <p:style>
+          <a:lnRef idx="1">
+            <a:schemeClr val="accent1"/>
+          </a:lnRef>
+          <a:fillRef idx="0">
+            <a:schemeClr val="accent1"/>
+          </a:fillRef>
+          <a:effectRef idx="0">
+            <a:schemeClr val="accent1"/>
+          </a:effectRef>
+          <a:fontRef idx="minor">
+            <a:schemeClr val="tx1"/>
+          </a:fontRef>
+        </p:style>
+      </p:cxnSp>
+      <p:cxnSp>
+        <p:nvCxnSpPr>
+          <p:cNvPr id="23" name="Conector recto 22">
+            <a:extLst>
+              <a:ext uri="{FF2B5EF4-FFF2-40B4-BE49-F238E27FC236}">
+                <a16:creationId xmlns:a16="http://schemas.microsoft.com/office/drawing/2014/main" id="{2E17D54C-31E1-7C69-337E-7BEEB5027E0D}"/>
+              </a:ext>
+            </a:extLst>
+          </p:cNvPr>
+          <p:cNvCxnSpPr>
+            <a:cxnSpLocks/>
+          </p:cNvCxnSpPr>
+          <p:nvPr/>
+        </p:nvCxnSpPr>
+        <p:spPr>
+          <a:xfrm flipV="1">
+            <a:off x="4018455" y="723112"/>
+            <a:ext cx="0" cy="1944000"/>
+          </a:xfrm>
+          <a:prstGeom prst="line">
+            <a:avLst/>
+          </a:prstGeom>
+          <a:ln w="76200">
+            <a:solidFill>
+              <a:srgbClr val="FF0000"/>
+            </a:solidFill>
+          </a:ln>
+        </p:spPr>
+        <p:style>
+          <a:lnRef idx="1">
+            <a:schemeClr val="accent1"/>
+          </a:lnRef>
+          <a:fillRef idx="0">
+            <a:schemeClr val="accent1"/>
+          </a:fillRef>
+          <a:effectRef idx="0">
+            <a:schemeClr val="accent1"/>
+          </a:effectRef>
+          <a:fontRef idx="minor">
+            <a:schemeClr val="tx1"/>
+          </a:fontRef>
+        </p:style>
+      </p:cxnSp>
+      <p:cxnSp>
+        <p:nvCxnSpPr>
+          <p:cNvPr id="24" name="Conector recto 23">
+            <a:extLst>
+              <a:ext uri="{FF2B5EF4-FFF2-40B4-BE49-F238E27FC236}">
+                <a16:creationId xmlns:a16="http://schemas.microsoft.com/office/drawing/2014/main" id="{F7C88A0D-1DAF-58CE-3CA5-5A3C6562D231}"/>
+              </a:ext>
+            </a:extLst>
+          </p:cNvPr>
+          <p:cNvCxnSpPr>
+            <a:cxnSpLocks/>
+          </p:cNvCxnSpPr>
+          <p:nvPr/>
+        </p:nvCxnSpPr>
+        <p:spPr>
+          <a:xfrm flipV="1">
+            <a:off x="4677103" y="733622"/>
+            <a:ext cx="0" cy="1944000"/>
+          </a:xfrm>
+          <a:prstGeom prst="line">
+            <a:avLst/>
+          </a:prstGeom>
+          <a:ln w="76200">
+            <a:solidFill>
+              <a:srgbClr val="FF0000"/>
+            </a:solidFill>
+          </a:ln>
+        </p:spPr>
+        <p:style>
+          <a:lnRef idx="1">
+            <a:schemeClr val="accent1"/>
+          </a:lnRef>
+          <a:fillRef idx="0">
+            <a:schemeClr val="accent1"/>
+          </a:fillRef>
+          <a:effectRef idx="0">
+            <a:schemeClr val="accent1"/>
+          </a:effectRef>
+          <a:fontRef idx="minor">
+            <a:schemeClr val="tx1"/>
+          </a:fontRef>
+        </p:style>
+      </p:cxnSp>
+      <p:cxnSp>
+        <p:nvCxnSpPr>
+          <p:cNvPr id="25" name="Conector recto 24">
+            <a:extLst>
+              <a:ext uri="{FF2B5EF4-FFF2-40B4-BE49-F238E27FC236}">
+                <a16:creationId xmlns:a16="http://schemas.microsoft.com/office/drawing/2014/main" id="{C05FE201-4F9E-DFA1-4659-17836D938B26}"/>
+              </a:ext>
+            </a:extLst>
+          </p:cNvPr>
+          <p:cNvCxnSpPr>
+            <a:cxnSpLocks/>
+          </p:cNvCxnSpPr>
+          <p:nvPr/>
+        </p:nvCxnSpPr>
+        <p:spPr>
+          <a:xfrm flipV="1">
+            <a:off x="5006427" y="733622"/>
+            <a:ext cx="0" cy="1944000"/>
+          </a:xfrm>
+          <a:prstGeom prst="line">
+            <a:avLst/>
+          </a:prstGeom>
+          <a:ln w="76200">
+            <a:solidFill>
+              <a:srgbClr val="FF0000"/>
+            </a:solidFill>
+          </a:ln>
+        </p:spPr>
+        <p:style>
+          <a:lnRef idx="1">
+            <a:schemeClr val="accent1"/>
+          </a:lnRef>
+          <a:fillRef idx="0">
+            <a:schemeClr val="accent1"/>
+          </a:fillRef>
+          <a:effectRef idx="0">
+            <a:schemeClr val="accent1"/>
+          </a:effectRef>
+          <a:fontRef idx="minor">
+            <a:schemeClr val="tx1"/>
+          </a:fontRef>
+        </p:style>
+      </p:cxnSp>
+      <p:cxnSp>
+        <p:nvCxnSpPr>
+          <p:cNvPr id="26" name="Conector recto 25">
+            <a:extLst>
+              <a:ext uri="{FF2B5EF4-FFF2-40B4-BE49-F238E27FC236}">
+                <a16:creationId xmlns:a16="http://schemas.microsoft.com/office/drawing/2014/main" id="{33767ACF-2BE3-7D6F-C884-D48372FCB238}"/>
+              </a:ext>
+            </a:extLst>
+          </p:cNvPr>
+          <p:cNvCxnSpPr>
+            <a:cxnSpLocks/>
+          </p:cNvCxnSpPr>
+          <p:nvPr/>
+        </p:nvCxnSpPr>
+        <p:spPr>
+          <a:xfrm flipV="1">
+            <a:off x="5665075" y="733622"/>
+            <a:ext cx="0" cy="1944000"/>
+          </a:xfrm>
+          <a:prstGeom prst="line">
+            <a:avLst/>
+          </a:prstGeom>
+          <a:ln w="76200">
+            <a:solidFill>
+              <a:srgbClr val="FF0000"/>
+            </a:solidFill>
+          </a:ln>
+        </p:spPr>
+        <p:style>
+          <a:lnRef idx="1">
+            <a:schemeClr val="accent1"/>
+          </a:lnRef>
+          <a:fillRef idx="0">
+            <a:schemeClr val="accent1"/>
+          </a:fillRef>
+          <a:effectRef idx="0">
+            <a:schemeClr val="accent1"/>
+          </a:effectRef>
+          <a:fontRef idx="minor">
+            <a:schemeClr val="tx1"/>
+          </a:fontRef>
+        </p:style>
+      </p:cxnSp>
+      <p:cxnSp>
+        <p:nvCxnSpPr>
+          <p:cNvPr id="27" name="Conector recto 26">
+            <a:extLst>
+              <a:ext uri="{FF2B5EF4-FFF2-40B4-BE49-F238E27FC236}">
+                <a16:creationId xmlns:a16="http://schemas.microsoft.com/office/drawing/2014/main" id="{F08A3664-337A-2598-E40C-CA040BA126AC}"/>
+              </a:ext>
+            </a:extLst>
+          </p:cNvPr>
+          <p:cNvCxnSpPr>
+            <a:cxnSpLocks/>
+          </p:cNvCxnSpPr>
+          <p:nvPr/>
+        </p:nvCxnSpPr>
+        <p:spPr>
+          <a:xfrm flipV="1">
+            <a:off x="5994399" y="733622"/>
+            <a:ext cx="0" cy="1944000"/>
+          </a:xfrm>
+          <a:prstGeom prst="line">
+            <a:avLst/>
+          </a:prstGeom>
+          <a:ln w="76200">
+            <a:solidFill>
+              <a:srgbClr val="FF0000"/>
+            </a:solidFill>
+          </a:ln>
+        </p:spPr>
+        <p:style>
+          <a:lnRef idx="1">
+            <a:schemeClr val="accent1"/>
+          </a:lnRef>
+          <a:fillRef idx="0">
+            <a:schemeClr val="accent1"/>
+          </a:fillRef>
+          <a:effectRef idx="0">
+            <a:schemeClr val="accent1"/>
+          </a:effectRef>
+          <a:fontRef idx="minor">
+            <a:schemeClr val="tx1"/>
+          </a:fontRef>
+        </p:style>
+      </p:cxnSp>
+      <p:cxnSp>
+        <p:nvCxnSpPr>
+          <p:cNvPr id="30" name="Conector recto 29">
+            <a:extLst>
+              <a:ext uri="{FF2B5EF4-FFF2-40B4-BE49-F238E27FC236}">
+                <a16:creationId xmlns:a16="http://schemas.microsoft.com/office/drawing/2014/main" id="{00664D20-0003-7F8A-1E29-0E1F036BDB42}"/>
+              </a:ext>
+            </a:extLst>
+          </p:cNvPr>
+          <p:cNvCxnSpPr>
+            <a:cxnSpLocks/>
+          </p:cNvCxnSpPr>
+          <p:nvPr/>
+        </p:nvCxnSpPr>
+        <p:spPr>
+          <a:xfrm flipV="1">
+            <a:off x="4344275" y="817702"/>
+            <a:ext cx="3504" cy="385050"/>
+          </a:xfrm>
+          <a:prstGeom prst="line">
+            <a:avLst/>
+          </a:prstGeom>
+          <a:ln w="76200">
+            <a:solidFill>
+              <a:srgbClr val="FF0000"/>
+            </a:solidFill>
+          </a:ln>
+        </p:spPr>
+        <p:style>
+          <a:lnRef idx="1">
+            <a:schemeClr val="accent1"/>
+          </a:lnRef>
+          <a:fillRef idx="0">
+            <a:schemeClr val="accent1"/>
+          </a:fillRef>
+          <a:effectRef idx="0">
+            <a:schemeClr val="accent1"/>
+          </a:effectRef>
+          <a:fontRef idx="minor">
+            <a:schemeClr val="tx1"/>
+          </a:fontRef>
+        </p:style>
+      </p:cxnSp>
+      <p:cxnSp>
+        <p:nvCxnSpPr>
+          <p:cNvPr id="31" name="Conector recto 30">
+            <a:extLst>
+              <a:ext uri="{FF2B5EF4-FFF2-40B4-BE49-F238E27FC236}">
+                <a16:creationId xmlns:a16="http://schemas.microsoft.com/office/drawing/2014/main" id="{092487A4-F226-1102-89F4-3AD1F2A8B64A}"/>
+              </a:ext>
+            </a:extLst>
+          </p:cNvPr>
+          <p:cNvCxnSpPr>
+            <a:cxnSpLocks/>
+          </p:cNvCxnSpPr>
+          <p:nvPr/>
+        </p:nvCxnSpPr>
+        <p:spPr>
+          <a:xfrm flipV="1">
+            <a:off x="6323723" y="870254"/>
+            <a:ext cx="0" cy="468000"/>
+          </a:xfrm>
+          <a:prstGeom prst="line">
+            <a:avLst/>
+          </a:prstGeom>
+          <a:ln w="76200">
+            <a:solidFill>
+              <a:srgbClr val="FF0000"/>
+            </a:solidFill>
+          </a:ln>
+        </p:spPr>
+        <p:style>
+          <a:lnRef idx="1">
+            <a:schemeClr val="accent1"/>
+          </a:lnRef>
+          <a:fillRef idx="0">
+            <a:schemeClr val="accent1"/>
+          </a:fillRef>
+          <a:effectRef idx="0">
+            <a:schemeClr val="accent1"/>
+          </a:effectRef>
+          <a:fontRef idx="minor">
+            <a:schemeClr val="tx1"/>
+          </a:fontRef>
+        </p:style>
+      </p:cxnSp>
+      <p:cxnSp>
+        <p:nvCxnSpPr>
+          <p:cNvPr id="33" name="Conector recto 32">
+            <a:extLst>
+              <a:ext uri="{FF2B5EF4-FFF2-40B4-BE49-F238E27FC236}">
+                <a16:creationId xmlns:a16="http://schemas.microsoft.com/office/drawing/2014/main" id="{3A9B67EA-A69E-3398-A237-C7237F98CA07}"/>
+              </a:ext>
+            </a:extLst>
+          </p:cNvPr>
+          <p:cNvCxnSpPr>
+            <a:cxnSpLocks/>
+          </p:cNvCxnSpPr>
+          <p:nvPr/>
+        </p:nvCxnSpPr>
+        <p:spPr>
+          <a:xfrm flipV="1">
+            <a:off x="5335751" y="817702"/>
+            <a:ext cx="0" cy="612000"/>
+          </a:xfrm>
+          <a:prstGeom prst="line">
+            <a:avLst/>
+          </a:prstGeom>
+          <a:ln w="76200">
+            <a:solidFill>
+              <a:srgbClr val="FF0000"/>
+            </a:solidFill>
+          </a:ln>
+        </p:spPr>
+        <p:style>
+          <a:lnRef idx="1">
+            <a:schemeClr val="accent1"/>
+          </a:lnRef>
+          <a:fillRef idx="0">
+            <a:schemeClr val="accent1"/>
+          </a:fillRef>
+          <a:effectRef idx="0">
+            <a:schemeClr val="accent1"/>
+          </a:effectRef>
+          <a:fontRef idx="minor">
+            <a:schemeClr val="tx1"/>
+          </a:fontRef>
+        </p:style>
+      </p:cxnSp>
+      <p:cxnSp>
+        <p:nvCxnSpPr>
+          <p:cNvPr id="34" name="Conector recto 33">
+            <a:extLst>
+              <a:ext uri="{FF2B5EF4-FFF2-40B4-BE49-F238E27FC236}">
+                <a16:creationId xmlns:a16="http://schemas.microsoft.com/office/drawing/2014/main" id="{62C59064-CAEB-4BC7-1170-C7549D1C8074}"/>
+              </a:ext>
+            </a:extLst>
+          </p:cNvPr>
+          <p:cNvCxnSpPr>
+            <a:cxnSpLocks/>
+          </p:cNvCxnSpPr>
+          <p:nvPr/>
+        </p:nvCxnSpPr>
+        <p:spPr>
+          <a:xfrm>
+            <a:off x="1498519" y="1202752"/>
+            <a:ext cx="2880000" cy="0"/>
+          </a:xfrm>
+          <a:prstGeom prst="line">
+            <a:avLst/>
+          </a:prstGeom>
+          <a:ln w="76200">
+            <a:solidFill>
+              <a:srgbClr val="FF0000"/>
+            </a:solidFill>
+          </a:ln>
+        </p:spPr>
+        <p:style>
+          <a:lnRef idx="1">
+            <a:schemeClr val="accent1"/>
+          </a:lnRef>
+          <a:fillRef idx="0">
+            <a:schemeClr val="accent1"/>
+          </a:fillRef>
+          <a:effectRef idx="0">
+            <a:schemeClr val="accent1"/>
+          </a:effectRef>
+          <a:fontRef idx="minor">
+            <a:schemeClr val="tx1"/>
+          </a:fontRef>
+        </p:style>
+      </p:cxnSp>
+      <p:cxnSp>
+        <p:nvCxnSpPr>
+          <p:cNvPr id="37" name="Conector recto 36">
+            <a:extLst>
+              <a:ext uri="{FF2B5EF4-FFF2-40B4-BE49-F238E27FC236}">
+                <a16:creationId xmlns:a16="http://schemas.microsoft.com/office/drawing/2014/main" id="{C9063632-E3D0-BB57-5727-6A4B910DE7CF}"/>
+              </a:ext>
+            </a:extLst>
+          </p:cNvPr>
+          <p:cNvCxnSpPr>
+            <a:cxnSpLocks/>
+          </p:cNvCxnSpPr>
+          <p:nvPr/>
+        </p:nvCxnSpPr>
+        <p:spPr>
+          <a:xfrm>
+            <a:off x="2445711" y="1421652"/>
+            <a:ext cx="2900550" cy="0"/>
+          </a:xfrm>
+          <a:prstGeom prst="line">
+            <a:avLst/>
+          </a:prstGeom>
+          <a:ln w="76200">
+            <a:solidFill>
+              <a:srgbClr val="FF0000"/>
+            </a:solidFill>
+          </a:ln>
+        </p:spPr>
+        <p:style>
+          <a:lnRef idx="1">
+            <a:schemeClr val="accent1"/>
+          </a:lnRef>
+          <a:fillRef idx="0">
+            <a:schemeClr val="accent1"/>
+          </a:fillRef>
+          <a:effectRef idx="0">
+            <a:schemeClr val="accent1"/>
+          </a:effectRef>
+          <a:fontRef idx="minor">
+            <a:schemeClr val="tx1"/>
+          </a:fontRef>
+        </p:style>
+      </p:cxnSp>
       <p:grpSp>
         <p:nvGrpSpPr>
-          <p:cNvPr id="2204" name="Grupo 2203">
+          <p:cNvPr id="38" name="Grupo 37">
             <a:extLst>
               <a:ext uri="{FF2B5EF4-FFF2-40B4-BE49-F238E27FC236}">
-                <a16:creationId xmlns:a16="http://schemas.microsoft.com/office/drawing/2014/main" id="{9694839F-9283-2E30-05F4-55BCCF47FE70}"/>
+                <a16:creationId xmlns:a16="http://schemas.microsoft.com/office/drawing/2014/main" id="{20E5DAE1-DF04-E9BF-896C-223D68A22D24}"/>
               </a:ext>
             </a:extLst>
           </p:cNvPr>
@@ -3369,2370 +3901,19 @@
           <p:nvPr/>
         </p:nvGrpSpPr>
         <p:grpSpPr>
-          <a:xfrm>
-            <a:off x="384004" y="-134858"/>
-            <a:ext cx="11607312" cy="6951035"/>
-            <a:chOff x="384004" y="-134858"/>
-            <a:chExt cx="11607312" cy="6951035"/>
+          <a:xfrm rot="16200000">
+            <a:off x="654933" y="3215671"/>
+            <a:ext cx="1208512" cy="923330"/>
+            <a:chOff x="6456944" y="5142210"/>
+            <a:chExt cx="1208512" cy="923330"/>
           </a:xfrm>
         </p:grpSpPr>
-        <p:pic>
-          <p:nvPicPr>
-            <p:cNvPr id="2" name="Imagen 1">
-              <a:extLst>
-                <a:ext uri="{FF2B5EF4-FFF2-40B4-BE49-F238E27FC236}">
-                  <a16:creationId xmlns:a16="http://schemas.microsoft.com/office/drawing/2014/main" id="{AAF09E66-6F9A-1EF2-34BD-D1C98DE9BA9F}"/>
-                </a:ext>
-              </a:extLst>
-            </p:cNvPr>
-            <p:cNvPicPr>
-              <a:picLocks noChangeAspect="1"/>
-            </p:cNvPicPr>
-            <p:nvPr/>
-          </p:nvPicPr>
-          <p:blipFill>
-            <a:blip r:embed="rId2"/>
-            <a:stretch>
-              <a:fillRect/>
-            </a:stretch>
-          </p:blipFill>
-          <p:spPr>
-            <a:xfrm>
-              <a:off x="3176581" y="2526247"/>
-              <a:ext cx="4582406" cy="3058453"/>
-            </a:xfrm>
-            <a:prstGeom prst="rect">
-              <a:avLst/>
-            </a:prstGeom>
-          </p:spPr>
-        </p:pic>
-        <p:pic>
-          <p:nvPicPr>
-            <p:cNvPr id="3" name="Imagen 2">
-              <a:extLst>
-                <a:ext uri="{FF2B5EF4-FFF2-40B4-BE49-F238E27FC236}">
-                  <a16:creationId xmlns:a16="http://schemas.microsoft.com/office/drawing/2014/main" id="{F3B6192F-5201-CA5A-E71E-B9322D0A6A53}"/>
-                </a:ext>
-              </a:extLst>
-            </p:cNvPr>
-            <p:cNvPicPr>
-              <a:picLocks noChangeAspect="1"/>
-            </p:cNvPicPr>
-            <p:nvPr/>
-          </p:nvPicPr>
-          <p:blipFill rotWithShape="1">
-            <a:blip r:embed="rId3"/>
-            <a:srcRect l="4872" t="5421" r="5089" b="5428"/>
-            <a:stretch/>
-          </p:blipFill>
-          <p:spPr>
-            <a:xfrm rot="5400000">
-              <a:off x="7871588" y="2909846"/>
-              <a:ext cx="2974429" cy="2291257"/>
-            </a:xfrm>
-            <a:prstGeom prst="rect">
-              <a:avLst/>
-            </a:prstGeom>
-          </p:spPr>
-        </p:pic>
-        <p:cxnSp>
-          <p:nvCxnSpPr>
-            <p:cNvPr id="14" name="Conector recto 13">
-              <a:extLst>
-                <a:ext uri="{FF2B5EF4-FFF2-40B4-BE49-F238E27FC236}">
-                  <a16:creationId xmlns:a16="http://schemas.microsoft.com/office/drawing/2014/main" id="{2866CDBD-8D37-5381-B226-3AFD990BCEFA}"/>
-                </a:ext>
-              </a:extLst>
-            </p:cNvPr>
-            <p:cNvCxnSpPr>
-              <a:cxnSpLocks/>
-            </p:cNvCxnSpPr>
-            <p:nvPr/>
-          </p:nvCxnSpPr>
-          <p:spPr>
-            <a:xfrm flipV="1">
-              <a:off x="3689131" y="733622"/>
-              <a:ext cx="0" cy="1944000"/>
-            </a:xfrm>
-            <a:prstGeom prst="line">
-              <a:avLst/>
-            </a:prstGeom>
-            <a:ln w="76200">
-              <a:solidFill>
-                <a:srgbClr val="FF0000"/>
-              </a:solidFill>
-            </a:ln>
-          </p:spPr>
-          <p:style>
-            <a:lnRef idx="1">
-              <a:schemeClr val="accent1"/>
-            </a:lnRef>
-            <a:fillRef idx="0">
-              <a:schemeClr val="accent1"/>
-            </a:fillRef>
-            <a:effectRef idx="0">
-              <a:schemeClr val="accent1"/>
-            </a:effectRef>
-            <a:fontRef idx="minor">
-              <a:schemeClr val="tx1"/>
-            </a:fontRef>
-          </p:style>
-        </p:cxnSp>
-        <p:cxnSp>
-          <p:nvCxnSpPr>
-            <p:cNvPr id="23" name="Conector recto 22">
-              <a:extLst>
-                <a:ext uri="{FF2B5EF4-FFF2-40B4-BE49-F238E27FC236}">
-                  <a16:creationId xmlns:a16="http://schemas.microsoft.com/office/drawing/2014/main" id="{2E17D54C-31E1-7C69-337E-7BEEB5027E0D}"/>
-                </a:ext>
-              </a:extLst>
-            </p:cNvPr>
-            <p:cNvCxnSpPr>
-              <a:cxnSpLocks/>
-            </p:cNvCxnSpPr>
-            <p:nvPr/>
-          </p:nvCxnSpPr>
-          <p:spPr>
-            <a:xfrm flipV="1">
-              <a:off x="4018455" y="723112"/>
-              <a:ext cx="0" cy="1944000"/>
-            </a:xfrm>
-            <a:prstGeom prst="line">
-              <a:avLst/>
-            </a:prstGeom>
-            <a:ln w="76200">
-              <a:solidFill>
-                <a:srgbClr val="FF0000"/>
-              </a:solidFill>
-            </a:ln>
-          </p:spPr>
-          <p:style>
-            <a:lnRef idx="1">
-              <a:schemeClr val="accent1"/>
-            </a:lnRef>
-            <a:fillRef idx="0">
-              <a:schemeClr val="accent1"/>
-            </a:fillRef>
-            <a:effectRef idx="0">
-              <a:schemeClr val="accent1"/>
-            </a:effectRef>
-            <a:fontRef idx="minor">
-              <a:schemeClr val="tx1"/>
-            </a:fontRef>
-          </p:style>
-        </p:cxnSp>
-        <p:cxnSp>
-          <p:nvCxnSpPr>
-            <p:cNvPr id="24" name="Conector recto 23">
-              <a:extLst>
-                <a:ext uri="{FF2B5EF4-FFF2-40B4-BE49-F238E27FC236}">
-                  <a16:creationId xmlns:a16="http://schemas.microsoft.com/office/drawing/2014/main" id="{F7C88A0D-1DAF-58CE-3CA5-5A3C6562D231}"/>
-                </a:ext>
-              </a:extLst>
-            </p:cNvPr>
-            <p:cNvCxnSpPr>
-              <a:cxnSpLocks/>
-            </p:cNvCxnSpPr>
-            <p:nvPr/>
-          </p:nvCxnSpPr>
-          <p:spPr>
-            <a:xfrm flipV="1">
-              <a:off x="4677103" y="733622"/>
-              <a:ext cx="0" cy="1944000"/>
-            </a:xfrm>
-            <a:prstGeom prst="line">
-              <a:avLst/>
-            </a:prstGeom>
-            <a:ln w="76200">
-              <a:solidFill>
-                <a:srgbClr val="FF0000"/>
-              </a:solidFill>
-            </a:ln>
-          </p:spPr>
-          <p:style>
-            <a:lnRef idx="1">
-              <a:schemeClr val="accent1"/>
-            </a:lnRef>
-            <a:fillRef idx="0">
-              <a:schemeClr val="accent1"/>
-            </a:fillRef>
-            <a:effectRef idx="0">
-              <a:schemeClr val="accent1"/>
-            </a:effectRef>
-            <a:fontRef idx="minor">
-              <a:schemeClr val="tx1"/>
-            </a:fontRef>
-          </p:style>
-        </p:cxnSp>
-        <p:cxnSp>
-          <p:nvCxnSpPr>
-            <p:cNvPr id="25" name="Conector recto 24">
-              <a:extLst>
-                <a:ext uri="{FF2B5EF4-FFF2-40B4-BE49-F238E27FC236}">
-                  <a16:creationId xmlns:a16="http://schemas.microsoft.com/office/drawing/2014/main" id="{C05FE201-4F9E-DFA1-4659-17836D938B26}"/>
-                </a:ext>
-              </a:extLst>
-            </p:cNvPr>
-            <p:cNvCxnSpPr>
-              <a:cxnSpLocks/>
-            </p:cNvCxnSpPr>
-            <p:nvPr/>
-          </p:nvCxnSpPr>
-          <p:spPr>
-            <a:xfrm flipV="1">
-              <a:off x="5006427" y="733622"/>
-              <a:ext cx="0" cy="1944000"/>
-            </a:xfrm>
-            <a:prstGeom prst="line">
-              <a:avLst/>
-            </a:prstGeom>
-            <a:ln w="76200">
-              <a:solidFill>
-                <a:srgbClr val="FF0000"/>
-              </a:solidFill>
-            </a:ln>
-          </p:spPr>
-          <p:style>
-            <a:lnRef idx="1">
-              <a:schemeClr val="accent1"/>
-            </a:lnRef>
-            <a:fillRef idx="0">
-              <a:schemeClr val="accent1"/>
-            </a:fillRef>
-            <a:effectRef idx="0">
-              <a:schemeClr val="accent1"/>
-            </a:effectRef>
-            <a:fontRef idx="minor">
-              <a:schemeClr val="tx1"/>
-            </a:fontRef>
-          </p:style>
-        </p:cxnSp>
-        <p:cxnSp>
-          <p:nvCxnSpPr>
-            <p:cNvPr id="26" name="Conector recto 25">
-              <a:extLst>
-                <a:ext uri="{FF2B5EF4-FFF2-40B4-BE49-F238E27FC236}">
-                  <a16:creationId xmlns:a16="http://schemas.microsoft.com/office/drawing/2014/main" id="{33767ACF-2BE3-7D6F-C884-D48372FCB238}"/>
-                </a:ext>
-              </a:extLst>
-            </p:cNvPr>
-            <p:cNvCxnSpPr>
-              <a:cxnSpLocks/>
-            </p:cNvCxnSpPr>
-            <p:nvPr/>
-          </p:nvCxnSpPr>
-          <p:spPr>
-            <a:xfrm flipV="1">
-              <a:off x="5665075" y="733622"/>
-              <a:ext cx="0" cy="1944000"/>
-            </a:xfrm>
-            <a:prstGeom prst="line">
-              <a:avLst/>
-            </a:prstGeom>
-            <a:ln w="76200">
-              <a:solidFill>
-                <a:srgbClr val="FF0000"/>
-              </a:solidFill>
-            </a:ln>
-          </p:spPr>
-          <p:style>
-            <a:lnRef idx="1">
-              <a:schemeClr val="accent1"/>
-            </a:lnRef>
-            <a:fillRef idx="0">
-              <a:schemeClr val="accent1"/>
-            </a:fillRef>
-            <a:effectRef idx="0">
-              <a:schemeClr val="accent1"/>
-            </a:effectRef>
-            <a:fontRef idx="minor">
-              <a:schemeClr val="tx1"/>
-            </a:fontRef>
-          </p:style>
-        </p:cxnSp>
-        <p:cxnSp>
-          <p:nvCxnSpPr>
-            <p:cNvPr id="27" name="Conector recto 26">
-              <a:extLst>
-                <a:ext uri="{FF2B5EF4-FFF2-40B4-BE49-F238E27FC236}">
-                  <a16:creationId xmlns:a16="http://schemas.microsoft.com/office/drawing/2014/main" id="{F08A3664-337A-2598-E40C-CA040BA126AC}"/>
-                </a:ext>
-              </a:extLst>
-            </p:cNvPr>
-            <p:cNvCxnSpPr>
-              <a:cxnSpLocks/>
-            </p:cNvCxnSpPr>
-            <p:nvPr/>
-          </p:nvCxnSpPr>
-          <p:spPr>
-            <a:xfrm flipV="1">
-              <a:off x="5994399" y="733622"/>
-              <a:ext cx="0" cy="1944000"/>
-            </a:xfrm>
-            <a:prstGeom prst="line">
-              <a:avLst/>
-            </a:prstGeom>
-            <a:ln w="76200">
-              <a:solidFill>
-                <a:srgbClr val="FF0000"/>
-              </a:solidFill>
-            </a:ln>
-          </p:spPr>
-          <p:style>
-            <a:lnRef idx="1">
-              <a:schemeClr val="accent1"/>
-            </a:lnRef>
-            <a:fillRef idx="0">
-              <a:schemeClr val="accent1"/>
-            </a:fillRef>
-            <a:effectRef idx="0">
-              <a:schemeClr val="accent1"/>
-            </a:effectRef>
-            <a:fontRef idx="minor">
-              <a:schemeClr val="tx1"/>
-            </a:fontRef>
-          </p:style>
-        </p:cxnSp>
-        <p:cxnSp>
-          <p:nvCxnSpPr>
-            <p:cNvPr id="30" name="Conector recto 29">
-              <a:extLst>
-                <a:ext uri="{FF2B5EF4-FFF2-40B4-BE49-F238E27FC236}">
-                  <a16:creationId xmlns:a16="http://schemas.microsoft.com/office/drawing/2014/main" id="{00664D20-0003-7F8A-1E29-0E1F036BDB42}"/>
-                </a:ext>
-              </a:extLst>
-            </p:cNvPr>
-            <p:cNvCxnSpPr>
-              <a:cxnSpLocks/>
-            </p:cNvCxnSpPr>
-            <p:nvPr/>
-          </p:nvCxnSpPr>
-          <p:spPr>
-            <a:xfrm flipV="1">
-              <a:off x="4344275" y="817702"/>
-              <a:ext cx="3504" cy="385050"/>
-            </a:xfrm>
-            <a:prstGeom prst="line">
-              <a:avLst/>
-            </a:prstGeom>
-            <a:ln w="76200">
-              <a:solidFill>
-                <a:srgbClr val="FF0000"/>
-              </a:solidFill>
-            </a:ln>
-          </p:spPr>
-          <p:style>
-            <a:lnRef idx="1">
-              <a:schemeClr val="accent1"/>
-            </a:lnRef>
-            <a:fillRef idx="0">
-              <a:schemeClr val="accent1"/>
-            </a:fillRef>
-            <a:effectRef idx="0">
-              <a:schemeClr val="accent1"/>
-            </a:effectRef>
-            <a:fontRef idx="minor">
-              <a:schemeClr val="tx1"/>
-            </a:fontRef>
-          </p:style>
-        </p:cxnSp>
-        <p:cxnSp>
-          <p:nvCxnSpPr>
-            <p:cNvPr id="31" name="Conector recto 30">
-              <a:extLst>
-                <a:ext uri="{FF2B5EF4-FFF2-40B4-BE49-F238E27FC236}">
-                  <a16:creationId xmlns:a16="http://schemas.microsoft.com/office/drawing/2014/main" id="{092487A4-F226-1102-89F4-3AD1F2A8B64A}"/>
-                </a:ext>
-              </a:extLst>
-            </p:cNvPr>
-            <p:cNvCxnSpPr>
-              <a:cxnSpLocks/>
-            </p:cNvCxnSpPr>
-            <p:nvPr/>
-          </p:nvCxnSpPr>
-          <p:spPr>
-            <a:xfrm flipV="1">
-              <a:off x="6323723" y="870254"/>
-              <a:ext cx="0" cy="468000"/>
-            </a:xfrm>
-            <a:prstGeom prst="line">
-              <a:avLst/>
-            </a:prstGeom>
-            <a:ln w="76200">
-              <a:solidFill>
-                <a:srgbClr val="FF0000"/>
-              </a:solidFill>
-            </a:ln>
-          </p:spPr>
-          <p:style>
-            <a:lnRef idx="1">
-              <a:schemeClr val="accent1"/>
-            </a:lnRef>
-            <a:fillRef idx="0">
-              <a:schemeClr val="accent1"/>
-            </a:fillRef>
-            <a:effectRef idx="0">
-              <a:schemeClr val="accent1"/>
-            </a:effectRef>
-            <a:fontRef idx="minor">
-              <a:schemeClr val="tx1"/>
-            </a:fontRef>
-          </p:style>
-        </p:cxnSp>
-        <p:cxnSp>
-          <p:nvCxnSpPr>
-            <p:cNvPr id="33" name="Conector recto 32">
-              <a:extLst>
-                <a:ext uri="{FF2B5EF4-FFF2-40B4-BE49-F238E27FC236}">
-                  <a16:creationId xmlns:a16="http://schemas.microsoft.com/office/drawing/2014/main" id="{3A9B67EA-A69E-3398-A237-C7237F98CA07}"/>
-                </a:ext>
-              </a:extLst>
-            </p:cNvPr>
-            <p:cNvCxnSpPr>
-              <a:cxnSpLocks/>
-            </p:cNvCxnSpPr>
-            <p:nvPr/>
-          </p:nvCxnSpPr>
-          <p:spPr>
-            <a:xfrm flipV="1">
-              <a:off x="5335751" y="817702"/>
-              <a:ext cx="0" cy="612000"/>
-            </a:xfrm>
-            <a:prstGeom prst="line">
-              <a:avLst/>
-            </a:prstGeom>
-            <a:ln w="76200">
-              <a:solidFill>
-                <a:srgbClr val="FF0000"/>
-              </a:solidFill>
-            </a:ln>
-          </p:spPr>
-          <p:style>
-            <a:lnRef idx="1">
-              <a:schemeClr val="accent1"/>
-            </a:lnRef>
-            <a:fillRef idx="0">
-              <a:schemeClr val="accent1"/>
-            </a:fillRef>
-            <a:effectRef idx="0">
-              <a:schemeClr val="accent1"/>
-            </a:effectRef>
-            <a:fontRef idx="minor">
-              <a:schemeClr val="tx1"/>
-            </a:fontRef>
-          </p:style>
-        </p:cxnSp>
-        <p:cxnSp>
-          <p:nvCxnSpPr>
-            <p:cNvPr id="34" name="Conector recto 33">
-              <a:extLst>
-                <a:ext uri="{FF2B5EF4-FFF2-40B4-BE49-F238E27FC236}">
-                  <a16:creationId xmlns:a16="http://schemas.microsoft.com/office/drawing/2014/main" id="{62C59064-CAEB-4BC7-1170-C7549D1C8074}"/>
-                </a:ext>
-              </a:extLst>
-            </p:cNvPr>
-            <p:cNvCxnSpPr>
-              <a:cxnSpLocks/>
-            </p:cNvCxnSpPr>
-            <p:nvPr/>
-          </p:nvCxnSpPr>
-          <p:spPr>
-            <a:xfrm>
-              <a:off x="1498519" y="1202752"/>
-              <a:ext cx="2880000" cy="0"/>
-            </a:xfrm>
-            <a:prstGeom prst="line">
-              <a:avLst/>
-            </a:prstGeom>
-            <a:ln w="76200">
-              <a:solidFill>
-                <a:srgbClr val="FF0000"/>
-              </a:solidFill>
-            </a:ln>
-          </p:spPr>
-          <p:style>
-            <a:lnRef idx="1">
-              <a:schemeClr val="accent1"/>
-            </a:lnRef>
-            <a:fillRef idx="0">
-              <a:schemeClr val="accent1"/>
-            </a:fillRef>
-            <a:effectRef idx="0">
-              <a:schemeClr val="accent1"/>
-            </a:effectRef>
-            <a:fontRef idx="minor">
-              <a:schemeClr val="tx1"/>
-            </a:fontRef>
-          </p:style>
-        </p:cxnSp>
-        <p:cxnSp>
-          <p:nvCxnSpPr>
-            <p:cNvPr id="37" name="Conector recto 36">
-              <a:extLst>
-                <a:ext uri="{FF2B5EF4-FFF2-40B4-BE49-F238E27FC236}">
-                  <a16:creationId xmlns:a16="http://schemas.microsoft.com/office/drawing/2014/main" id="{C9063632-E3D0-BB57-5727-6A4B910DE7CF}"/>
-                </a:ext>
-              </a:extLst>
-            </p:cNvPr>
-            <p:cNvCxnSpPr>
-              <a:cxnSpLocks/>
-            </p:cNvCxnSpPr>
-            <p:nvPr/>
-          </p:nvCxnSpPr>
-          <p:spPr>
-            <a:xfrm>
-              <a:off x="2445711" y="1421652"/>
-              <a:ext cx="2900550" cy="0"/>
-            </a:xfrm>
-            <a:prstGeom prst="line">
-              <a:avLst/>
-            </a:prstGeom>
-            <a:ln w="76200">
-              <a:solidFill>
-                <a:srgbClr val="FF0000"/>
-              </a:solidFill>
-            </a:ln>
-          </p:spPr>
-          <p:style>
-            <a:lnRef idx="1">
-              <a:schemeClr val="accent1"/>
-            </a:lnRef>
-            <a:fillRef idx="0">
-              <a:schemeClr val="accent1"/>
-            </a:fillRef>
-            <a:effectRef idx="0">
-              <a:schemeClr val="accent1"/>
-            </a:effectRef>
-            <a:fontRef idx="minor">
-              <a:schemeClr val="tx1"/>
-            </a:fontRef>
-          </p:style>
-        </p:cxnSp>
-        <p:grpSp>
-          <p:nvGrpSpPr>
-            <p:cNvPr id="38" name="Grupo 37">
-              <a:extLst>
-                <a:ext uri="{FF2B5EF4-FFF2-40B4-BE49-F238E27FC236}">
-                  <a16:creationId xmlns:a16="http://schemas.microsoft.com/office/drawing/2014/main" id="{20E5DAE1-DF04-E9BF-896C-223D68A22D24}"/>
-                </a:ext>
-              </a:extLst>
-            </p:cNvPr>
-            <p:cNvGrpSpPr/>
-            <p:nvPr/>
-          </p:nvGrpSpPr>
-          <p:grpSpPr>
-            <a:xfrm rot="16200000">
-              <a:off x="654933" y="3215671"/>
-              <a:ext cx="1208512" cy="923330"/>
-              <a:chOff x="6456944" y="5142210"/>
-              <a:chExt cx="1208512" cy="923330"/>
-            </a:xfrm>
-          </p:grpSpPr>
-          <p:sp>
-            <p:nvSpPr>
-              <p:cNvPr id="39" name="Rectángulo: esquinas redondeadas 38">
-                <a:extLst>
-                  <a:ext uri="{FF2B5EF4-FFF2-40B4-BE49-F238E27FC236}">
-                    <a16:creationId xmlns:a16="http://schemas.microsoft.com/office/drawing/2014/main" id="{608086D9-3390-8B61-77BD-F03F47E0090C}"/>
-                  </a:ext>
-                </a:extLst>
-              </p:cNvPr>
-              <p:cNvSpPr/>
-              <p:nvPr/>
-            </p:nvSpPr>
-            <p:spPr>
-              <a:xfrm>
-                <a:off x="6597650" y="5219700"/>
-                <a:ext cx="927100" cy="768350"/>
-              </a:xfrm>
-              <a:prstGeom prst="roundRect">
-                <a:avLst>
-                  <a:gd name="adj" fmla="val 8144"/>
-                </a:avLst>
-              </a:prstGeom>
-            </p:spPr>
-            <p:style>
-              <a:lnRef idx="2">
-                <a:schemeClr val="accent1">
-                  <a:shade val="50000"/>
-                </a:schemeClr>
-              </a:lnRef>
-              <a:fillRef idx="1">
-                <a:schemeClr val="accent1"/>
-              </a:fillRef>
-              <a:effectRef idx="0">
-                <a:schemeClr val="accent1"/>
-              </a:effectRef>
-              <a:fontRef idx="minor">
-                <a:schemeClr val="lt1"/>
-              </a:fontRef>
-            </p:style>
-            <p:txBody>
-              <a:bodyPr rtlCol="0" anchor="ctr"/>
-              <a:lstStyle/>
-              <a:p>
-                <a:pPr algn="ctr"/>
-                <a:endParaRPr lang="es-MX"/>
-              </a:p>
-            </p:txBody>
-          </p:sp>
-          <p:sp>
-            <p:nvSpPr>
-              <p:cNvPr id="40" name="CuadroTexto 39">
-                <a:extLst>
-                  <a:ext uri="{FF2B5EF4-FFF2-40B4-BE49-F238E27FC236}">
-                    <a16:creationId xmlns:a16="http://schemas.microsoft.com/office/drawing/2014/main" id="{9F8E12DF-FD7C-08D9-270D-079CD6757131}"/>
-                  </a:ext>
-                </a:extLst>
-              </p:cNvPr>
-              <p:cNvSpPr txBox="1"/>
-              <p:nvPr/>
-            </p:nvSpPr>
-            <p:spPr>
-              <a:xfrm>
-                <a:off x="6540236" y="5142210"/>
-                <a:ext cx="1055370" cy="923330"/>
-              </a:xfrm>
-              <a:prstGeom prst="rect">
-                <a:avLst/>
-              </a:prstGeom>
-              <a:noFill/>
-            </p:spPr>
-            <p:txBody>
-              <a:bodyPr wrap="square" rtlCol="0">
-                <a:spAutoFit/>
-              </a:bodyPr>
-              <a:lstStyle/>
-              <a:p>
-                <a:r>
-                  <a:rPr lang="es-MX" dirty="0">
-                    <a:solidFill>
-                      <a:schemeClr val="bg1"/>
-                    </a:solidFill>
-                  </a:rPr>
-                  <a:t>+            ~ </a:t>
-                </a:r>
-              </a:p>
-              <a:p>
-                <a:endParaRPr lang="es-MX" dirty="0">
-                  <a:solidFill>
-                    <a:schemeClr val="bg1"/>
-                  </a:solidFill>
-                </a:endParaRPr>
-              </a:p>
-              <a:p>
-                <a:r>
-                  <a:rPr lang="es-MX" dirty="0">
-                    <a:solidFill>
-                      <a:schemeClr val="bg1"/>
-                    </a:solidFill>
-                  </a:rPr>
-                  <a:t>–            ~</a:t>
-                </a:r>
-              </a:p>
-            </p:txBody>
-          </p:sp>
-          <p:cxnSp>
-            <p:nvCxnSpPr>
-              <p:cNvPr id="41" name="Conector recto 40">
-                <a:extLst>
-                  <a:ext uri="{FF2B5EF4-FFF2-40B4-BE49-F238E27FC236}">
-                    <a16:creationId xmlns:a16="http://schemas.microsoft.com/office/drawing/2014/main" id="{87464461-A207-24E1-3C93-E02D660910AB}"/>
-                  </a:ext>
-                </a:extLst>
-              </p:cNvPr>
-              <p:cNvCxnSpPr/>
-              <p:nvPr/>
-            </p:nvCxnSpPr>
-            <p:spPr>
-              <a:xfrm>
-                <a:off x="6457950" y="5340350"/>
-                <a:ext cx="139700" cy="0"/>
-              </a:xfrm>
-              <a:prstGeom prst="line">
-                <a:avLst/>
-              </a:prstGeom>
-            </p:spPr>
-            <p:style>
-              <a:lnRef idx="3">
-                <a:schemeClr val="dk1"/>
-              </a:lnRef>
-              <a:fillRef idx="0">
-                <a:schemeClr val="dk1"/>
-              </a:fillRef>
-              <a:effectRef idx="2">
-                <a:schemeClr val="dk1"/>
-              </a:effectRef>
-              <a:fontRef idx="minor">
-                <a:schemeClr val="tx1"/>
-              </a:fontRef>
-            </p:style>
-          </p:cxnSp>
-          <p:cxnSp>
-            <p:nvCxnSpPr>
-              <p:cNvPr id="42" name="Conector recto 41">
-                <a:extLst>
-                  <a:ext uri="{FF2B5EF4-FFF2-40B4-BE49-F238E27FC236}">
-                    <a16:creationId xmlns:a16="http://schemas.microsoft.com/office/drawing/2014/main" id="{69D8844C-6414-4408-905A-D84A4E603937}"/>
-                  </a:ext>
-                </a:extLst>
-              </p:cNvPr>
-              <p:cNvCxnSpPr/>
-              <p:nvPr/>
-            </p:nvCxnSpPr>
-            <p:spPr>
-              <a:xfrm>
-                <a:off x="7525756" y="5340350"/>
-                <a:ext cx="139700" cy="0"/>
-              </a:xfrm>
-              <a:prstGeom prst="line">
-                <a:avLst/>
-              </a:prstGeom>
-            </p:spPr>
-            <p:style>
-              <a:lnRef idx="3">
-                <a:schemeClr val="dk1"/>
-              </a:lnRef>
-              <a:fillRef idx="0">
-                <a:schemeClr val="dk1"/>
-              </a:fillRef>
-              <a:effectRef idx="2">
-                <a:schemeClr val="dk1"/>
-              </a:effectRef>
-              <a:fontRef idx="minor">
-                <a:schemeClr val="tx1"/>
-              </a:fontRef>
-            </p:style>
-          </p:cxnSp>
-          <p:cxnSp>
-            <p:nvCxnSpPr>
-              <p:cNvPr id="43" name="Conector recto 42">
-                <a:extLst>
-                  <a:ext uri="{FF2B5EF4-FFF2-40B4-BE49-F238E27FC236}">
-                    <a16:creationId xmlns:a16="http://schemas.microsoft.com/office/drawing/2014/main" id="{965AE79B-81C3-5A13-588A-B1A2A40E4222}"/>
-                  </a:ext>
-                </a:extLst>
-              </p:cNvPr>
-              <p:cNvCxnSpPr/>
-              <p:nvPr/>
-            </p:nvCxnSpPr>
-            <p:spPr>
-              <a:xfrm>
-                <a:off x="6456944" y="5864225"/>
-                <a:ext cx="139700" cy="0"/>
-              </a:xfrm>
-              <a:prstGeom prst="line">
-                <a:avLst/>
-              </a:prstGeom>
-            </p:spPr>
-            <p:style>
-              <a:lnRef idx="3">
-                <a:schemeClr val="dk1"/>
-              </a:lnRef>
-              <a:fillRef idx="0">
-                <a:schemeClr val="dk1"/>
-              </a:fillRef>
-              <a:effectRef idx="2">
-                <a:schemeClr val="dk1"/>
-              </a:effectRef>
-              <a:fontRef idx="minor">
-                <a:schemeClr val="tx1"/>
-              </a:fontRef>
-            </p:style>
-          </p:cxnSp>
-          <p:cxnSp>
-            <p:nvCxnSpPr>
-              <p:cNvPr id="44" name="Conector recto 43">
-                <a:extLst>
-                  <a:ext uri="{FF2B5EF4-FFF2-40B4-BE49-F238E27FC236}">
-                    <a16:creationId xmlns:a16="http://schemas.microsoft.com/office/drawing/2014/main" id="{A991C4C4-7FA0-D50A-16A7-CD6C08A2C3AC}"/>
-                  </a:ext>
-                </a:extLst>
-              </p:cNvPr>
-              <p:cNvCxnSpPr/>
-              <p:nvPr/>
-            </p:nvCxnSpPr>
-            <p:spPr>
-              <a:xfrm>
-                <a:off x="7524750" y="5864225"/>
-                <a:ext cx="139700" cy="0"/>
-              </a:xfrm>
-              <a:prstGeom prst="line">
-                <a:avLst/>
-              </a:prstGeom>
-            </p:spPr>
-            <p:style>
-              <a:lnRef idx="3">
-                <a:schemeClr val="dk1"/>
-              </a:lnRef>
-              <a:fillRef idx="0">
-                <a:schemeClr val="dk1"/>
-              </a:fillRef>
-              <a:effectRef idx="2">
-                <a:schemeClr val="dk1"/>
-              </a:effectRef>
-              <a:fontRef idx="minor">
-                <a:schemeClr val="tx1"/>
-              </a:fontRef>
-            </p:style>
-          </p:cxnSp>
-        </p:grpSp>
-        <p:grpSp>
-          <p:nvGrpSpPr>
-            <p:cNvPr id="45" name="Grupo 44">
-              <a:extLst>
-                <a:ext uri="{FF2B5EF4-FFF2-40B4-BE49-F238E27FC236}">
-                  <a16:creationId xmlns:a16="http://schemas.microsoft.com/office/drawing/2014/main" id="{0F67C284-9D28-A85C-129A-A928A73F397C}"/>
-                </a:ext>
-              </a:extLst>
-            </p:cNvPr>
-            <p:cNvGrpSpPr/>
-            <p:nvPr/>
-          </p:nvGrpSpPr>
-          <p:grpSpPr>
-            <a:xfrm rot="16200000">
-              <a:off x="1581105" y="3215672"/>
-              <a:ext cx="1208512" cy="923330"/>
-              <a:chOff x="6456944" y="5142210"/>
-              <a:chExt cx="1208512" cy="923330"/>
-            </a:xfrm>
-          </p:grpSpPr>
-          <p:sp>
-            <p:nvSpPr>
-              <p:cNvPr id="46" name="Rectángulo: esquinas redondeadas 45">
-                <a:extLst>
-                  <a:ext uri="{FF2B5EF4-FFF2-40B4-BE49-F238E27FC236}">
-                    <a16:creationId xmlns:a16="http://schemas.microsoft.com/office/drawing/2014/main" id="{C1CD68CB-6399-3970-CA33-425273D1BE44}"/>
-                  </a:ext>
-                </a:extLst>
-              </p:cNvPr>
-              <p:cNvSpPr/>
-              <p:nvPr/>
-            </p:nvSpPr>
-            <p:spPr>
-              <a:xfrm>
-                <a:off x="6597650" y="5219700"/>
-                <a:ext cx="927100" cy="768350"/>
-              </a:xfrm>
-              <a:prstGeom prst="roundRect">
-                <a:avLst>
-                  <a:gd name="adj" fmla="val 8144"/>
-                </a:avLst>
-              </a:prstGeom>
-            </p:spPr>
-            <p:style>
-              <a:lnRef idx="2">
-                <a:schemeClr val="accent1">
-                  <a:shade val="50000"/>
-                </a:schemeClr>
-              </a:lnRef>
-              <a:fillRef idx="1">
-                <a:schemeClr val="accent1"/>
-              </a:fillRef>
-              <a:effectRef idx="0">
-                <a:schemeClr val="accent1"/>
-              </a:effectRef>
-              <a:fontRef idx="minor">
-                <a:schemeClr val="lt1"/>
-              </a:fontRef>
-            </p:style>
-            <p:txBody>
-              <a:bodyPr rtlCol="0" anchor="ctr"/>
-              <a:lstStyle/>
-              <a:p>
-                <a:pPr algn="ctr"/>
-                <a:endParaRPr lang="es-MX"/>
-              </a:p>
-            </p:txBody>
-          </p:sp>
-          <p:sp>
-            <p:nvSpPr>
-              <p:cNvPr id="47" name="CuadroTexto 46">
-                <a:extLst>
-                  <a:ext uri="{FF2B5EF4-FFF2-40B4-BE49-F238E27FC236}">
-                    <a16:creationId xmlns:a16="http://schemas.microsoft.com/office/drawing/2014/main" id="{2EA58E2A-D5C0-B562-1272-0647E1FF901F}"/>
-                  </a:ext>
-                </a:extLst>
-              </p:cNvPr>
-              <p:cNvSpPr txBox="1"/>
-              <p:nvPr/>
-            </p:nvSpPr>
-            <p:spPr>
-              <a:xfrm>
-                <a:off x="6540236" y="5142210"/>
-                <a:ext cx="1055370" cy="923330"/>
-              </a:xfrm>
-              <a:prstGeom prst="rect">
-                <a:avLst/>
-              </a:prstGeom>
-              <a:noFill/>
-            </p:spPr>
-            <p:txBody>
-              <a:bodyPr wrap="square" rtlCol="0">
-                <a:spAutoFit/>
-              </a:bodyPr>
-              <a:lstStyle/>
-              <a:p>
-                <a:r>
-                  <a:rPr lang="es-MX" dirty="0">
-                    <a:solidFill>
-                      <a:schemeClr val="bg1"/>
-                    </a:solidFill>
-                  </a:rPr>
-                  <a:t>+            ~ </a:t>
-                </a:r>
-              </a:p>
-              <a:p>
-                <a:endParaRPr lang="es-MX" dirty="0">
-                  <a:solidFill>
-                    <a:schemeClr val="bg1"/>
-                  </a:solidFill>
-                </a:endParaRPr>
-              </a:p>
-              <a:p>
-                <a:r>
-                  <a:rPr lang="es-MX" dirty="0">
-                    <a:solidFill>
-                      <a:schemeClr val="bg1"/>
-                    </a:solidFill>
-                  </a:rPr>
-                  <a:t>–            ~</a:t>
-                </a:r>
-              </a:p>
-            </p:txBody>
-          </p:sp>
-          <p:cxnSp>
-            <p:nvCxnSpPr>
-              <p:cNvPr id="48" name="Conector recto 47">
-                <a:extLst>
-                  <a:ext uri="{FF2B5EF4-FFF2-40B4-BE49-F238E27FC236}">
-                    <a16:creationId xmlns:a16="http://schemas.microsoft.com/office/drawing/2014/main" id="{49EC4D20-5675-4480-2E1D-576CA4D0C391}"/>
-                  </a:ext>
-                </a:extLst>
-              </p:cNvPr>
-              <p:cNvCxnSpPr/>
-              <p:nvPr/>
-            </p:nvCxnSpPr>
-            <p:spPr>
-              <a:xfrm>
-                <a:off x="6457950" y="5340350"/>
-                <a:ext cx="139700" cy="0"/>
-              </a:xfrm>
-              <a:prstGeom prst="line">
-                <a:avLst/>
-              </a:prstGeom>
-            </p:spPr>
-            <p:style>
-              <a:lnRef idx="3">
-                <a:schemeClr val="dk1"/>
-              </a:lnRef>
-              <a:fillRef idx="0">
-                <a:schemeClr val="dk1"/>
-              </a:fillRef>
-              <a:effectRef idx="2">
-                <a:schemeClr val="dk1"/>
-              </a:effectRef>
-              <a:fontRef idx="minor">
-                <a:schemeClr val="tx1"/>
-              </a:fontRef>
-            </p:style>
-          </p:cxnSp>
-          <p:cxnSp>
-            <p:nvCxnSpPr>
-              <p:cNvPr id="49" name="Conector recto 48">
-                <a:extLst>
-                  <a:ext uri="{FF2B5EF4-FFF2-40B4-BE49-F238E27FC236}">
-                    <a16:creationId xmlns:a16="http://schemas.microsoft.com/office/drawing/2014/main" id="{2E759FD4-A48B-1A77-AF98-784ECFAA4F26}"/>
-                  </a:ext>
-                </a:extLst>
-              </p:cNvPr>
-              <p:cNvCxnSpPr/>
-              <p:nvPr/>
-            </p:nvCxnSpPr>
-            <p:spPr>
-              <a:xfrm>
-                <a:off x="7525756" y="5340350"/>
-                <a:ext cx="139700" cy="0"/>
-              </a:xfrm>
-              <a:prstGeom prst="line">
-                <a:avLst/>
-              </a:prstGeom>
-            </p:spPr>
-            <p:style>
-              <a:lnRef idx="3">
-                <a:schemeClr val="dk1"/>
-              </a:lnRef>
-              <a:fillRef idx="0">
-                <a:schemeClr val="dk1"/>
-              </a:fillRef>
-              <a:effectRef idx="2">
-                <a:schemeClr val="dk1"/>
-              </a:effectRef>
-              <a:fontRef idx="minor">
-                <a:schemeClr val="tx1"/>
-              </a:fontRef>
-            </p:style>
-          </p:cxnSp>
-          <p:cxnSp>
-            <p:nvCxnSpPr>
-              <p:cNvPr id="50" name="Conector recto 49">
-                <a:extLst>
-                  <a:ext uri="{FF2B5EF4-FFF2-40B4-BE49-F238E27FC236}">
-                    <a16:creationId xmlns:a16="http://schemas.microsoft.com/office/drawing/2014/main" id="{3A8E0E2D-A19D-54A7-1680-8FF3A1273BF5}"/>
-                  </a:ext>
-                </a:extLst>
-              </p:cNvPr>
-              <p:cNvCxnSpPr/>
-              <p:nvPr/>
-            </p:nvCxnSpPr>
-            <p:spPr>
-              <a:xfrm>
-                <a:off x="6456944" y="5864225"/>
-                <a:ext cx="139700" cy="0"/>
-              </a:xfrm>
-              <a:prstGeom prst="line">
-                <a:avLst/>
-              </a:prstGeom>
-            </p:spPr>
-            <p:style>
-              <a:lnRef idx="3">
-                <a:schemeClr val="dk1"/>
-              </a:lnRef>
-              <a:fillRef idx="0">
-                <a:schemeClr val="dk1"/>
-              </a:fillRef>
-              <a:effectRef idx="2">
-                <a:schemeClr val="dk1"/>
-              </a:effectRef>
-              <a:fontRef idx="minor">
-                <a:schemeClr val="tx1"/>
-              </a:fontRef>
-            </p:style>
-          </p:cxnSp>
-          <p:cxnSp>
-            <p:nvCxnSpPr>
-              <p:cNvPr id="51" name="Conector recto 50">
-                <a:extLst>
-                  <a:ext uri="{FF2B5EF4-FFF2-40B4-BE49-F238E27FC236}">
-                    <a16:creationId xmlns:a16="http://schemas.microsoft.com/office/drawing/2014/main" id="{AAFF84C6-9C6E-AE04-44A6-7965E8F8CB3A}"/>
-                  </a:ext>
-                </a:extLst>
-              </p:cNvPr>
-              <p:cNvCxnSpPr/>
-              <p:nvPr/>
-            </p:nvCxnSpPr>
-            <p:spPr>
-              <a:xfrm>
-                <a:off x="7524750" y="5864225"/>
-                <a:ext cx="139700" cy="0"/>
-              </a:xfrm>
-              <a:prstGeom prst="line">
-                <a:avLst/>
-              </a:prstGeom>
-            </p:spPr>
-            <p:style>
-              <a:lnRef idx="3">
-                <a:schemeClr val="dk1"/>
-              </a:lnRef>
-              <a:fillRef idx="0">
-                <a:schemeClr val="dk1"/>
-              </a:fillRef>
-              <a:effectRef idx="2">
-                <a:schemeClr val="dk1"/>
-              </a:effectRef>
-              <a:fontRef idx="minor">
-                <a:schemeClr val="tx1"/>
-              </a:fontRef>
-            </p:style>
-          </p:cxnSp>
-        </p:grpSp>
-        <p:cxnSp>
-          <p:nvCxnSpPr>
-            <p:cNvPr id="53" name="Conector recto 52">
-              <a:extLst>
-                <a:ext uri="{FF2B5EF4-FFF2-40B4-BE49-F238E27FC236}">
-                  <a16:creationId xmlns:a16="http://schemas.microsoft.com/office/drawing/2014/main" id="{233C3D74-009B-354F-D418-BECA5E6A7385}"/>
-                </a:ext>
-              </a:extLst>
-            </p:cNvPr>
-            <p:cNvCxnSpPr>
-              <a:cxnSpLocks/>
-            </p:cNvCxnSpPr>
-            <p:nvPr/>
-          </p:nvCxnSpPr>
-          <p:spPr>
-            <a:xfrm flipV="1">
-              <a:off x="2435201" y="1381011"/>
-              <a:ext cx="0" cy="1728000"/>
-            </a:xfrm>
-            <a:prstGeom prst="line">
-              <a:avLst/>
-            </a:prstGeom>
-            <a:ln w="76200">
-              <a:solidFill>
-                <a:srgbClr val="FF0000"/>
-              </a:solidFill>
-            </a:ln>
-          </p:spPr>
-          <p:style>
-            <a:lnRef idx="1">
-              <a:schemeClr val="accent1"/>
-            </a:lnRef>
-            <a:fillRef idx="0">
-              <a:schemeClr val="accent1"/>
-            </a:fillRef>
-            <a:effectRef idx="0">
-              <a:schemeClr val="accent1"/>
-            </a:effectRef>
-            <a:fontRef idx="minor">
-              <a:schemeClr val="tx1"/>
-            </a:fontRef>
-          </p:style>
-        </p:cxnSp>
-        <p:cxnSp>
-          <p:nvCxnSpPr>
-            <p:cNvPr id="55" name="Conector recto 54">
-              <a:extLst>
-                <a:ext uri="{FF2B5EF4-FFF2-40B4-BE49-F238E27FC236}">
-                  <a16:creationId xmlns:a16="http://schemas.microsoft.com/office/drawing/2014/main" id="{6337CD48-0497-5EB6-C462-004DB64F44D5}"/>
-                </a:ext>
-              </a:extLst>
-            </p:cNvPr>
-            <p:cNvCxnSpPr>
-              <a:cxnSpLocks/>
-            </p:cNvCxnSpPr>
-            <p:nvPr/>
-          </p:nvCxnSpPr>
-          <p:spPr>
-            <a:xfrm flipV="1">
-              <a:off x="1528492" y="1199848"/>
-              <a:ext cx="0" cy="1872000"/>
-            </a:xfrm>
-            <a:prstGeom prst="line">
-              <a:avLst/>
-            </a:prstGeom>
-            <a:ln w="76200">
-              <a:solidFill>
-                <a:srgbClr val="FF0000"/>
-              </a:solidFill>
-            </a:ln>
-          </p:spPr>
-          <p:style>
-            <a:lnRef idx="1">
-              <a:schemeClr val="accent1"/>
-            </a:lnRef>
-            <a:fillRef idx="0">
-              <a:schemeClr val="accent1"/>
-            </a:fillRef>
-            <a:effectRef idx="0">
-              <a:schemeClr val="accent1"/>
-            </a:effectRef>
-            <a:fontRef idx="minor">
-              <a:schemeClr val="tx1"/>
-            </a:fontRef>
-          </p:style>
-        </p:cxnSp>
-        <p:cxnSp>
-          <p:nvCxnSpPr>
-            <p:cNvPr id="61" name="Conector recto 60">
-              <a:extLst>
-                <a:ext uri="{FF2B5EF4-FFF2-40B4-BE49-F238E27FC236}">
-                  <a16:creationId xmlns:a16="http://schemas.microsoft.com/office/drawing/2014/main" id="{C7891F65-AC49-E8B1-5397-BA9CEA983B27}"/>
-                </a:ext>
-              </a:extLst>
-            </p:cNvPr>
-            <p:cNvCxnSpPr>
-              <a:cxnSpLocks/>
-            </p:cNvCxnSpPr>
-            <p:nvPr/>
-          </p:nvCxnSpPr>
-          <p:spPr>
-            <a:xfrm flipV="1">
-              <a:off x="4333765" y="2012790"/>
-              <a:ext cx="0" cy="648000"/>
-            </a:xfrm>
-            <a:prstGeom prst="line">
-              <a:avLst/>
-            </a:prstGeom>
-            <a:ln w="76200">
-              <a:solidFill>
-                <a:srgbClr val="FF0000"/>
-              </a:solidFill>
-            </a:ln>
-          </p:spPr>
-          <p:style>
-            <a:lnRef idx="1">
-              <a:schemeClr val="accent1"/>
-            </a:lnRef>
-            <a:fillRef idx="0">
-              <a:schemeClr val="accent1"/>
-            </a:fillRef>
-            <a:effectRef idx="0">
-              <a:schemeClr val="accent1"/>
-            </a:effectRef>
-            <a:fontRef idx="minor">
-              <a:schemeClr val="tx1"/>
-            </a:fontRef>
-          </p:style>
-        </p:cxnSp>
-        <p:cxnSp>
-          <p:nvCxnSpPr>
-            <p:cNvPr id="62" name="Conector recto 61">
-              <a:extLst>
-                <a:ext uri="{FF2B5EF4-FFF2-40B4-BE49-F238E27FC236}">
-                  <a16:creationId xmlns:a16="http://schemas.microsoft.com/office/drawing/2014/main" id="{398D169B-61BF-29EA-5577-9CC9301DF9F9}"/>
-                </a:ext>
-              </a:extLst>
-            </p:cNvPr>
-            <p:cNvCxnSpPr>
-              <a:cxnSpLocks/>
-            </p:cNvCxnSpPr>
-            <p:nvPr/>
-          </p:nvCxnSpPr>
-          <p:spPr>
-            <a:xfrm flipV="1">
-              <a:off x="5249566" y="2275549"/>
-              <a:ext cx="0" cy="385241"/>
-            </a:xfrm>
-            <a:prstGeom prst="line">
-              <a:avLst/>
-            </a:prstGeom>
-            <a:ln w="76200">
-              <a:solidFill>
-                <a:srgbClr val="FF0000"/>
-              </a:solidFill>
-            </a:ln>
-          </p:spPr>
-          <p:style>
-            <a:lnRef idx="1">
-              <a:schemeClr val="accent1"/>
-            </a:lnRef>
-            <a:fillRef idx="0">
-              <a:schemeClr val="accent1"/>
-            </a:fillRef>
-            <a:effectRef idx="0">
-              <a:schemeClr val="accent1"/>
-            </a:effectRef>
-            <a:fontRef idx="minor">
-              <a:schemeClr val="tx1"/>
-            </a:fontRef>
-          </p:style>
-        </p:cxnSp>
-        <p:cxnSp>
-          <p:nvCxnSpPr>
-            <p:cNvPr id="63" name="Conector recto 62">
-              <a:extLst>
-                <a:ext uri="{FF2B5EF4-FFF2-40B4-BE49-F238E27FC236}">
-                  <a16:creationId xmlns:a16="http://schemas.microsoft.com/office/drawing/2014/main" id="{AB94A51C-E41F-0DE3-9C93-9B64C43DEADC}"/>
-                </a:ext>
-              </a:extLst>
-            </p:cNvPr>
-            <p:cNvCxnSpPr>
-              <a:cxnSpLocks/>
-            </p:cNvCxnSpPr>
-            <p:nvPr/>
-          </p:nvCxnSpPr>
-          <p:spPr>
-            <a:xfrm>
-              <a:off x="4333765" y="2052875"/>
-              <a:ext cx="5834845" cy="0"/>
-            </a:xfrm>
-            <a:prstGeom prst="line">
-              <a:avLst/>
-            </a:prstGeom>
-            <a:ln w="76200">
-              <a:solidFill>
-                <a:srgbClr val="FF0000"/>
-              </a:solidFill>
-            </a:ln>
-          </p:spPr>
-          <p:style>
-            <a:lnRef idx="1">
-              <a:schemeClr val="accent1"/>
-            </a:lnRef>
-            <a:fillRef idx="0">
-              <a:schemeClr val="accent1"/>
-            </a:fillRef>
-            <a:effectRef idx="0">
-              <a:schemeClr val="accent1"/>
-            </a:effectRef>
-            <a:fontRef idx="minor">
-              <a:schemeClr val="tx1"/>
-            </a:fontRef>
-          </p:style>
-        </p:cxnSp>
-        <p:cxnSp>
-          <p:nvCxnSpPr>
-            <p:cNvPr id="1024" name="Conector recto 1023">
-              <a:extLst>
-                <a:ext uri="{FF2B5EF4-FFF2-40B4-BE49-F238E27FC236}">
-                  <a16:creationId xmlns:a16="http://schemas.microsoft.com/office/drawing/2014/main" id="{D67B6890-B123-BCBB-6F64-EEC04DDFE690}"/>
-                </a:ext>
-              </a:extLst>
-            </p:cNvPr>
-            <p:cNvCxnSpPr>
-              <a:cxnSpLocks/>
-            </p:cNvCxnSpPr>
-            <p:nvPr/>
-          </p:nvCxnSpPr>
-          <p:spPr>
-            <a:xfrm>
-              <a:off x="5249566" y="2311109"/>
-              <a:ext cx="3925964" cy="0"/>
-            </a:xfrm>
-            <a:prstGeom prst="line">
-              <a:avLst/>
-            </a:prstGeom>
-            <a:ln w="76200">
-              <a:solidFill>
-                <a:srgbClr val="FF0000"/>
-              </a:solidFill>
-            </a:ln>
-          </p:spPr>
-          <p:style>
-            <a:lnRef idx="1">
-              <a:schemeClr val="accent1"/>
-            </a:lnRef>
-            <a:fillRef idx="0">
-              <a:schemeClr val="accent1"/>
-            </a:fillRef>
-            <a:effectRef idx="0">
-              <a:schemeClr val="accent1"/>
-            </a:effectRef>
-            <a:fontRef idx="minor">
-              <a:schemeClr val="tx1"/>
-            </a:fontRef>
-          </p:style>
-        </p:cxnSp>
-        <p:cxnSp>
-          <p:nvCxnSpPr>
-            <p:cNvPr id="1029" name="Conector recto 1028">
-              <a:extLst>
-                <a:ext uri="{FF2B5EF4-FFF2-40B4-BE49-F238E27FC236}">
-                  <a16:creationId xmlns:a16="http://schemas.microsoft.com/office/drawing/2014/main" id="{CD008842-437B-8FE9-3401-66C9F74E7FE6}"/>
-                </a:ext>
-              </a:extLst>
-            </p:cNvPr>
-            <p:cNvCxnSpPr>
-              <a:cxnSpLocks/>
-            </p:cNvCxnSpPr>
-            <p:nvPr/>
-          </p:nvCxnSpPr>
-          <p:spPr>
-            <a:xfrm flipV="1">
-              <a:off x="9175530" y="2275549"/>
-              <a:ext cx="0" cy="510457"/>
-            </a:xfrm>
-            <a:prstGeom prst="line">
-              <a:avLst/>
-            </a:prstGeom>
-            <a:ln w="76200">
-              <a:solidFill>
-                <a:srgbClr val="FF0000"/>
-              </a:solidFill>
-            </a:ln>
-          </p:spPr>
-          <p:style>
-            <a:lnRef idx="1">
-              <a:schemeClr val="accent1"/>
-            </a:lnRef>
-            <a:fillRef idx="0">
-              <a:schemeClr val="accent1"/>
-            </a:fillRef>
-            <a:effectRef idx="0">
-              <a:schemeClr val="accent1"/>
-            </a:effectRef>
-            <a:fontRef idx="minor">
-              <a:schemeClr val="tx1"/>
-            </a:fontRef>
-          </p:style>
-        </p:cxnSp>
-        <p:cxnSp>
-          <p:nvCxnSpPr>
-            <p:cNvPr id="1030" name="Conector recto 1029">
-              <a:extLst>
-                <a:ext uri="{FF2B5EF4-FFF2-40B4-BE49-F238E27FC236}">
-                  <a16:creationId xmlns:a16="http://schemas.microsoft.com/office/drawing/2014/main" id="{1D64EC47-79AC-D646-AC44-BDCBF2077A7F}"/>
-                </a:ext>
-              </a:extLst>
-            </p:cNvPr>
-            <p:cNvCxnSpPr>
-              <a:cxnSpLocks/>
-            </p:cNvCxnSpPr>
-            <p:nvPr/>
-          </p:nvCxnSpPr>
-          <p:spPr>
-            <a:xfrm flipV="1">
-              <a:off x="10131971" y="2052875"/>
-              <a:ext cx="0" cy="712650"/>
-            </a:xfrm>
-            <a:prstGeom prst="line">
-              <a:avLst/>
-            </a:prstGeom>
-            <a:ln w="76200">
-              <a:solidFill>
-                <a:srgbClr val="FF0000"/>
-              </a:solidFill>
-            </a:ln>
-          </p:spPr>
-          <p:style>
-            <a:lnRef idx="1">
-              <a:schemeClr val="accent1"/>
-            </a:lnRef>
-            <a:fillRef idx="0">
-              <a:schemeClr val="accent1"/>
-            </a:fillRef>
-            <a:effectRef idx="0">
-              <a:schemeClr val="accent1"/>
-            </a:effectRef>
-            <a:fontRef idx="minor">
-              <a:schemeClr val="tx1"/>
-            </a:fontRef>
-          </p:style>
-        </p:cxnSp>
-        <p:grpSp>
-          <p:nvGrpSpPr>
-            <p:cNvPr id="1074" name="Grupo 1073">
-              <a:extLst>
-                <a:ext uri="{FF2B5EF4-FFF2-40B4-BE49-F238E27FC236}">
-                  <a16:creationId xmlns:a16="http://schemas.microsoft.com/office/drawing/2014/main" id="{8D5F5066-55DF-2923-B35C-A7ACCC093AB7}"/>
-                </a:ext>
-              </a:extLst>
-            </p:cNvPr>
-            <p:cNvGrpSpPr/>
-            <p:nvPr/>
-          </p:nvGrpSpPr>
-          <p:grpSpPr>
-            <a:xfrm>
-              <a:off x="10631365" y="3446635"/>
-              <a:ext cx="396585" cy="350743"/>
-              <a:chOff x="11269133" y="2409200"/>
-              <a:chExt cx="516467" cy="456767"/>
-            </a:xfrm>
-          </p:grpSpPr>
-          <p:cxnSp>
-            <p:nvCxnSpPr>
-              <p:cNvPr id="1066" name="Conector recto 1065">
-                <a:extLst>
-                  <a:ext uri="{FF2B5EF4-FFF2-40B4-BE49-F238E27FC236}">
-                    <a16:creationId xmlns:a16="http://schemas.microsoft.com/office/drawing/2014/main" id="{AE4767BD-9593-B77E-DF3B-04D7A5294F0C}"/>
-                  </a:ext>
-                </a:extLst>
-              </p:cNvPr>
-              <p:cNvCxnSpPr/>
-              <p:nvPr/>
-            </p:nvCxnSpPr>
-            <p:spPr>
-              <a:xfrm>
-                <a:off x="11269133" y="2660790"/>
-                <a:ext cx="516467" cy="0"/>
-              </a:xfrm>
-              <a:prstGeom prst="line">
-                <a:avLst/>
-              </a:prstGeom>
-              <a:ln w="57150">
-                <a:solidFill>
-                  <a:srgbClr val="FF0000"/>
-                </a:solidFill>
-              </a:ln>
-            </p:spPr>
-            <p:style>
-              <a:lnRef idx="1">
-                <a:schemeClr val="accent1"/>
-              </a:lnRef>
-              <a:fillRef idx="0">
-                <a:schemeClr val="accent1"/>
-              </a:fillRef>
-              <a:effectRef idx="0">
-                <a:schemeClr val="accent1"/>
-              </a:effectRef>
-              <a:fontRef idx="minor">
-                <a:schemeClr val="tx1"/>
-              </a:fontRef>
-            </p:style>
-          </p:cxnSp>
-          <p:cxnSp>
-            <p:nvCxnSpPr>
-              <p:cNvPr id="1068" name="Conector recto 1067">
-                <a:extLst>
-                  <a:ext uri="{FF2B5EF4-FFF2-40B4-BE49-F238E27FC236}">
-                    <a16:creationId xmlns:a16="http://schemas.microsoft.com/office/drawing/2014/main" id="{BEF24375-E94A-8B52-6B85-4296FE693313}"/>
-                  </a:ext>
-                </a:extLst>
-              </p:cNvPr>
-              <p:cNvCxnSpPr/>
-              <p:nvPr/>
-            </p:nvCxnSpPr>
-            <p:spPr>
-              <a:xfrm>
-                <a:off x="11370733" y="2765525"/>
-                <a:ext cx="317500" cy="0"/>
-              </a:xfrm>
-              <a:prstGeom prst="line">
-                <a:avLst/>
-              </a:prstGeom>
-              <a:ln w="57150">
-                <a:solidFill>
-                  <a:srgbClr val="FF0000"/>
-                </a:solidFill>
-              </a:ln>
-            </p:spPr>
-            <p:style>
-              <a:lnRef idx="1">
-                <a:schemeClr val="accent1"/>
-              </a:lnRef>
-              <a:fillRef idx="0">
-                <a:schemeClr val="accent1"/>
-              </a:fillRef>
-              <a:effectRef idx="0">
-                <a:schemeClr val="accent1"/>
-              </a:effectRef>
-              <a:fontRef idx="minor">
-                <a:schemeClr val="tx1"/>
-              </a:fontRef>
-            </p:style>
-          </p:cxnSp>
-          <p:cxnSp>
-            <p:nvCxnSpPr>
-              <p:cNvPr id="1070" name="Conector recto 1069">
-                <a:extLst>
-                  <a:ext uri="{FF2B5EF4-FFF2-40B4-BE49-F238E27FC236}">
-                    <a16:creationId xmlns:a16="http://schemas.microsoft.com/office/drawing/2014/main" id="{0AF92C63-68C1-70A0-6FD0-2D4BBEB8AA6A}"/>
-                  </a:ext>
-                </a:extLst>
-              </p:cNvPr>
-              <p:cNvCxnSpPr/>
-              <p:nvPr/>
-            </p:nvCxnSpPr>
-            <p:spPr>
-              <a:xfrm>
-                <a:off x="11472334" y="2865967"/>
-                <a:ext cx="131233" cy="0"/>
-              </a:xfrm>
-              <a:prstGeom prst="line">
-                <a:avLst/>
-              </a:prstGeom>
-              <a:ln w="57150">
-                <a:solidFill>
-                  <a:srgbClr val="FF0000"/>
-                </a:solidFill>
-              </a:ln>
-            </p:spPr>
-            <p:style>
-              <a:lnRef idx="1">
-                <a:schemeClr val="accent1"/>
-              </a:lnRef>
-              <a:fillRef idx="0">
-                <a:schemeClr val="accent1"/>
-              </a:fillRef>
-              <a:effectRef idx="0">
-                <a:schemeClr val="accent1"/>
-              </a:effectRef>
-              <a:fontRef idx="minor">
-                <a:schemeClr val="tx1"/>
-              </a:fontRef>
-            </p:style>
-          </p:cxnSp>
-          <p:cxnSp>
-            <p:nvCxnSpPr>
-              <p:cNvPr id="1072" name="Conector recto 1071">
-                <a:extLst>
-                  <a:ext uri="{FF2B5EF4-FFF2-40B4-BE49-F238E27FC236}">
-                    <a16:creationId xmlns:a16="http://schemas.microsoft.com/office/drawing/2014/main" id="{0AD21536-BBAA-DA68-2144-3315D453E3E5}"/>
-                  </a:ext>
-                </a:extLst>
-              </p:cNvPr>
-              <p:cNvCxnSpPr>
-                <a:cxnSpLocks/>
-              </p:cNvCxnSpPr>
-              <p:nvPr/>
-            </p:nvCxnSpPr>
-            <p:spPr>
-              <a:xfrm flipV="1">
-                <a:off x="11527366" y="2409200"/>
-                <a:ext cx="0" cy="251590"/>
-              </a:xfrm>
-              <a:prstGeom prst="line">
-                <a:avLst/>
-              </a:prstGeom>
-              <a:ln w="57150">
-                <a:solidFill>
-                  <a:srgbClr val="FF0000"/>
-                </a:solidFill>
-              </a:ln>
-            </p:spPr>
-            <p:style>
-              <a:lnRef idx="1">
-                <a:schemeClr val="accent1"/>
-              </a:lnRef>
-              <a:fillRef idx="0">
-                <a:schemeClr val="accent1"/>
-              </a:fillRef>
-              <a:effectRef idx="0">
-                <a:schemeClr val="accent1"/>
-              </a:effectRef>
-              <a:fontRef idx="minor">
-                <a:schemeClr val="tx1"/>
-              </a:fontRef>
-            </p:style>
-          </p:cxnSp>
-        </p:grpSp>
-        <p:cxnSp>
-          <p:nvCxnSpPr>
-            <p:cNvPr id="1075" name="Conector recto 1074">
-              <a:extLst>
-                <a:ext uri="{FF2B5EF4-FFF2-40B4-BE49-F238E27FC236}">
-                  <a16:creationId xmlns:a16="http://schemas.microsoft.com/office/drawing/2014/main" id="{29CC7742-02FD-32EA-A840-94B8F3666B8C}"/>
-                </a:ext>
-              </a:extLst>
-            </p:cNvPr>
-            <p:cNvCxnSpPr>
-              <a:cxnSpLocks/>
-            </p:cNvCxnSpPr>
-            <p:nvPr/>
-          </p:nvCxnSpPr>
-          <p:spPr>
-            <a:xfrm flipV="1">
-              <a:off x="1921836" y="2711690"/>
-              <a:ext cx="0" cy="385241"/>
-            </a:xfrm>
-            <a:prstGeom prst="line">
-              <a:avLst/>
-            </a:prstGeom>
-            <a:ln w="76200">
-              <a:solidFill>
-                <a:srgbClr val="FF0000"/>
-              </a:solidFill>
-            </a:ln>
-          </p:spPr>
-          <p:style>
-            <a:lnRef idx="1">
-              <a:schemeClr val="accent1"/>
-            </a:lnRef>
-            <a:fillRef idx="0">
-              <a:schemeClr val="accent1"/>
-            </a:fillRef>
-            <a:effectRef idx="0">
-              <a:schemeClr val="accent1"/>
-            </a:effectRef>
-            <a:fontRef idx="minor">
-              <a:schemeClr val="tx1"/>
-            </a:fontRef>
-          </p:style>
-        </p:cxnSp>
-        <p:cxnSp>
-          <p:nvCxnSpPr>
-            <p:cNvPr id="1076" name="Conector recto 1075">
-              <a:extLst>
-                <a:ext uri="{FF2B5EF4-FFF2-40B4-BE49-F238E27FC236}">
-                  <a16:creationId xmlns:a16="http://schemas.microsoft.com/office/drawing/2014/main" id="{D758515D-F22F-8E98-402E-A684D660C7AD}"/>
-                </a:ext>
-              </a:extLst>
-            </p:cNvPr>
-            <p:cNvCxnSpPr>
-              <a:cxnSpLocks/>
-            </p:cNvCxnSpPr>
-            <p:nvPr/>
-          </p:nvCxnSpPr>
-          <p:spPr>
-            <a:xfrm flipV="1">
-              <a:off x="995664" y="2749430"/>
-              <a:ext cx="0" cy="385241"/>
-            </a:xfrm>
-            <a:prstGeom prst="line">
-              <a:avLst/>
-            </a:prstGeom>
-            <a:ln w="76200">
-              <a:solidFill>
-                <a:srgbClr val="FF0000"/>
-              </a:solidFill>
-            </a:ln>
-          </p:spPr>
-          <p:style>
-            <a:lnRef idx="1">
-              <a:schemeClr val="accent1"/>
-            </a:lnRef>
-            <a:fillRef idx="0">
-              <a:schemeClr val="accent1"/>
-            </a:fillRef>
-            <a:effectRef idx="0">
-              <a:schemeClr val="accent1"/>
-            </a:effectRef>
-            <a:fontRef idx="minor">
-              <a:schemeClr val="tx1"/>
-            </a:fontRef>
-          </p:style>
-        </p:cxnSp>
-        <p:cxnSp>
-          <p:nvCxnSpPr>
-            <p:cNvPr id="1077" name="Conector recto 1076">
-              <a:extLst>
-                <a:ext uri="{FF2B5EF4-FFF2-40B4-BE49-F238E27FC236}">
-                  <a16:creationId xmlns:a16="http://schemas.microsoft.com/office/drawing/2014/main" id="{95907790-18AB-77A8-BF4A-2C6BD4007B2E}"/>
-                </a:ext>
-              </a:extLst>
-            </p:cNvPr>
-            <p:cNvCxnSpPr>
-              <a:cxnSpLocks/>
-            </p:cNvCxnSpPr>
-            <p:nvPr/>
-          </p:nvCxnSpPr>
-          <p:spPr>
-            <a:xfrm flipV="1">
-              <a:off x="945929" y="2716399"/>
-              <a:ext cx="996927" cy="0"/>
-            </a:xfrm>
-            <a:prstGeom prst="line">
-              <a:avLst/>
-            </a:prstGeom>
-            <a:ln w="76200">
-              <a:solidFill>
-                <a:srgbClr val="FF0000"/>
-              </a:solidFill>
-            </a:ln>
-          </p:spPr>
-          <p:style>
-            <a:lnRef idx="1">
-              <a:schemeClr val="accent1"/>
-            </a:lnRef>
-            <a:fillRef idx="0">
-              <a:schemeClr val="accent1"/>
-            </a:fillRef>
-            <a:effectRef idx="0">
-              <a:schemeClr val="accent1"/>
-            </a:effectRef>
-            <a:fontRef idx="minor">
-              <a:schemeClr val="tx1"/>
-            </a:fontRef>
-          </p:style>
-        </p:cxnSp>
-        <p:cxnSp>
-          <p:nvCxnSpPr>
-            <p:cNvPr id="1082" name="Conector recto 1081">
-              <a:extLst>
-                <a:ext uri="{FF2B5EF4-FFF2-40B4-BE49-F238E27FC236}">
-                  <a16:creationId xmlns:a16="http://schemas.microsoft.com/office/drawing/2014/main" id="{FC3640DD-D737-A957-F333-BE37F17B0F98}"/>
-                </a:ext>
-              </a:extLst>
-            </p:cNvPr>
-            <p:cNvCxnSpPr>
-              <a:cxnSpLocks/>
-            </p:cNvCxnSpPr>
-            <p:nvPr/>
-          </p:nvCxnSpPr>
-          <p:spPr>
-            <a:xfrm flipV="1">
-              <a:off x="10830949" y="3095808"/>
-              <a:ext cx="0" cy="385241"/>
-            </a:xfrm>
-            <a:prstGeom prst="line">
-              <a:avLst/>
-            </a:prstGeom>
-            <a:ln w="76200">
-              <a:solidFill>
-                <a:srgbClr val="FF0000"/>
-              </a:solidFill>
-            </a:ln>
-          </p:spPr>
-          <p:style>
-            <a:lnRef idx="1">
-              <a:schemeClr val="accent1"/>
-            </a:lnRef>
-            <a:fillRef idx="0">
-              <a:schemeClr val="accent1"/>
-            </a:fillRef>
-            <a:effectRef idx="0">
-              <a:schemeClr val="accent1"/>
-            </a:effectRef>
-            <a:fontRef idx="minor">
-              <a:schemeClr val="tx1"/>
-            </a:fontRef>
-          </p:style>
-        </p:cxnSp>
-        <p:cxnSp>
-          <p:nvCxnSpPr>
-            <p:cNvPr id="1083" name="Conector recto 1082">
-              <a:extLst>
-                <a:ext uri="{FF2B5EF4-FFF2-40B4-BE49-F238E27FC236}">
-                  <a16:creationId xmlns:a16="http://schemas.microsoft.com/office/drawing/2014/main" id="{27EB2DCC-5EE7-37CD-E542-84D03492F70D}"/>
-                </a:ext>
-              </a:extLst>
-            </p:cNvPr>
-            <p:cNvCxnSpPr>
-              <a:cxnSpLocks/>
-            </p:cNvCxnSpPr>
-            <p:nvPr/>
-          </p:nvCxnSpPr>
-          <p:spPr>
-            <a:xfrm flipV="1">
-              <a:off x="2454664" y="4210737"/>
-              <a:ext cx="0" cy="385241"/>
-            </a:xfrm>
-            <a:prstGeom prst="line">
-              <a:avLst/>
-            </a:prstGeom>
-            <a:ln w="76200">
-              <a:solidFill>
-                <a:srgbClr val="FF0000"/>
-              </a:solidFill>
-            </a:ln>
-          </p:spPr>
-          <p:style>
-            <a:lnRef idx="1">
-              <a:schemeClr val="accent1"/>
-            </a:lnRef>
-            <a:fillRef idx="0">
-              <a:schemeClr val="accent1"/>
-            </a:fillRef>
-            <a:effectRef idx="0">
-              <a:schemeClr val="accent1"/>
-            </a:effectRef>
-            <a:fontRef idx="minor">
-              <a:schemeClr val="tx1"/>
-            </a:fontRef>
-          </p:style>
-        </p:cxnSp>
-        <p:cxnSp>
-          <p:nvCxnSpPr>
-            <p:cNvPr id="1084" name="Conector recto 1083">
-              <a:extLst>
-                <a:ext uri="{FF2B5EF4-FFF2-40B4-BE49-F238E27FC236}">
-                  <a16:creationId xmlns:a16="http://schemas.microsoft.com/office/drawing/2014/main" id="{C8E74C43-E175-498D-7CF0-520931EAD991}"/>
-                </a:ext>
-              </a:extLst>
-            </p:cNvPr>
-            <p:cNvCxnSpPr>
-              <a:cxnSpLocks/>
-            </p:cNvCxnSpPr>
-            <p:nvPr/>
-          </p:nvCxnSpPr>
-          <p:spPr>
-            <a:xfrm flipV="1">
-              <a:off x="1528492" y="4248477"/>
-              <a:ext cx="0" cy="385241"/>
-            </a:xfrm>
-            <a:prstGeom prst="line">
-              <a:avLst/>
-            </a:prstGeom>
-            <a:ln w="76200">
-              <a:solidFill>
-                <a:srgbClr val="FF0000"/>
-              </a:solidFill>
-            </a:ln>
-          </p:spPr>
-          <p:style>
-            <a:lnRef idx="1">
-              <a:schemeClr val="accent1"/>
-            </a:lnRef>
-            <a:fillRef idx="0">
-              <a:schemeClr val="accent1"/>
-            </a:fillRef>
-            <a:effectRef idx="0">
-              <a:schemeClr val="accent1"/>
-            </a:effectRef>
-            <a:fontRef idx="minor">
-              <a:schemeClr val="tx1"/>
-            </a:fontRef>
-          </p:style>
-        </p:cxnSp>
-        <p:cxnSp>
-          <p:nvCxnSpPr>
-            <p:cNvPr id="1085" name="Conector recto 1084">
-              <a:extLst>
-                <a:ext uri="{FF2B5EF4-FFF2-40B4-BE49-F238E27FC236}">
-                  <a16:creationId xmlns:a16="http://schemas.microsoft.com/office/drawing/2014/main" id="{C568F23D-E007-CF38-065E-1C99EAE6839F}"/>
-                </a:ext>
-              </a:extLst>
-            </p:cNvPr>
-            <p:cNvCxnSpPr>
-              <a:cxnSpLocks/>
-            </p:cNvCxnSpPr>
-            <p:nvPr/>
-          </p:nvCxnSpPr>
-          <p:spPr>
-            <a:xfrm flipV="1">
-              <a:off x="1487870" y="4593180"/>
-              <a:ext cx="977304" cy="0"/>
-            </a:xfrm>
-            <a:prstGeom prst="line">
-              <a:avLst/>
-            </a:prstGeom>
-            <a:ln w="76200">
-              <a:solidFill>
-                <a:srgbClr val="FF0000"/>
-              </a:solidFill>
-            </a:ln>
-          </p:spPr>
-          <p:style>
-            <a:lnRef idx="1">
-              <a:schemeClr val="accent1"/>
-            </a:lnRef>
-            <a:fillRef idx="0">
-              <a:schemeClr val="accent1"/>
-            </a:fillRef>
-            <a:effectRef idx="0">
-              <a:schemeClr val="accent1"/>
-            </a:effectRef>
-            <a:fontRef idx="minor">
-              <a:schemeClr val="tx1"/>
-            </a:fontRef>
-          </p:style>
-        </p:cxnSp>
-        <p:grpSp>
-          <p:nvGrpSpPr>
-            <p:cNvPr id="2055" name="Grupo 2054">
-              <a:extLst>
-                <a:ext uri="{FF2B5EF4-FFF2-40B4-BE49-F238E27FC236}">
-                  <a16:creationId xmlns:a16="http://schemas.microsoft.com/office/drawing/2014/main" id="{533B8445-C8A4-CD80-E6DC-6AEDC839DE6C}"/>
-                </a:ext>
-              </a:extLst>
-            </p:cNvPr>
-            <p:cNvGrpSpPr/>
-            <p:nvPr/>
-          </p:nvGrpSpPr>
-          <p:grpSpPr>
-            <a:xfrm>
-              <a:off x="2343340" y="4551545"/>
-              <a:ext cx="243802" cy="273615"/>
-              <a:chOff x="2343340" y="4551545"/>
-              <a:chExt cx="243802" cy="273615"/>
-            </a:xfrm>
-          </p:grpSpPr>
-          <p:cxnSp>
-            <p:nvCxnSpPr>
-              <p:cNvPr id="2049" name="Conector recto 2048">
-                <a:extLst>
-                  <a:ext uri="{FF2B5EF4-FFF2-40B4-BE49-F238E27FC236}">
-                    <a16:creationId xmlns:a16="http://schemas.microsoft.com/office/drawing/2014/main" id="{DC3EB0EE-5C1B-4A83-3922-B62AFAA5B6A4}"/>
-                  </a:ext>
-                </a:extLst>
-              </p:cNvPr>
-              <p:cNvCxnSpPr/>
-              <p:nvPr/>
-            </p:nvCxnSpPr>
-            <p:spPr>
-              <a:xfrm>
-                <a:off x="2343340" y="4825160"/>
-                <a:ext cx="243802" cy="0"/>
-              </a:xfrm>
-              <a:prstGeom prst="line">
-                <a:avLst/>
-              </a:prstGeom>
-              <a:ln w="57150">
-                <a:solidFill>
-                  <a:srgbClr val="FF0000"/>
-                </a:solidFill>
-              </a:ln>
-            </p:spPr>
-            <p:style>
-              <a:lnRef idx="1">
-                <a:schemeClr val="accent1"/>
-              </a:lnRef>
-              <a:fillRef idx="0">
-                <a:schemeClr val="accent1"/>
-              </a:fillRef>
-              <a:effectRef idx="0">
-                <a:schemeClr val="accent1"/>
-              </a:effectRef>
-              <a:fontRef idx="minor">
-                <a:schemeClr val="tx1"/>
-              </a:fontRef>
-            </p:style>
-          </p:cxnSp>
-          <p:cxnSp>
-            <p:nvCxnSpPr>
-              <p:cNvPr id="2053" name="Conector recto 2052">
-                <a:extLst>
-                  <a:ext uri="{FF2B5EF4-FFF2-40B4-BE49-F238E27FC236}">
-                    <a16:creationId xmlns:a16="http://schemas.microsoft.com/office/drawing/2014/main" id="{380901BF-0EAE-3148-8220-DFC59E74AEBF}"/>
-                  </a:ext>
-                </a:extLst>
-              </p:cNvPr>
-              <p:cNvCxnSpPr>
-                <a:cxnSpLocks/>
-              </p:cNvCxnSpPr>
-              <p:nvPr/>
-            </p:nvCxnSpPr>
-            <p:spPr>
-              <a:xfrm flipV="1">
-                <a:off x="2463615" y="4551545"/>
-                <a:ext cx="0" cy="273615"/>
-              </a:xfrm>
-              <a:prstGeom prst="line">
-                <a:avLst/>
-              </a:prstGeom>
-              <a:ln w="57150">
-                <a:solidFill>
-                  <a:srgbClr val="FF0000"/>
-                </a:solidFill>
-              </a:ln>
-            </p:spPr>
-            <p:style>
-              <a:lnRef idx="1">
-                <a:schemeClr val="accent1"/>
-              </a:lnRef>
-              <a:fillRef idx="0">
-                <a:schemeClr val="accent1"/>
-              </a:fillRef>
-              <a:effectRef idx="0">
-                <a:schemeClr val="accent1"/>
-              </a:effectRef>
-              <a:fontRef idx="minor">
-                <a:schemeClr val="tx1"/>
-              </a:fontRef>
-            </p:style>
-          </p:cxnSp>
-        </p:grpSp>
-        <p:cxnSp>
-          <p:nvCxnSpPr>
-            <p:cNvPr id="2058" name="Conector recto 2057">
-              <a:extLst>
-                <a:ext uri="{FF2B5EF4-FFF2-40B4-BE49-F238E27FC236}">
-                  <a16:creationId xmlns:a16="http://schemas.microsoft.com/office/drawing/2014/main" id="{B6D41769-835C-2FED-0859-8772F10003E4}"/>
-                </a:ext>
-              </a:extLst>
-            </p:cNvPr>
-            <p:cNvCxnSpPr>
-              <a:cxnSpLocks/>
-            </p:cNvCxnSpPr>
-            <p:nvPr/>
-          </p:nvCxnSpPr>
-          <p:spPr>
-            <a:xfrm flipV="1">
-              <a:off x="1911902" y="4280587"/>
-              <a:ext cx="0" cy="1410724"/>
-            </a:xfrm>
-            <a:prstGeom prst="line">
-              <a:avLst/>
-            </a:prstGeom>
-            <a:ln w="76200">
-              <a:solidFill>
-                <a:srgbClr val="FF0000"/>
-              </a:solidFill>
-            </a:ln>
-          </p:spPr>
-          <p:style>
-            <a:lnRef idx="1">
-              <a:schemeClr val="accent1"/>
-            </a:lnRef>
-            <a:fillRef idx="0">
-              <a:schemeClr val="accent1"/>
-            </a:fillRef>
-            <a:effectRef idx="0">
-              <a:schemeClr val="accent1"/>
-            </a:effectRef>
-            <a:fontRef idx="minor">
-              <a:schemeClr val="tx1"/>
-            </a:fontRef>
-          </p:style>
-        </p:cxnSp>
-        <p:cxnSp>
-          <p:nvCxnSpPr>
-            <p:cNvPr id="2059" name="Conector recto 2058">
-              <a:extLst>
-                <a:ext uri="{FF2B5EF4-FFF2-40B4-BE49-F238E27FC236}">
-                  <a16:creationId xmlns:a16="http://schemas.microsoft.com/office/drawing/2014/main" id="{4B491B63-11EC-BD33-D91A-9A79FA9D24D0}"/>
-                </a:ext>
-              </a:extLst>
-            </p:cNvPr>
-            <p:cNvCxnSpPr>
-              <a:cxnSpLocks/>
-            </p:cNvCxnSpPr>
-            <p:nvPr/>
-          </p:nvCxnSpPr>
-          <p:spPr>
-            <a:xfrm flipV="1">
-              <a:off x="985730" y="4280587"/>
-              <a:ext cx="0" cy="2160000"/>
-            </a:xfrm>
-            <a:prstGeom prst="line">
-              <a:avLst/>
-            </a:prstGeom>
-            <a:ln w="76200">
-              <a:solidFill>
-                <a:srgbClr val="FF0000"/>
-              </a:solidFill>
-            </a:ln>
-          </p:spPr>
-          <p:style>
-            <a:lnRef idx="1">
-              <a:schemeClr val="accent1"/>
-            </a:lnRef>
-            <a:fillRef idx="0">
-              <a:schemeClr val="accent1"/>
-            </a:fillRef>
-            <a:effectRef idx="0">
-              <a:schemeClr val="accent1"/>
-            </a:effectRef>
-            <a:fontRef idx="minor">
-              <a:schemeClr val="tx1"/>
-            </a:fontRef>
-          </p:style>
-        </p:cxnSp>
-        <p:cxnSp>
-          <p:nvCxnSpPr>
-            <p:cNvPr id="2061" name="Conector recto 2060">
-              <a:extLst>
-                <a:ext uri="{FF2B5EF4-FFF2-40B4-BE49-F238E27FC236}">
-                  <a16:creationId xmlns:a16="http://schemas.microsoft.com/office/drawing/2014/main" id="{383585FB-6F15-7413-CAB1-92609E7C73B7}"/>
-                </a:ext>
-              </a:extLst>
-            </p:cNvPr>
-            <p:cNvCxnSpPr>
-              <a:cxnSpLocks/>
-            </p:cNvCxnSpPr>
-            <p:nvPr/>
-          </p:nvCxnSpPr>
-          <p:spPr>
-            <a:xfrm flipV="1">
-              <a:off x="7248633" y="1296931"/>
-              <a:ext cx="0" cy="1363859"/>
-            </a:xfrm>
-            <a:prstGeom prst="line">
-              <a:avLst/>
-            </a:prstGeom>
-            <a:ln w="76200">
-              <a:solidFill>
-                <a:srgbClr val="FF0000"/>
-              </a:solidFill>
-            </a:ln>
-          </p:spPr>
-          <p:style>
-            <a:lnRef idx="1">
-              <a:schemeClr val="accent1"/>
-            </a:lnRef>
-            <a:fillRef idx="0">
-              <a:schemeClr val="accent1"/>
-            </a:fillRef>
-            <a:effectRef idx="0">
-              <a:schemeClr val="accent1"/>
-            </a:effectRef>
-            <a:fontRef idx="minor">
-              <a:schemeClr val="tx1"/>
-            </a:fontRef>
-          </p:style>
-        </p:cxnSp>
-        <p:cxnSp>
-          <p:nvCxnSpPr>
-            <p:cNvPr id="2063" name="Conector recto 2062">
-              <a:extLst>
-                <a:ext uri="{FF2B5EF4-FFF2-40B4-BE49-F238E27FC236}">
-                  <a16:creationId xmlns:a16="http://schemas.microsoft.com/office/drawing/2014/main" id="{BE80C42F-E2C9-7BAB-62B5-B91E9D7CB171}"/>
-                </a:ext>
-              </a:extLst>
-            </p:cNvPr>
-            <p:cNvCxnSpPr>
-              <a:cxnSpLocks/>
-            </p:cNvCxnSpPr>
-            <p:nvPr/>
-          </p:nvCxnSpPr>
-          <p:spPr>
-            <a:xfrm>
-              <a:off x="6323723" y="1307441"/>
-              <a:ext cx="924910" cy="0"/>
-            </a:xfrm>
-            <a:prstGeom prst="line">
-              <a:avLst/>
-            </a:prstGeom>
-            <a:ln w="76200">
-              <a:solidFill>
-                <a:srgbClr val="FF0000"/>
-              </a:solidFill>
-            </a:ln>
-          </p:spPr>
-          <p:style>
-            <a:lnRef idx="1">
-              <a:schemeClr val="accent1"/>
-            </a:lnRef>
-            <a:fillRef idx="0">
-              <a:schemeClr val="accent1"/>
-            </a:fillRef>
-            <a:effectRef idx="0">
-              <a:schemeClr val="accent1"/>
-            </a:effectRef>
-            <a:fontRef idx="minor">
-              <a:schemeClr val="tx1"/>
-            </a:fontRef>
-          </p:style>
-        </p:cxnSp>
-        <p:cxnSp>
-          <p:nvCxnSpPr>
-            <p:cNvPr id="2068" name="Conector recto 2067">
-              <a:extLst>
-                <a:ext uri="{FF2B5EF4-FFF2-40B4-BE49-F238E27FC236}">
-                  <a16:creationId xmlns:a16="http://schemas.microsoft.com/office/drawing/2014/main" id="{06D36CA1-9CFB-F8ED-6A8B-A33751F2E426}"/>
-                </a:ext>
-              </a:extLst>
-            </p:cNvPr>
-            <p:cNvCxnSpPr>
-              <a:cxnSpLocks/>
-            </p:cNvCxnSpPr>
-            <p:nvPr/>
-          </p:nvCxnSpPr>
-          <p:spPr>
-            <a:xfrm flipH="1" flipV="1">
-              <a:off x="11794763" y="716790"/>
-              <a:ext cx="0" cy="2366699"/>
-            </a:xfrm>
-            <a:prstGeom prst="line">
-              <a:avLst/>
-            </a:prstGeom>
-            <a:ln w="76200">
-              <a:solidFill>
-                <a:srgbClr val="FF0000"/>
-              </a:solidFill>
-            </a:ln>
-          </p:spPr>
-          <p:style>
-            <a:lnRef idx="1">
-              <a:schemeClr val="accent1"/>
-            </a:lnRef>
-            <a:fillRef idx="0">
-              <a:schemeClr val="accent1"/>
-            </a:fillRef>
-            <a:effectRef idx="0">
-              <a:schemeClr val="accent1"/>
-            </a:effectRef>
-            <a:fontRef idx="minor">
-              <a:schemeClr val="tx1"/>
-            </a:fontRef>
-          </p:style>
-        </p:cxnSp>
-        <p:cxnSp>
-          <p:nvCxnSpPr>
-            <p:cNvPr id="2070" name="Conector recto 2069">
-              <a:extLst>
-                <a:ext uri="{FF2B5EF4-FFF2-40B4-BE49-F238E27FC236}">
-                  <a16:creationId xmlns:a16="http://schemas.microsoft.com/office/drawing/2014/main" id="{3EC6601C-5836-2B9B-C26A-7BD24A78031B}"/>
-                </a:ext>
-              </a:extLst>
-            </p:cNvPr>
-            <p:cNvCxnSpPr>
-              <a:cxnSpLocks/>
-            </p:cNvCxnSpPr>
-            <p:nvPr/>
-          </p:nvCxnSpPr>
-          <p:spPr>
-            <a:xfrm flipV="1">
-              <a:off x="6384683" y="1688790"/>
-              <a:ext cx="5424095" cy="0"/>
-            </a:xfrm>
-            <a:prstGeom prst="line">
-              <a:avLst/>
-            </a:prstGeom>
-            <a:ln w="76200">
-              <a:solidFill>
-                <a:srgbClr val="FF0000"/>
-              </a:solidFill>
-            </a:ln>
-          </p:spPr>
-          <p:style>
-            <a:lnRef idx="1">
-              <a:schemeClr val="accent1"/>
-            </a:lnRef>
-            <a:fillRef idx="0">
-              <a:schemeClr val="accent1"/>
-            </a:fillRef>
-            <a:effectRef idx="0">
-              <a:schemeClr val="accent1"/>
-            </a:effectRef>
-            <a:fontRef idx="minor">
-              <a:schemeClr val="tx1"/>
-            </a:fontRef>
-          </p:style>
-        </p:cxnSp>
-        <p:cxnSp>
-          <p:nvCxnSpPr>
-            <p:cNvPr id="2074" name="Conector recto 2073">
-              <a:extLst>
-                <a:ext uri="{FF2B5EF4-FFF2-40B4-BE49-F238E27FC236}">
-                  <a16:creationId xmlns:a16="http://schemas.microsoft.com/office/drawing/2014/main" id="{C9319466-0647-E680-FADA-647F9B99172D}"/>
-                </a:ext>
-              </a:extLst>
-            </p:cNvPr>
-            <p:cNvCxnSpPr>
-              <a:cxnSpLocks/>
-            </p:cNvCxnSpPr>
-            <p:nvPr/>
-          </p:nvCxnSpPr>
-          <p:spPr>
-            <a:xfrm flipV="1">
-              <a:off x="6957848" y="1688790"/>
-              <a:ext cx="0" cy="972000"/>
-            </a:xfrm>
-            <a:prstGeom prst="line">
-              <a:avLst/>
-            </a:prstGeom>
-            <a:ln w="76200">
-              <a:solidFill>
-                <a:srgbClr val="FF0000"/>
-              </a:solidFill>
-            </a:ln>
-          </p:spPr>
-          <p:style>
-            <a:lnRef idx="1">
-              <a:schemeClr val="accent1"/>
-            </a:lnRef>
-            <a:fillRef idx="0">
-              <a:schemeClr val="accent1"/>
-            </a:fillRef>
-            <a:effectRef idx="0">
-              <a:schemeClr val="accent1"/>
-            </a:effectRef>
-            <a:fontRef idx="minor">
-              <a:schemeClr val="tx1"/>
-            </a:fontRef>
-          </p:style>
-        </p:cxnSp>
-        <p:cxnSp>
-          <p:nvCxnSpPr>
-            <p:cNvPr id="2079" name="Conector recto 2078">
-              <a:extLst>
-                <a:ext uri="{FF2B5EF4-FFF2-40B4-BE49-F238E27FC236}">
-                  <a16:creationId xmlns:a16="http://schemas.microsoft.com/office/drawing/2014/main" id="{DD3C1843-25BC-E48D-4A42-5E2B986545A5}"/>
-                </a:ext>
-              </a:extLst>
-            </p:cNvPr>
-            <p:cNvCxnSpPr>
-              <a:cxnSpLocks/>
-            </p:cNvCxnSpPr>
-            <p:nvPr/>
-          </p:nvCxnSpPr>
-          <p:spPr>
-            <a:xfrm flipV="1">
-              <a:off x="6384683" y="1688790"/>
-              <a:ext cx="0" cy="972000"/>
-            </a:xfrm>
-            <a:prstGeom prst="line">
-              <a:avLst/>
-            </a:prstGeom>
-            <a:ln w="76200">
-              <a:solidFill>
-                <a:srgbClr val="FF0000"/>
-              </a:solidFill>
-            </a:ln>
-          </p:spPr>
-          <p:style>
-            <a:lnRef idx="1">
-              <a:schemeClr val="accent1"/>
-            </a:lnRef>
-            <a:fillRef idx="0">
-              <a:schemeClr val="accent1"/>
-            </a:fillRef>
-            <a:effectRef idx="0">
-              <a:schemeClr val="accent1"/>
-            </a:effectRef>
-            <a:fontRef idx="minor">
-              <a:schemeClr val="tx1"/>
-            </a:fontRef>
-          </p:style>
-        </p:cxnSp>
         <p:sp>
           <p:nvSpPr>
-            <p:cNvPr id="2085" name="Elipse 2084">
-              <a:extLst>
-                <a:ext uri="{FF2B5EF4-FFF2-40B4-BE49-F238E27FC236}">
-                  <a16:creationId xmlns:a16="http://schemas.microsoft.com/office/drawing/2014/main" id="{52B4151B-F96E-FDD6-CD9B-FFC778071622}"/>
+            <p:cNvPr id="39" name="Rectángulo: esquinas redondeadas 38">
+              <a:extLst>
+                <a:ext uri="{FF2B5EF4-FFF2-40B4-BE49-F238E27FC236}">
+                  <a16:creationId xmlns:a16="http://schemas.microsoft.com/office/drawing/2014/main" id="{608086D9-3390-8B61-77BD-F03F47E0090C}"/>
                 </a:ext>
               </a:extLst>
             </p:cNvPr>
@@ -5741,20 +3922,14 @@
           </p:nvSpPr>
           <p:spPr>
             <a:xfrm>
-              <a:off x="6881647" y="1615439"/>
-              <a:ext cx="154856" cy="154856"/>
-            </a:xfrm>
-            <a:prstGeom prst="ellipse">
-              <a:avLst/>
-            </a:prstGeom>
-            <a:solidFill>
-              <a:srgbClr val="FF0000"/>
-            </a:solidFill>
-            <a:ln>
-              <a:solidFill>
-                <a:srgbClr val="FF0000"/>
-              </a:solidFill>
-            </a:ln>
+              <a:off x="6597650" y="5219700"/>
+              <a:ext cx="927100" cy="768350"/>
+            </a:xfrm>
+            <a:prstGeom prst="roundRect">
+              <a:avLst>
+                <a:gd name="adj" fmla="val 8144"/>
+              </a:avLst>
+            </a:prstGeom>
           </p:spPr>
           <p:style>
             <a:lnRef idx="2">
@@ -5783,10 +3958,231 @@
         </p:sp>
         <p:sp>
           <p:nvSpPr>
-            <p:cNvPr id="2086" name="Elipse 2085">
-              <a:extLst>
-                <a:ext uri="{FF2B5EF4-FFF2-40B4-BE49-F238E27FC236}">
-                  <a16:creationId xmlns:a16="http://schemas.microsoft.com/office/drawing/2014/main" id="{6EDD9600-3241-0AED-24AF-940ADF985B5B}"/>
+            <p:cNvPr id="40" name="CuadroTexto 39">
+              <a:extLst>
+                <a:ext uri="{FF2B5EF4-FFF2-40B4-BE49-F238E27FC236}">
+                  <a16:creationId xmlns:a16="http://schemas.microsoft.com/office/drawing/2014/main" id="{9F8E12DF-FD7C-08D9-270D-079CD6757131}"/>
+                </a:ext>
+              </a:extLst>
+            </p:cNvPr>
+            <p:cNvSpPr txBox="1"/>
+            <p:nvPr/>
+          </p:nvSpPr>
+          <p:spPr>
+            <a:xfrm>
+              <a:off x="6540236" y="5142210"/>
+              <a:ext cx="1055370" cy="923330"/>
+            </a:xfrm>
+            <a:prstGeom prst="rect">
+              <a:avLst/>
+            </a:prstGeom>
+            <a:noFill/>
+          </p:spPr>
+          <p:txBody>
+            <a:bodyPr wrap="square" rtlCol="0">
+              <a:spAutoFit/>
+            </a:bodyPr>
+            <a:lstStyle/>
+            <a:p>
+              <a:r>
+                <a:rPr lang="es-MX" dirty="0">
+                  <a:solidFill>
+                    <a:schemeClr val="bg1"/>
+                  </a:solidFill>
+                </a:rPr>
+                <a:t>+            ~ </a:t>
+              </a:r>
+            </a:p>
+            <a:p>
+              <a:endParaRPr lang="es-MX" dirty="0">
+                <a:solidFill>
+                  <a:schemeClr val="bg1"/>
+                </a:solidFill>
+              </a:endParaRPr>
+            </a:p>
+            <a:p>
+              <a:r>
+                <a:rPr lang="es-MX" dirty="0">
+                  <a:solidFill>
+                    <a:schemeClr val="bg1"/>
+                  </a:solidFill>
+                </a:rPr>
+                <a:t>–            ~</a:t>
+              </a:r>
+            </a:p>
+          </p:txBody>
+        </p:sp>
+        <p:cxnSp>
+          <p:nvCxnSpPr>
+            <p:cNvPr id="41" name="Conector recto 40">
+              <a:extLst>
+                <a:ext uri="{FF2B5EF4-FFF2-40B4-BE49-F238E27FC236}">
+                  <a16:creationId xmlns:a16="http://schemas.microsoft.com/office/drawing/2014/main" id="{87464461-A207-24E1-3C93-E02D660910AB}"/>
+                </a:ext>
+              </a:extLst>
+            </p:cNvPr>
+            <p:cNvCxnSpPr/>
+            <p:nvPr/>
+          </p:nvCxnSpPr>
+          <p:spPr>
+            <a:xfrm>
+              <a:off x="6457950" y="5340350"/>
+              <a:ext cx="139700" cy="0"/>
+            </a:xfrm>
+            <a:prstGeom prst="line">
+              <a:avLst/>
+            </a:prstGeom>
+          </p:spPr>
+          <p:style>
+            <a:lnRef idx="3">
+              <a:schemeClr val="dk1"/>
+            </a:lnRef>
+            <a:fillRef idx="0">
+              <a:schemeClr val="dk1"/>
+            </a:fillRef>
+            <a:effectRef idx="2">
+              <a:schemeClr val="dk1"/>
+            </a:effectRef>
+            <a:fontRef idx="minor">
+              <a:schemeClr val="tx1"/>
+            </a:fontRef>
+          </p:style>
+        </p:cxnSp>
+        <p:cxnSp>
+          <p:nvCxnSpPr>
+            <p:cNvPr id="42" name="Conector recto 41">
+              <a:extLst>
+                <a:ext uri="{FF2B5EF4-FFF2-40B4-BE49-F238E27FC236}">
+                  <a16:creationId xmlns:a16="http://schemas.microsoft.com/office/drawing/2014/main" id="{69D8844C-6414-4408-905A-D84A4E603937}"/>
+                </a:ext>
+              </a:extLst>
+            </p:cNvPr>
+            <p:cNvCxnSpPr/>
+            <p:nvPr/>
+          </p:nvCxnSpPr>
+          <p:spPr>
+            <a:xfrm>
+              <a:off x="7525756" y="5340350"/>
+              <a:ext cx="139700" cy="0"/>
+            </a:xfrm>
+            <a:prstGeom prst="line">
+              <a:avLst/>
+            </a:prstGeom>
+          </p:spPr>
+          <p:style>
+            <a:lnRef idx="3">
+              <a:schemeClr val="dk1"/>
+            </a:lnRef>
+            <a:fillRef idx="0">
+              <a:schemeClr val="dk1"/>
+            </a:fillRef>
+            <a:effectRef idx="2">
+              <a:schemeClr val="dk1"/>
+            </a:effectRef>
+            <a:fontRef idx="minor">
+              <a:schemeClr val="tx1"/>
+            </a:fontRef>
+          </p:style>
+        </p:cxnSp>
+        <p:cxnSp>
+          <p:nvCxnSpPr>
+            <p:cNvPr id="43" name="Conector recto 42">
+              <a:extLst>
+                <a:ext uri="{FF2B5EF4-FFF2-40B4-BE49-F238E27FC236}">
+                  <a16:creationId xmlns:a16="http://schemas.microsoft.com/office/drawing/2014/main" id="{965AE79B-81C3-5A13-588A-B1A2A40E4222}"/>
+                </a:ext>
+              </a:extLst>
+            </p:cNvPr>
+            <p:cNvCxnSpPr/>
+            <p:nvPr/>
+          </p:nvCxnSpPr>
+          <p:spPr>
+            <a:xfrm>
+              <a:off x="6456944" y="5864225"/>
+              <a:ext cx="139700" cy="0"/>
+            </a:xfrm>
+            <a:prstGeom prst="line">
+              <a:avLst/>
+            </a:prstGeom>
+          </p:spPr>
+          <p:style>
+            <a:lnRef idx="3">
+              <a:schemeClr val="dk1"/>
+            </a:lnRef>
+            <a:fillRef idx="0">
+              <a:schemeClr val="dk1"/>
+            </a:fillRef>
+            <a:effectRef idx="2">
+              <a:schemeClr val="dk1"/>
+            </a:effectRef>
+            <a:fontRef idx="minor">
+              <a:schemeClr val="tx1"/>
+            </a:fontRef>
+          </p:style>
+        </p:cxnSp>
+        <p:cxnSp>
+          <p:nvCxnSpPr>
+            <p:cNvPr id="44" name="Conector recto 43">
+              <a:extLst>
+                <a:ext uri="{FF2B5EF4-FFF2-40B4-BE49-F238E27FC236}">
+                  <a16:creationId xmlns:a16="http://schemas.microsoft.com/office/drawing/2014/main" id="{A991C4C4-7FA0-D50A-16A7-CD6C08A2C3AC}"/>
+                </a:ext>
+              </a:extLst>
+            </p:cNvPr>
+            <p:cNvCxnSpPr/>
+            <p:nvPr/>
+          </p:nvCxnSpPr>
+          <p:spPr>
+            <a:xfrm>
+              <a:off x="7524750" y="5864225"/>
+              <a:ext cx="139700" cy="0"/>
+            </a:xfrm>
+            <a:prstGeom prst="line">
+              <a:avLst/>
+            </a:prstGeom>
+          </p:spPr>
+          <p:style>
+            <a:lnRef idx="3">
+              <a:schemeClr val="dk1"/>
+            </a:lnRef>
+            <a:fillRef idx="0">
+              <a:schemeClr val="dk1"/>
+            </a:fillRef>
+            <a:effectRef idx="2">
+              <a:schemeClr val="dk1"/>
+            </a:effectRef>
+            <a:fontRef idx="minor">
+              <a:schemeClr val="tx1"/>
+            </a:fontRef>
+          </p:style>
+        </p:cxnSp>
+      </p:grpSp>
+      <p:grpSp>
+        <p:nvGrpSpPr>
+          <p:cNvPr id="45" name="Grupo 44">
+            <a:extLst>
+              <a:ext uri="{FF2B5EF4-FFF2-40B4-BE49-F238E27FC236}">
+                <a16:creationId xmlns:a16="http://schemas.microsoft.com/office/drawing/2014/main" id="{0F67C284-9D28-A85C-129A-A928A73F397C}"/>
+              </a:ext>
+            </a:extLst>
+          </p:cNvPr>
+          <p:cNvGrpSpPr/>
+          <p:nvPr/>
+        </p:nvGrpSpPr>
+        <p:grpSpPr>
+          <a:xfrm rot="16200000">
+            <a:off x="1581105" y="3215672"/>
+            <a:ext cx="1208512" cy="923330"/>
+            <a:chOff x="6456944" y="5142210"/>
+            <a:chExt cx="1208512" cy="923330"/>
+          </a:xfrm>
+        </p:grpSpPr>
+        <p:sp>
+          <p:nvSpPr>
+            <p:cNvPr id="46" name="Rectángulo: esquinas redondeadas 45">
+              <a:extLst>
+                <a:ext uri="{FF2B5EF4-FFF2-40B4-BE49-F238E27FC236}">
+                  <a16:creationId xmlns:a16="http://schemas.microsoft.com/office/drawing/2014/main" id="{C1CD68CB-6399-3970-CA33-425273D1BE44}"/>
                 </a:ext>
               </a:extLst>
             </p:cNvPr>
@@ -5795,20 +4191,14 @@
           </p:nvSpPr>
           <p:spPr>
             <a:xfrm>
-              <a:off x="2386187" y="4530120"/>
-              <a:ext cx="154856" cy="154856"/>
-            </a:xfrm>
-            <a:prstGeom prst="ellipse">
-              <a:avLst/>
-            </a:prstGeom>
-            <a:solidFill>
-              <a:srgbClr val="FF0000"/>
-            </a:solidFill>
-            <a:ln>
-              <a:solidFill>
-                <a:srgbClr val="FF0000"/>
-              </a:solidFill>
-            </a:ln>
+              <a:off x="6597650" y="5219700"/>
+              <a:ext cx="927100" cy="768350"/>
+            </a:xfrm>
+            <a:prstGeom prst="roundRect">
+              <a:avLst>
+                <a:gd name="adj" fmla="val 8144"/>
+              </a:avLst>
+            </a:prstGeom>
           </p:spPr>
           <p:style>
             <a:lnRef idx="2">
@@ -5837,32 +4227,2254 @@
         </p:sp>
         <p:sp>
           <p:nvSpPr>
-            <p:cNvPr id="2087" name="Elipse 2086">
-              <a:extLst>
-                <a:ext uri="{FF2B5EF4-FFF2-40B4-BE49-F238E27FC236}">
-                  <a16:creationId xmlns:a16="http://schemas.microsoft.com/office/drawing/2014/main" id="{0D28CA84-5802-7D69-2424-831A802CE156}"/>
-                </a:ext>
-              </a:extLst>
-            </p:cNvPr>
-            <p:cNvSpPr/>
+            <p:cNvPr id="47" name="CuadroTexto 46">
+              <a:extLst>
+                <a:ext uri="{FF2B5EF4-FFF2-40B4-BE49-F238E27FC236}">
+                  <a16:creationId xmlns:a16="http://schemas.microsoft.com/office/drawing/2014/main" id="{2EA58E2A-D5C0-B562-1272-0647E1FF901F}"/>
+                </a:ext>
+              </a:extLst>
+            </p:cNvPr>
+            <p:cNvSpPr txBox="1"/>
             <p:nvPr/>
           </p:nvSpPr>
           <p:spPr>
             <a:xfrm>
-              <a:off x="924909" y="2660790"/>
-              <a:ext cx="154856" cy="154856"/>
-            </a:xfrm>
-            <a:prstGeom prst="ellipse">
+              <a:off x="6540236" y="5142210"/>
+              <a:ext cx="1055370" cy="923330"/>
+            </a:xfrm>
+            <a:prstGeom prst="rect">
               <a:avLst/>
             </a:prstGeom>
+            <a:noFill/>
+          </p:spPr>
+          <p:txBody>
+            <a:bodyPr wrap="square" rtlCol="0">
+              <a:spAutoFit/>
+            </a:bodyPr>
+            <a:lstStyle/>
+            <a:p>
+              <a:r>
+                <a:rPr lang="es-MX" dirty="0">
+                  <a:solidFill>
+                    <a:schemeClr val="bg1"/>
+                  </a:solidFill>
+                </a:rPr>
+                <a:t>+            ~ </a:t>
+              </a:r>
+            </a:p>
+            <a:p>
+              <a:endParaRPr lang="es-MX" dirty="0">
+                <a:solidFill>
+                  <a:schemeClr val="bg1"/>
+                </a:solidFill>
+              </a:endParaRPr>
+            </a:p>
+            <a:p>
+              <a:r>
+                <a:rPr lang="es-MX" dirty="0">
+                  <a:solidFill>
+                    <a:schemeClr val="bg1"/>
+                  </a:solidFill>
+                </a:rPr>
+                <a:t>–            ~</a:t>
+              </a:r>
+            </a:p>
+          </p:txBody>
+        </p:sp>
+        <p:cxnSp>
+          <p:nvCxnSpPr>
+            <p:cNvPr id="48" name="Conector recto 47">
+              <a:extLst>
+                <a:ext uri="{FF2B5EF4-FFF2-40B4-BE49-F238E27FC236}">
+                  <a16:creationId xmlns:a16="http://schemas.microsoft.com/office/drawing/2014/main" id="{49EC4D20-5675-4480-2E1D-576CA4D0C391}"/>
+                </a:ext>
+              </a:extLst>
+            </p:cNvPr>
+            <p:cNvCxnSpPr/>
+            <p:nvPr/>
+          </p:nvCxnSpPr>
+          <p:spPr>
+            <a:xfrm>
+              <a:off x="6457950" y="5340350"/>
+              <a:ext cx="139700" cy="0"/>
+            </a:xfrm>
+            <a:prstGeom prst="line">
+              <a:avLst/>
+            </a:prstGeom>
+          </p:spPr>
+          <p:style>
+            <a:lnRef idx="3">
+              <a:schemeClr val="dk1"/>
+            </a:lnRef>
+            <a:fillRef idx="0">
+              <a:schemeClr val="dk1"/>
+            </a:fillRef>
+            <a:effectRef idx="2">
+              <a:schemeClr val="dk1"/>
+            </a:effectRef>
+            <a:fontRef idx="minor">
+              <a:schemeClr val="tx1"/>
+            </a:fontRef>
+          </p:style>
+        </p:cxnSp>
+        <p:cxnSp>
+          <p:nvCxnSpPr>
+            <p:cNvPr id="49" name="Conector recto 48">
+              <a:extLst>
+                <a:ext uri="{FF2B5EF4-FFF2-40B4-BE49-F238E27FC236}">
+                  <a16:creationId xmlns:a16="http://schemas.microsoft.com/office/drawing/2014/main" id="{2E759FD4-A48B-1A77-AF98-784ECFAA4F26}"/>
+                </a:ext>
+              </a:extLst>
+            </p:cNvPr>
+            <p:cNvCxnSpPr/>
+            <p:nvPr/>
+          </p:nvCxnSpPr>
+          <p:spPr>
+            <a:xfrm>
+              <a:off x="7525756" y="5340350"/>
+              <a:ext cx="139700" cy="0"/>
+            </a:xfrm>
+            <a:prstGeom prst="line">
+              <a:avLst/>
+            </a:prstGeom>
+          </p:spPr>
+          <p:style>
+            <a:lnRef idx="3">
+              <a:schemeClr val="dk1"/>
+            </a:lnRef>
+            <a:fillRef idx="0">
+              <a:schemeClr val="dk1"/>
+            </a:fillRef>
+            <a:effectRef idx="2">
+              <a:schemeClr val="dk1"/>
+            </a:effectRef>
+            <a:fontRef idx="minor">
+              <a:schemeClr val="tx1"/>
+            </a:fontRef>
+          </p:style>
+        </p:cxnSp>
+        <p:cxnSp>
+          <p:nvCxnSpPr>
+            <p:cNvPr id="50" name="Conector recto 49">
+              <a:extLst>
+                <a:ext uri="{FF2B5EF4-FFF2-40B4-BE49-F238E27FC236}">
+                  <a16:creationId xmlns:a16="http://schemas.microsoft.com/office/drawing/2014/main" id="{3A8E0E2D-A19D-54A7-1680-8FF3A1273BF5}"/>
+                </a:ext>
+              </a:extLst>
+            </p:cNvPr>
+            <p:cNvCxnSpPr/>
+            <p:nvPr/>
+          </p:nvCxnSpPr>
+          <p:spPr>
+            <a:xfrm>
+              <a:off x="6456944" y="5864225"/>
+              <a:ext cx="139700" cy="0"/>
+            </a:xfrm>
+            <a:prstGeom prst="line">
+              <a:avLst/>
+            </a:prstGeom>
+          </p:spPr>
+          <p:style>
+            <a:lnRef idx="3">
+              <a:schemeClr val="dk1"/>
+            </a:lnRef>
+            <a:fillRef idx="0">
+              <a:schemeClr val="dk1"/>
+            </a:fillRef>
+            <a:effectRef idx="2">
+              <a:schemeClr val="dk1"/>
+            </a:effectRef>
+            <a:fontRef idx="minor">
+              <a:schemeClr val="tx1"/>
+            </a:fontRef>
+          </p:style>
+        </p:cxnSp>
+        <p:cxnSp>
+          <p:nvCxnSpPr>
+            <p:cNvPr id="51" name="Conector recto 50">
+              <a:extLst>
+                <a:ext uri="{FF2B5EF4-FFF2-40B4-BE49-F238E27FC236}">
+                  <a16:creationId xmlns:a16="http://schemas.microsoft.com/office/drawing/2014/main" id="{AAFF84C6-9C6E-AE04-44A6-7965E8F8CB3A}"/>
+                </a:ext>
+              </a:extLst>
+            </p:cNvPr>
+            <p:cNvCxnSpPr/>
+            <p:nvPr/>
+          </p:nvCxnSpPr>
+          <p:spPr>
+            <a:xfrm>
+              <a:off x="7524750" y="5864225"/>
+              <a:ext cx="139700" cy="0"/>
+            </a:xfrm>
+            <a:prstGeom prst="line">
+              <a:avLst/>
+            </a:prstGeom>
+          </p:spPr>
+          <p:style>
+            <a:lnRef idx="3">
+              <a:schemeClr val="dk1"/>
+            </a:lnRef>
+            <a:fillRef idx="0">
+              <a:schemeClr val="dk1"/>
+            </a:fillRef>
+            <a:effectRef idx="2">
+              <a:schemeClr val="dk1"/>
+            </a:effectRef>
+            <a:fontRef idx="minor">
+              <a:schemeClr val="tx1"/>
+            </a:fontRef>
+          </p:style>
+        </p:cxnSp>
+      </p:grpSp>
+      <p:cxnSp>
+        <p:nvCxnSpPr>
+          <p:cNvPr id="53" name="Conector recto 52">
+            <a:extLst>
+              <a:ext uri="{FF2B5EF4-FFF2-40B4-BE49-F238E27FC236}">
+                <a16:creationId xmlns:a16="http://schemas.microsoft.com/office/drawing/2014/main" id="{233C3D74-009B-354F-D418-BECA5E6A7385}"/>
+              </a:ext>
+            </a:extLst>
+          </p:cNvPr>
+          <p:cNvCxnSpPr>
+            <a:cxnSpLocks/>
+          </p:cNvCxnSpPr>
+          <p:nvPr/>
+        </p:nvCxnSpPr>
+        <p:spPr>
+          <a:xfrm flipV="1">
+            <a:off x="2435201" y="1381011"/>
+            <a:ext cx="0" cy="1728000"/>
+          </a:xfrm>
+          <a:prstGeom prst="line">
+            <a:avLst/>
+          </a:prstGeom>
+          <a:ln w="76200">
             <a:solidFill>
               <a:srgbClr val="FF0000"/>
             </a:solidFill>
-            <a:ln>
+          </a:ln>
+        </p:spPr>
+        <p:style>
+          <a:lnRef idx="1">
+            <a:schemeClr val="accent1"/>
+          </a:lnRef>
+          <a:fillRef idx="0">
+            <a:schemeClr val="accent1"/>
+          </a:fillRef>
+          <a:effectRef idx="0">
+            <a:schemeClr val="accent1"/>
+          </a:effectRef>
+          <a:fontRef idx="minor">
+            <a:schemeClr val="tx1"/>
+          </a:fontRef>
+        </p:style>
+      </p:cxnSp>
+      <p:cxnSp>
+        <p:nvCxnSpPr>
+          <p:cNvPr id="55" name="Conector recto 54">
+            <a:extLst>
+              <a:ext uri="{FF2B5EF4-FFF2-40B4-BE49-F238E27FC236}">
+                <a16:creationId xmlns:a16="http://schemas.microsoft.com/office/drawing/2014/main" id="{6337CD48-0497-5EB6-C462-004DB64F44D5}"/>
+              </a:ext>
+            </a:extLst>
+          </p:cNvPr>
+          <p:cNvCxnSpPr>
+            <a:cxnSpLocks/>
+          </p:cNvCxnSpPr>
+          <p:nvPr/>
+        </p:nvCxnSpPr>
+        <p:spPr>
+          <a:xfrm flipV="1">
+            <a:off x="1528492" y="1199848"/>
+            <a:ext cx="0" cy="1872000"/>
+          </a:xfrm>
+          <a:prstGeom prst="line">
+            <a:avLst/>
+          </a:prstGeom>
+          <a:ln w="76200">
+            <a:solidFill>
+              <a:srgbClr val="FF0000"/>
+            </a:solidFill>
+          </a:ln>
+        </p:spPr>
+        <p:style>
+          <a:lnRef idx="1">
+            <a:schemeClr val="accent1"/>
+          </a:lnRef>
+          <a:fillRef idx="0">
+            <a:schemeClr val="accent1"/>
+          </a:fillRef>
+          <a:effectRef idx="0">
+            <a:schemeClr val="accent1"/>
+          </a:effectRef>
+          <a:fontRef idx="minor">
+            <a:schemeClr val="tx1"/>
+          </a:fontRef>
+        </p:style>
+      </p:cxnSp>
+      <p:cxnSp>
+        <p:nvCxnSpPr>
+          <p:cNvPr id="61" name="Conector recto 60">
+            <a:extLst>
+              <a:ext uri="{FF2B5EF4-FFF2-40B4-BE49-F238E27FC236}">
+                <a16:creationId xmlns:a16="http://schemas.microsoft.com/office/drawing/2014/main" id="{C7891F65-AC49-E8B1-5397-BA9CEA983B27}"/>
+              </a:ext>
+            </a:extLst>
+          </p:cNvPr>
+          <p:cNvCxnSpPr>
+            <a:cxnSpLocks/>
+          </p:cNvCxnSpPr>
+          <p:nvPr/>
+        </p:nvCxnSpPr>
+        <p:spPr>
+          <a:xfrm flipV="1">
+            <a:off x="4333765" y="2012790"/>
+            <a:ext cx="0" cy="648000"/>
+          </a:xfrm>
+          <a:prstGeom prst="line">
+            <a:avLst/>
+          </a:prstGeom>
+          <a:ln w="76200">
+            <a:solidFill>
+              <a:srgbClr val="FF0000"/>
+            </a:solidFill>
+          </a:ln>
+        </p:spPr>
+        <p:style>
+          <a:lnRef idx="1">
+            <a:schemeClr val="accent1"/>
+          </a:lnRef>
+          <a:fillRef idx="0">
+            <a:schemeClr val="accent1"/>
+          </a:fillRef>
+          <a:effectRef idx="0">
+            <a:schemeClr val="accent1"/>
+          </a:effectRef>
+          <a:fontRef idx="minor">
+            <a:schemeClr val="tx1"/>
+          </a:fontRef>
+        </p:style>
+      </p:cxnSp>
+      <p:cxnSp>
+        <p:nvCxnSpPr>
+          <p:cNvPr id="62" name="Conector recto 61">
+            <a:extLst>
+              <a:ext uri="{FF2B5EF4-FFF2-40B4-BE49-F238E27FC236}">
+                <a16:creationId xmlns:a16="http://schemas.microsoft.com/office/drawing/2014/main" id="{398D169B-61BF-29EA-5577-9CC9301DF9F9}"/>
+              </a:ext>
+            </a:extLst>
+          </p:cNvPr>
+          <p:cNvCxnSpPr>
+            <a:cxnSpLocks/>
+          </p:cNvCxnSpPr>
+          <p:nvPr/>
+        </p:nvCxnSpPr>
+        <p:spPr>
+          <a:xfrm flipV="1">
+            <a:off x="5249566" y="2275549"/>
+            <a:ext cx="0" cy="385241"/>
+          </a:xfrm>
+          <a:prstGeom prst="line">
+            <a:avLst/>
+          </a:prstGeom>
+          <a:ln w="76200">
+            <a:solidFill>
+              <a:srgbClr val="FF0000"/>
+            </a:solidFill>
+          </a:ln>
+        </p:spPr>
+        <p:style>
+          <a:lnRef idx="1">
+            <a:schemeClr val="accent1"/>
+          </a:lnRef>
+          <a:fillRef idx="0">
+            <a:schemeClr val="accent1"/>
+          </a:fillRef>
+          <a:effectRef idx="0">
+            <a:schemeClr val="accent1"/>
+          </a:effectRef>
+          <a:fontRef idx="minor">
+            <a:schemeClr val="tx1"/>
+          </a:fontRef>
+        </p:style>
+      </p:cxnSp>
+      <p:cxnSp>
+        <p:nvCxnSpPr>
+          <p:cNvPr id="63" name="Conector recto 62">
+            <a:extLst>
+              <a:ext uri="{FF2B5EF4-FFF2-40B4-BE49-F238E27FC236}">
+                <a16:creationId xmlns:a16="http://schemas.microsoft.com/office/drawing/2014/main" id="{AB94A51C-E41F-0DE3-9C93-9B64C43DEADC}"/>
+              </a:ext>
+            </a:extLst>
+          </p:cNvPr>
+          <p:cNvCxnSpPr>
+            <a:cxnSpLocks/>
+          </p:cNvCxnSpPr>
+          <p:nvPr/>
+        </p:nvCxnSpPr>
+        <p:spPr>
+          <a:xfrm>
+            <a:off x="4333765" y="2052875"/>
+            <a:ext cx="5834845" cy="0"/>
+          </a:xfrm>
+          <a:prstGeom prst="line">
+            <a:avLst/>
+          </a:prstGeom>
+          <a:ln w="76200">
+            <a:solidFill>
+              <a:srgbClr val="FF0000"/>
+            </a:solidFill>
+          </a:ln>
+        </p:spPr>
+        <p:style>
+          <a:lnRef idx="1">
+            <a:schemeClr val="accent1"/>
+          </a:lnRef>
+          <a:fillRef idx="0">
+            <a:schemeClr val="accent1"/>
+          </a:fillRef>
+          <a:effectRef idx="0">
+            <a:schemeClr val="accent1"/>
+          </a:effectRef>
+          <a:fontRef idx="minor">
+            <a:schemeClr val="tx1"/>
+          </a:fontRef>
+        </p:style>
+      </p:cxnSp>
+      <p:cxnSp>
+        <p:nvCxnSpPr>
+          <p:cNvPr id="1024" name="Conector recto 1023">
+            <a:extLst>
+              <a:ext uri="{FF2B5EF4-FFF2-40B4-BE49-F238E27FC236}">
+                <a16:creationId xmlns:a16="http://schemas.microsoft.com/office/drawing/2014/main" id="{D67B6890-B123-BCBB-6F64-EEC04DDFE690}"/>
+              </a:ext>
+            </a:extLst>
+          </p:cNvPr>
+          <p:cNvCxnSpPr>
+            <a:cxnSpLocks/>
+          </p:cNvCxnSpPr>
+          <p:nvPr/>
+        </p:nvCxnSpPr>
+        <p:spPr>
+          <a:xfrm>
+            <a:off x="5249566" y="2311109"/>
+            <a:ext cx="3925964" cy="0"/>
+          </a:xfrm>
+          <a:prstGeom prst="line">
+            <a:avLst/>
+          </a:prstGeom>
+          <a:ln w="76200">
+            <a:solidFill>
+              <a:srgbClr val="FF0000"/>
+            </a:solidFill>
+          </a:ln>
+        </p:spPr>
+        <p:style>
+          <a:lnRef idx="1">
+            <a:schemeClr val="accent1"/>
+          </a:lnRef>
+          <a:fillRef idx="0">
+            <a:schemeClr val="accent1"/>
+          </a:fillRef>
+          <a:effectRef idx="0">
+            <a:schemeClr val="accent1"/>
+          </a:effectRef>
+          <a:fontRef idx="minor">
+            <a:schemeClr val="tx1"/>
+          </a:fontRef>
+        </p:style>
+      </p:cxnSp>
+      <p:cxnSp>
+        <p:nvCxnSpPr>
+          <p:cNvPr id="1029" name="Conector recto 1028">
+            <a:extLst>
+              <a:ext uri="{FF2B5EF4-FFF2-40B4-BE49-F238E27FC236}">
+                <a16:creationId xmlns:a16="http://schemas.microsoft.com/office/drawing/2014/main" id="{CD008842-437B-8FE9-3401-66C9F74E7FE6}"/>
+              </a:ext>
+            </a:extLst>
+          </p:cNvPr>
+          <p:cNvCxnSpPr>
+            <a:cxnSpLocks/>
+          </p:cNvCxnSpPr>
+          <p:nvPr/>
+        </p:nvCxnSpPr>
+        <p:spPr>
+          <a:xfrm flipV="1">
+            <a:off x="9175530" y="2275549"/>
+            <a:ext cx="0" cy="510457"/>
+          </a:xfrm>
+          <a:prstGeom prst="line">
+            <a:avLst/>
+          </a:prstGeom>
+          <a:ln w="76200">
+            <a:solidFill>
+              <a:srgbClr val="FF0000"/>
+            </a:solidFill>
+          </a:ln>
+        </p:spPr>
+        <p:style>
+          <a:lnRef idx="1">
+            <a:schemeClr val="accent1"/>
+          </a:lnRef>
+          <a:fillRef idx="0">
+            <a:schemeClr val="accent1"/>
+          </a:fillRef>
+          <a:effectRef idx="0">
+            <a:schemeClr val="accent1"/>
+          </a:effectRef>
+          <a:fontRef idx="minor">
+            <a:schemeClr val="tx1"/>
+          </a:fontRef>
+        </p:style>
+      </p:cxnSp>
+      <p:cxnSp>
+        <p:nvCxnSpPr>
+          <p:cNvPr id="1030" name="Conector recto 1029">
+            <a:extLst>
+              <a:ext uri="{FF2B5EF4-FFF2-40B4-BE49-F238E27FC236}">
+                <a16:creationId xmlns:a16="http://schemas.microsoft.com/office/drawing/2014/main" id="{1D64EC47-79AC-D646-AC44-BDCBF2077A7F}"/>
+              </a:ext>
+            </a:extLst>
+          </p:cNvPr>
+          <p:cNvCxnSpPr>
+            <a:cxnSpLocks/>
+          </p:cNvCxnSpPr>
+          <p:nvPr/>
+        </p:nvCxnSpPr>
+        <p:spPr>
+          <a:xfrm flipV="1">
+            <a:off x="10131971" y="2052875"/>
+            <a:ext cx="0" cy="712650"/>
+          </a:xfrm>
+          <a:prstGeom prst="line">
+            <a:avLst/>
+          </a:prstGeom>
+          <a:ln w="76200">
+            <a:solidFill>
+              <a:srgbClr val="FF0000"/>
+            </a:solidFill>
+          </a:ln>
+        </p:spPr>
+        <p:style>
+          <a:lnRef idx="1">
+            <a:schemeClr val="accent1"/>
+          </a:lnRef>
+          <a:fillRef idx="0">
+            <a:schemeClr val="accent1"/>
+          </a:fillRef>
+          <a:effectRef idx="0">
+            <a:schemeClr val="accent1"/>
+          </a:effectRef>
+          <a:fontRef idx="minor">
+            <a:schemeClr val="tx1"/>
+          </a:fontRef>
+        </p:style>
+      </p:cxnSp>
+      <p:grpSp>
+        <p:nvGrpSpPr>
+          <p:cNvPr id="1074" name="Grupo 1073">
+            <a:extLst>
+              <a:ext uri="{FF2B5EF4-FFF2-40B4-BE49-F238E27FC236}">
+                <a16:creationId xmlns:a16="http://schemas.microsoft.com/office/drawing/2014/main" id="{8D5F5066-55DF-2923-B35C-A7ACCC093AB7}"/>
+              </a:ext>
+            </a:extLst>
+          </p:cNvPr>
+          <p:cNvGrpSpPr/>
+          <p:nvPr/>
+        </p:nvGrpSpPr>
+        <p:grpSpPr>
+          <a:xfrm>
+            <a:off x="10631365" y="3446635"/>
+            <a:ext cx="396585" cy="350743"/>
+            <a:chOff x="11269133" y="2409200"/>
+            <a:chExt cx="516467" cy="456767"/>
+          </a:xfrm>
+        </p:grpSpPr>
+        <p:cxnSp>
+          <p:nvCxnSpPr>
+            <p:cNvPr id="1066" name="Conector recto 1065">
+              <a:extLst>
+                <a:ext uri="{FF2B5EF4-FFF2-40B4-BE49-F238E27FC236}">
+                  <a16:creationId xmlns:a16="http://schemas.microsoft.com/office/drawing/2014/main" id="{AE4767BD-9593-B77E-DF3B-04D7A5294F0C}"/>
+                </a:ext>
+              </a:extLst>
+            </p:cNvPr>
+            <p:cNvCxnSpPr/>
+            <p:nvPr/>
+          </p:nvCxnSpPr>
+          <p:spPr>
+            <a:xfrm>
+              <a:off x="11269133" y="2660790"/>
+              <a:ext cx="516467" cy="0"/>
+            </a:xfrm>
+            <a:prstGeom prst="line">
+              <a:avLst/>
+            </a:prstGeom>
+            <a:ln w="57150">
               <a:solidFill>
                 <a:srgbClr val="FF0000"/>
               </a:solidFill>
             </a:ln>
+          </p:spPr>
+          <p:style>
+            <a:lnRef idx="1">
+              <a:schemeClr val="accent1"/>
+            </a:lnRef>
+            <a:fillRef idx="0">
+              <a:schemeClr val="accent1"/>
+            </a:fillRef>
+            <a:effectRef idx="0">
+              <a:schemeClr val="accent1"/>
+            </a:effectRef>
+            <a:fontRef idx="minor">
+              <a:schemeClr val="tx1"/>
+            </a:fontRef>
+          </p:style>
+        </p:cxnSp>
+        <p:cxnSp>
+          <p:nvCxnSpPr>
+            <p:cNvPr id="1068" name="Conector recto 1067">
+              <a:extLst>
+                <a:ext uri="{FF2B5EF4-FFF2-40B4-BE49-F238E27FC236}">
+                  <a16:creationId xmlns:a16="http://schemas.microsoft.com/office/drawing/2014/main" id="{BEF24375-E94A-8B52-6B85-4296FE693313}"/>
+                </a:ext>
+              </a:extLst>
+            </p:cNvPr>
+            <p:cNvCxnSpPr/>
+            <p:nvPr/>
+          </p:nvCxnSpPr>
+          <p:spPr>
+            <a:xfrm>
+              <a:off x="11370733" y="2765525"/>
+              <a:ext cx="317500" cy="0"/>
+            </a:xfrm>
+            <a:prstGeom prst="line">
+              <a:avLst/>
+            </a:prstGeom>
+            <a:ln w="57150">
+              <a:solidFill>
+                <a:srgbClr val="FF0000"/>
+              </a:solidFill>
+            </a:ln>
+          </p:spPr>
+          <p:style>
+            <a:lnRef idx="1">
+              <a:schemeClr val="accent1"/>
+            </a:lnRef>
+            <a:fillRef idx="0">
+              <a:schemeClr val="accent1"/>
+            </a:fillRef>
+            <a:effectRef idx="0">
+              <a:schemeClr val="accent1"/>
+            </a:effectRef>
+            <a:fontRef idx="minor">
+              <a:schemeClr val="tx1"/>
+            </a:fontRef>
+          </p:style>
+        </p:cxnSp>
+        <p:cxnSp>
+          <p:nvCxnSpPr>
+            <p:cNvPr id="1070" name="Conector recto 1069">
+              <a:extLst>
+                <a:ext uri="{FF2B5EF4-FFF2-40B4-BE49-F238E27FC236}">
+                  <a16:creationId xmlns:a16="http://schemas.microsoft.com/office/drawing/2014/main" id="{0AF92C63-68C1-70A0-6FD0-2D4BBEB8AA6A}"/>
+                </a:ext>
+              </a:extLst>
+            </p:cNvPr>
+            <p:cNvCxnSpPr/>
+            <p:nvPr/>
+          </p:nvCxnSpPr>
+          <p:spPr>
+            <a:xfrm>
+              <a:off x="11472334" y="2865967"/>
+              <a:ext cx="131233" cy="0"/>
+            </a:xfrm>
+            <a:prstGeom prst="line">
+              <a:avLst/>
+            </a:prstGeom>
+            <a:ln w="57150">
+              <a:solidFill>
+                <a:srgbClr val="FF0000"/>
+              </a:solidFill>
+            </a:ln>
+          </p:spPr>
+          <p:style>
+            <a:lnRef idx="1">
+              <a:schemeClr val="accent1"/>
+            </a:lnRef>
+            <a:fillRef idx="0">
+              <a:schemeClr val="accent1"/>
+            </a:fillRef>
+            <a:effectRef idx="0">
+              <a:schemeClr val="accent1"/>
+            </a:effectRef>
+            <a:fontRef idx="minor">
+              <a:schemeClr val="tx1"/>
+            </a:fontRef>
+          </p:style>
+        </p:cxnSp>
+        <p:cxnSp>
+          <p:nvCxnSpPr>
+            <p:cNvPr id="1072" name="Conector recto 1071">
+              <a:extLst>
+                <a:ext uri="{FF2B5EF4-FFF2-40B4-BE49-F238E27FC236}">
+                  <a16:creationId xmlns:a16="http://schemas.microsoft.com/office/drawing/2014/main" id="{0AD21536-BBAA-DA68-2144-3315D453E3E5}"/>
+                </a:ext>
+              </a:extLst>
+            </p:cNvPr>
+            <p:cNvCxnSpPr>
+              <a:cxnSpLocks/>
+            </p:cNvCxnSpPr>
+            <p:nvPr/>
+          </p:nvCxnSpPr>
+          <p:spPr>
+            <a:xfrm flipV="1">
+              <a:off x="11527366" y="2409200"/>
+              <a:ext cx="0" cy="251590"/>
+            </a:xfrm>
+            <a:prstGeom prst="line">
+              <a:avLst/>
+            </a:prstGeom>
+            <a:ln w="57150">
+              <a:solidFill>
+                <a:srgbClr val="FF0000"/>
+              </a:solidFill>
+            </a:ln>
+          </p:spPr>
+          <p:style>
+            <a:lnRef idx="1">
+              <a:schemeClr val="accent1"/>
+            </a:lnRef>
+            <a:fillRef idx="0">
+              <a:schemeClr val="accent1"/>
+            </a:fillRef>
+            <a:effectRef idx="0">
+              <a:schemeClr val="accent1"/>
+            </a:effectRef>
+            <a:fontRef idx="minor">
+              <a:schemeClr val="tx1"/>
+            </a:fontRef>
+          </p:style>
+        </p:cxnSp>
+      </p:grpSp>
+      <p:cxnSp>
+        <p:nvCxnSpPr>
+          <p:cNvPr id="1075" name="Conector recto 1074">
+            <a:extLst>
+              <a:ext uri="{FF2B5EF4-FFF2-40B4-BE49-F238E27FC236}">
+                <a16:creationId xmlns:a16="http://schemas.microsoft.com/office/drawing/2014/main" id="{29CC7742-02FD-32EA-A840-94B8F3666B8C}"/>
+              </a:ext>
+            </a:extLst>
+          </p:cNvPr>
+          <p:cNvCxnSpPr>
+            <a:cxnSpLocks/>
+          </p:cNvCxnSpPr>
+          <p:nvPr/>
+        </p:nvCxnSpPr>
+        <p:spPr>
+          <a:xfrm flipV="1">
+            <a:off x="1921836" y="2711690"/>
+            <a:ext cx="0" cy="385241"/>
+          </a:xfrm>
+          <a:prstGeom prst="line">
+            <a:avLst/>
+          </a:prstGeom>
+          <a:ln w="76200">
+            <a:solidFill>
+              <a:srgbClr val="FF0000"/>
+            </a:solidFill>
+          </a:ln>
+        </p:spPr>
+        <p:style>
+          <a:lnRef idx="1">
+            <a:schemeClr val="accent1"/>
+          </a:lnRef>
+          <a:fillRef idx="0">
+            <a:schemeClr val="accent1"/>
+          </a:fillRef>
+          <a:effectRef idx="0">
+            <a:schemeClr val="accent1"/>
+          </a:effectRef>
+          <a:fontRef idx="minor">
+            <a:schemeClr val="tx1"/>
+          </a:fontRef>
+        </p:style>
+      </p:cxnSp>
+      <p:cxnSp>
+        <p:nvCxnSpPr>
+          <p:cNvPr id="1076" name="Conector recto 1075">
+            <a:extLst>
+              <a:ext uri="{FF2B5EF4-FFF2-40B4-BE49-F238E27FC236}">
+                <a16:creationId xmlns:a16="http://schemas.microsoft.com/office/drawing/2014/main" id="{D758515D-F22F-8E98-402E-A684D660C7AD}"/>
+              </a:ext>
+            </a:extLst>
+          </p:cNvPr>
+          <p:cNvCxnSpPr>
+            <a:cxnSpLocks/>
+          </p:cNvCxnSpPr>
+          <p:nvPr/>
+        </p:nvCxnSpPr>
+        <p:spPr>
+          <a:xfrm flipV="1">
+            <a:off x="995664" y="2749430"/>
+            <a:ext cx="0" cy="385241"/>
+          </a:xfrm>
+          <a:prstGeom prst="line">
+            <a:avLst/>
+          </a:prstGeom>
+          <a:ln w="76200">
+            <a:solidFill>
+              <a:srgbClr val="FF0000"/>
+            </a:solidFill>
+          </a:ln>
+        </p:spPr>
+        <p:style>
+          <a:lnRef idx="1">
+            <a:schemeClr val="accent1"/>
+          </a:lnRef>
+          <a:fillRef idx="0">
+            <a:schemeClr val="accent1"/>
+          </a:fillRef>
+          <a:effectRef idx="0">
+            <a:schemeClr val="accent1"/>
+          </a:effectRef>
+          <a:fontRef idx="minor">
+            <a:schemeClr val="tx1"/>
+          </a:fontRef>
+        </p:style>
+      </p:cxnSp>
+      <p:cxnSp>
+        <p:nvCxnSpPr>
+          <p:cNvPr id="1077" name="Conector recto 1076">
+            <a:extLst>
+              <a:ext uri="{FF2B5EF4-FFF2-40B4-BE49-F238E27FC236}">
+                <a16:creationId xmlns:a16="http://schemas.microsoft.com/office/drawing/2014/main" id="{95907790-18AB-77A8-BF4A-2C6BD4007B2E}"/>
+              </a:ext>
+            </a:extLst>
+          </p:cNvPr>
+          <p:cNvCxnSpPr>
+            <a:cxnSpLocks/>
+          </p:cNvCxnSpPr>
+          <p:nvPr/>
+        </p:nvCxnSpPr>
+        <p:spPr>
+          <a:xfrm flipV="1">
+            <a:off x="945929" y="2716399"/>
+            <a:ext cx="996927" cy="0"/>
+          </a:xfrm>
+          <a:prstGeom prst="line">
+            <a:avLst/>
+          </a:prstGeom>
+          <a:ln w="76200">
+            <a:solidFill>
+              <a:srgbClr val="FF0000"/>
+            </a:solidFill>
+          </a:ln>
+        </p:spPr>
+        <p:style>
+          <a:lnRef idx="1">
+            <a:schemeClr val="accent1"/>
+          </a:lnRef>
+          <a:fillRef idx="0">
+            <a:schemeClr val="accent1"/>
+          </a:fillRef>
+          <a:effectRef idx="0">
+            <a:schemeClr val="accent1"/>
+          </a:effectRef>
+          <a:fontRef idx="minor">
+            <a:schemeClr val="tx1"/>
+          </a:fontRef>
+        </p:style>
+      </p:cxnSp>
+      <p:cxnSp>
+        <p:nvCxnSpPr>
+          <p:cNvPr id="1082" name="Conector recto 1081">
+            <a:extLst>
+              <a:ext uri="{FF2B5EF4-FFF2-40B4-BE49-F238E27FC236}">
+                <a16:creationId xmlns:a16="http://schemas.microsoft.com/office/drawing/2014/main" id="{FC3640DD-D737-A957-F333-BE37F17B0F98}"/>
+              </a:ext>
+            </a:extLst>
+          </p:cNvPr>
+          <p:cNvCxnSpPr>
+            <a:cxnSpLocks/>
+          </p:cNvCxnSpPr>
+          <p:nvPr/>
+        </p:nvCxnSpPr>
+        <p:spPr>
+          <a:xfrm flipV="1">
+            <a:off x="10830949" y="3095808"/>
+            <a:ext cx="0" cy="385241"/>
+          </a:xfrm>
+          <a:prstGeom prst="line">
+            <a:avLst/>
+          </a:prstGeom>
+          <a:ln w="76200">
+            <a:solidFill>
+              <a:srgbClr val="FF0000"/>
+            </a:solidFill>
+          </a:ln>
+        </p:spPr>
+        <p:style>
+          <a:lnRef idx="1">
+            <a:schemeClr val="accent1"/>
+          </a:lnRef>
+          <a:fillRef idx="0">
+            <a:schemeClr val="accent1"/>
+          </a:fillRef>
+          <a:effectRef idx="0">
+            <a:schemeClr val="accent1"/>
+          </a:effectRef>
+          <a:fontRef idx="minor">
+            <a:schemeClr val="tx1"/>
+          </a:fontRef>
+        </p:style>
+      </p:cxnSp>
+      <p:cxnSp>
+        <p:nvCxnSpPr>
+          <p:cNvPr id="1083" name="Conector recto 1082">
+            <a:extLst>
+              <a:ext uri="{FF2B5EF4-FFF2-40B4-BE49-F238E27FC236}">
+                <a16:creationId xmlns:a16="http://schemas.microsoft.com/office/drawing/2014/main" id="{27EB2DCC-5EE7-37CD-E542-84D03492F70D}"/>
+              </a:ext>
+            </a:extLst>
+          </p:cNvPr>
+          <p:cNvCxnSpPr>
+            <a:cxnSpLocks/>
+          </p:cNvCxnSpPr>
+          <p:nvPr/>
+        </p:nvCxnSpPr>
+        <p:spPr>
+          <a:xfrm flipV="1">
+            <a:off x="2454664" y="4210737"/>
+            <a:ext cx="0" cy="385241"/>
+          </a:xfrm>
+          <a:prstGeom prst="line">
+            <a:avLst/>
+          </a:prstGeom>
+          <a:ln w="76200">
+            <a:solidFill>
+              <a:srgbClr val="FF0000"/>
+            </a:solidFill>
+          </a:ln>
+        </p:spPr>
+        <p:style>
+          <a:lnRef idx="1">
+            <a:schemeClr val="accent1"/>
+          </a:lnRef>
+          <a:fillRef idx="0">
+            <a:schemeClr val="accent1"/>
+          </a:fillRef>
+          <a:effectRef idx="0">
+            <a:schemeClr val="accent1"/>
+          </a:effectRef>
+          <a:fontRef idx="minor">
+            <a:schemeClr val="tx1"/>
+          </a:fontRef>
+        </p:style>
+      </p:cxnSp>
+      <p:cxnSp>
+        <p:nvCxnSpPr>
+          <p:cNvPr id="1084" name="Conector recto 1083">
+            <a:extLst>
+              <a:ext uri="{FF2B5EF4-FFF2-40B4-BE49-F238E27FC236}">
+                <a16:creationId xmlns:a16="http://schemas.microsoft.com/office/drawing/2014/main" id="{C8E74C43-E175-498D-7CF0-520931EAD991}"/>
+              </a:ext>
+            </a:extLst>
+          </p:cNvPr>
+          <p:cNvCxnSpPr>
+            <a:cxnSpLocks/>
+          </p:cNvCxnSpPr>
+          <p:nvPr/>
+        </p:nvCxnSpPr>
+        <p:spPr>
+          <a:xfrm flipV="1">
+            <a:off x="1528492" y="4248477"/>
+            <a:ext cx="0" cy="385241"/>
+          </a:xfrm>
+          <a:prstGeom prst="line">
+            <a:avLst/>
+          </a:prstGeom>
+          <a:ln w="76200">
+            <a:solidFill>
+              <a:srgbClr val="FF0000"/>
+            </a:solidFill>
+          </a:ln>
+        </p:spPr>
+        <p:style>
+          <a:lnRef idx="1">
+            <a:schemeClr val="accent1"/>
+          </a:lnRef>
+          <a:fillRef idx="0">
+            <a:schemeClr val="accent1"/>
+          </a:fillRef>
+          <a:effectRef idx="0">
+            <a:schemeClr val="accent1"/>
+          </a:effectRef>
+          <a:fontRef idx="minor">
+            <a:schemeClr val="tx1"/>
+          </a:fontRef>
+        </p:style>
+      </p:cxnSp>
+      <p:cxnSp>
+        <p:nvCxnSpPr>
+          <p:cNvPr id="1085" name="Conector recto 1084">
+            <a:extLst>
+              <a:ext uri="{FF2B5EF4-FFF2-40B4-BE49-F238E27FC236}">
+                <a16:creationId xmlns:a16="http://schemas.microsoft.com/office/drawing/2014/main" id="{C568F23D-E007-CF38-065E-1C99EAE6839F}"/>
+              </a:ext>
+            </a:extLst>
+          </p:cNvPr>
+          <p:cNvCxnSpPr>
+            <a:cxnSpLocks/>
+          </p:cNvCxnSpPr>
+          <p:nvPr/>
+        </p:nvCxnSpPr>
+        <p:spPr>
+          <a:xfrm flipV="1">
+            <a:off x="1487870" y="4593180"/>
+            <a:ext cx="977304" cy="0"/>
+          </a:xfrm>
+          <a:prstGeom prst="line">
+            <a:avLst/>
+          </a:prstGeom>
+          <a:ln w="76200">
+            <a:solidFill>
+              <a:srgbClr val="FF0000"/>
+            </a:solidFill>
+          </a:ln>
+        </p:spPr>
+        <p:style>
+          <a:lnRef idx="1">
+            <a:schemeClr val="accent1"/>
+          </a:lnRef>
+          <a:fillRef idx="0">
+            <a:schemeClr val="accent1"/>
+          </a:fillRef>
+          <a:effectRef idx="0">
+            <a:schemeClr val="accent1"/>
+          </a:effectRef>
+          <a:fontRef idx="minor">
+            <a:schemeClr val="tx1"/>
+          </a:fontRef>
+        </p:style>
+      </p:cxnSp>
+      <p:grpSp>
+        <p:nvGrpSpPr>
+          <p:cNvPr id="2055" name="Grupo 2054">
+            <a:extLst>
+              <a:ext uri="{FF2B5EF4-FFF2-40B4-BE49-F238E27FC236}">
+                <a16:creationId xmlns:a16="http://schemas.microsoft.com/office/drawing/2014/main" id="{533B8445-C8A4-CD80-E6DC-6AEDC839DE6C}"/>
+              </a:ext>
+            </a:extLst>
+          </p:cNvPr>
+          <p:cNvGrpSpPr/>
+          <p:nvPr/>
+        </p:nvGrpSpPr>
+        <p:grpSpPr>
+          <a:xfrm>
+            <a:off x="2343340" y="4551545"/>
+            <a:ext cx="243802" cy="273615"/>
+            <a:chOff x="2343340" y="4551545"/>
+            <a:chExt cx="243802" cy="273615"/>
+          </a:xfrm>
+        </p:grpSpPr>
+        <p:cxnSp>
+          <p:nvCxnSpPr>
+            <p:cNvPr id="2049" name="Conector recto 2048">
+              <a:extLst>
+                <a:ext uri="{FF2B5EF4-FFF2-40B4-BE49-F238E27FC236}">
+                  <a16:creationId xmlns:a16="http://schemas.microsoft.com/office/drawing/2014/main" id="{DC3EB0EE-5C1B-4A83-3922-B62AFAA5B6A4}"/>
+                </a:ext>
+              </a:extLst>
+            </p:cNvPr>
+            <p:cNvCxnSpPr/>
+            <p:nvPr/>
+          </p:nvCxnSpPr>
+          <p:spPr>
+            <a:xfrm>
+              <a:off x="2343340" y="4825160"/>
+              <a:ext cx="243802" cy="0"/>
+            </a:xfrm>
+            <a:prstGeom prst="line">
+              <a:avLst/>
+            </a:prstGeom>
+            <a:ln w="57150">
+              <a:solidFill>
+                <a:srgbClr val="FF0000"/>
+              </a:solidFill>
+            </a:ln>
+          </p:spPr>
+          <p:style>
+            <a:lnRef idx="1">
+              <a:schemeClr val="accent1"/>
+            </a:lnRef>
+            <a:fillRef idx="0">
+              <a:schemeClr val="accent1"/>
+            </a:fillRef>
+            <a:effectRef idx="0">
+              <a:schemeClr val="accent1"/>
+            </a:effectRef>
+            <a:fontRef idx="minor">
+              <a:schemeClr val="tx1"/>
+            </a:fontRef>
+          </p:style>
+        </p:cxnSp>
+        <p:cxnSp>
+          <p:nvCxnSpPr>
+            <p:cNvPr id="2053" name="Conector recto 2052">
+              <a:extLst>
+                <a:ext uri="{FF2B5EF4-FFF2-40B4-BE49-F238E27FC236}">
+                  <a16:creationId xmlns:a16="http://schemas.microsoft.com/office/drawing/2014/main" id="{380901BF-0EAE-3148-8220-DFC59E74AEBF}"/>
+                </a:ext>
+              </a:extLst>
+            </p:cNvPr>
+            <p:cNvCxnSpPr>
+              <a:cxnSpLocks/>
+            </p:cNvCxnSpPr>
+            <p:nvPr/>
+          </p:nvCxnSpPr>
+          <p:spPr>
+            <a:xfrm flipV="1">
+              <a:off x="2463615" y="4551545"/>
+              <a:ext cx="0" cy="273615"/>
+            </a:xfrm>
+            <a:prstGeom prst="line">
+              <a:avLst/>
+            </a:prstGeom>
+            <a:ln w="57150">
+              <a:solidFill>
+                <a:srgbClr val="FF0000"/>
+              </a:solidFill>
+            </a:ln>
+          </p:spPr>
+          <p:style>
+            <a:lnRef idx="1">
+              <a:schemeClr val="accent1"/>
+            </a:lnRef>
+            <a:fillRef idx="0">
+              <a:schemeClr val="accent1"/>
+            </a:fillRef>
+            <a:effectRef idx="0">
+              <a:schemeClr val="accent1"/>
+            </a:effectRef>
+            <a:fontRef idx="minor">
+              <a:schemeClr val="tx1"/>
+            </a:fontRef>
+          </p:style>
+        </p:cxnSp>
+      </p:grpSp>
+      <p:cxnSp>
+        <p:nvCxnSpPr>
+          <p:cNvPr id="2058" name="Conector recto 2057">
+            <a:extLst>
+              <a:ext uri="{FF2B5EF4-FFF2-40B4-BE49-F238E27FC236}">
+                <a16:creationId xmlns:a16="http://schemas.microsoft.com/office/drawing/2014/main" id="{B6D41769-835C-2FED-0859-8772F10003E4}"/>
+              </a:ext>
+            </a:extLst>
+          </p:cNvPr>
+          <p:cNvCxnSpPr>
+            <a:cxnSpLocks/>
+          </p:cNvCxnSpPr>
+          <p:nvPr/>
+        </p:nvCxnSpPr>
+        <p:spPr>
+          <a:xfrm flipV="1">
+            <a:off x="1911902" y="4280587"/>
+            <a:ext cx="0" cy="1410724"/>
+          </a:xfrm>
+          <a:prstGeom prst="line">
+            <a:avLst/>
+          </a:prstGeom>
+          <a:ln w="76200">
+            <a:solidFill>
+              <a:srgbClr val="FF0000"/>
+            </a:solidFill>
+          </a:ln>
+        </p:spPr>
+        <p:style>
+          <a:lnRef idx="1">
+            <a:schemeClr val="accent1"/>
+          </a:lnRef>
+          <a:fillRef idx="0">
+            <a:schemeClr val="accent1"/>
+          </a:fillRef>
+          <a:effectRef idx="0">
+            <a:schemeClr val="accent1"/>
+          </a:effectRef>
+          <a:fontRef idx="minor">
+            <a:schemeClr val="tx1"/>
+          </a:fontRef>
+        </p:style>
+      </p:cxnSp>
+      <p:cxnSp>
+        <p:nvCxnSpPr>
+          <p:cNvPr id="2059" name="Conector recto 2058">
+            <a:extLst>
+              <a:ext uri="{FF2B5EF4-FFF2-40B4-BE49-F238E27FC236}">
+                <a16:creationId xmlns:a16="http://schemas.microsoft.com/office/drawing/2014/main" id="{4B491B63-11EC-BD33-D91A-9A79FA9D24D0}"/>
+              </a:ext>
+            </a:extLst>
+          </p:cNvPr>
+          <p:cNvCxnSpPr>
+            <a:cxnSpLocks/>
+          </p:cNvCxnSpPr>
+          <p:nvPr/>
+        </p:nvCxnSpPr>
+        <p:spPr>
+          <a:xfrm flipV="1">
+            <a:off x="985730" y="4280587"/>
+            <a:ext cx="0" cy="2160000"/>
+          </a:xfrm>
+          <a:prstGeom prst="line">
+            <a:avLst/>
+          </a:prstGeom>
+          <a:ln w="76200">
+            <a:solidFill>
+              <a:srgbClr val="FF0000"/>
+            </a:solidFill>
+          </a:ln>
+        </p:spPr>
+        <p:style>
+          <a:lnRef idx="1">
+            <a:schemeClr val="accent1"/>
+          </a:lnRef>
+          <a:fillRef idx="0">
+            <a:schemeClr val="accent1"/>
+          </a:fillRef>
+          <a:effectRef idx="0">
+            <a:schemeClr val="accent1"/>
+          </a:effectRef>
+          <a:fontRef idx="minor">
+            <a:schemeClr val="tx1"/>
+          </a:fontRef>
+        </p:style>
+      </p:cxnSp>
+      <p:cxnSp>
+        <p:nvCxnSpPr>
+          <p:cNvPr id="2061" name="Conector recto 2060">
+            <a:extLst>
+              <a:ext uri="{FF2B5EF4-FFF2-40B4-BE49-F238E27FC236}">
+                <a16:creationId xmlns:a16="http://schemas.microsoft.com/office/drawing/2014/main" id="{383585FB-6F15-7413-CAB1-92609E7C73B7}"/>
+              </a:ext>
+            </a:extLst>
+          </p:cNvPr>
+          <p:cNvCxnSpPr>
+            <a:cxnSpLocks/>
+          </p:cNvCxnSpPr>
+          <p:nvPr/>
+        </p:nvCxnSpPr>
+        <p:spPr>
+          <a:xfrm flipV="1">
+            <a:off x="6943716" y="1274529"/>
+            <a:ext cx="0" cy="1363859"/>
+          </a:xfrm>
+          <a:prstGeom prst="line">
+            <a:avLst/>
+          </a:prstGeom>
+          <a:ln w="76200">
+            <a:solidFill>
+              <a:srgbClr val="FF0000"/>
+            </a:solidFill>
+          </a:ln>
+        </p:spPr>
+        <p:style>
+          <a:lnRef idx="1">
+            <a:schemeClr val="accent1"/>
+          </a:lnRef>
+          <a:fillRef idx="0">
+            <a:schemeClr val="accent1"/>
+          </a:fillRef>
+          <a:effectRef idx="0">
+            <a:schemeClr val="accent1"/>
+          </a:effectRef>
+          <a:fontRef idx="minor">
+            <a:schemeClr val="tx1"/>
+          </a:fontRef>
+        </p:style>
+      </p:cxnSp>
+      <p:cxnSp>
+        <p:nvCxnSpPr>
+          <p:cNvPr id="2063" name="Conector recto 2062">
+            <a:extLst>
+              <a:ext uri="{FF2B5EF4-FFF2-40B4-BE49-F238E27FC236}">
+                <a16:creationId xmlns:a16="http://schemas.microsoft.com/office/drawing/2014/main" id="{BE80C42F-E2C9-7BAB-62B5-B91E9D7CB171}"/>
+              </a:ext>
+            </a:extLst>
+          </p:cNvPr>
+          <p:cNvCxnSpPr>
+            <a:cxnSpLocks/>
+          </p:cNvCxnSpPr>
+          <p:nvPr/>
+        </p:nvCxnSpPr>
+        <p:spPr>
+          <a:xfrm>
+            <a:off x="6323723" y="1307441"/>
+            <a:ext cx="619993" cy="0"/>
+          </a:xfrm>
+          <a:prstGeom prst="line">
+            <a:avLst/>
+          </a:prstGeom>
+          <a:ln w="76200">
+            <a:solidFill>
+              <a:srgbClr val="FF0000"/>
+            </a:solidFill>
+          </a:ln>
+        </p:spPr>
+        <p:style>
+          <a:lnRef idx="1">
+            <a:schemeClr val="accent1"/>
+          </a:lnRef>
+          <a:fillRef idx="0">
+            <a:schemeClr val="accent1"/>
+          </a:fillRef>
+          <a:effectRef idx="0">
+            <a:schemeClr val="accent1"/>
+          </a:effectRef>
+          <a:fontRef idx="minor">
+            <a:schemeClr val="tx1"/>
+          </a:fontRef>
+        </p:style>
+      </p:cxnSp>
+      <p:cxnSp>
+        <p:nvCxnSpPr>
+          <p:cNvPr id="2068" name="Conector recto 2067">
+            <a:extLst>
+              <a:ext uri="{FF2B5EF4-FFF2-40B4-BE49-F238E27FC236}">
+                <a16:creationId xmlns:a16="http://schemas.microsoft.com/office/drawing/2014/main" id="{06D36CA1-9CFB-F8ED-6A8B-A33751F2E426}"/>
+              </a:ext>
+            </a:extLst>
+          </p:cNvPr>
+          <p:cNvCxnSpPr>
+            <a:cxnSpLocks/>
+          </p:cNvCxnSpPr>
+          <p:nvPr/>
+        </p:nvCxnSpPr>
+        <p:spPr>
+          <a:xfrm flipH="1" flipV="1">
+            <a:off x="11794763" y="716790"/>
+            <a:ext cx="0" cy="2366699"/>
+          </a:xfrm>
+          <a:prstGeom prst="line">
+            <a:avLst/>
+          </a:prstGeom>
+          <a:ln w="76200">
+            <a:solidFill>
+              <a:srgbClr val="FF0000"/>
+            </a:solidFill>
+          </a:ln>
+        </p:spPr>
+        <p:style>
+          <a:lnRef idx="1">
+            <a:schemeClr val="accent1"/>
+          </a:lnRef>
+          <a:fillRef idx="0">
+            <a:schemeClr val="accent1"/>
+          </a:fillRef>
+          <a:effectRef idx="0">
+            <a:schemeClr val="accent1"/>
+          </a:effectRef>
+          <a:fontRef idx="minor">
+            <a:schemeClr val="tx1"/>
+          </a:fontRef>
+        </p:style>
+      </p:cxnSp>
+      <p:cxnSp>
+        <p:nvCxnSpPr>
+          <p:cNvPr id="2070" name="Conector recto 2069">
+            <a:extLst>
+              <a:ext uri="{FF2B5EF4-FFF2-40B4-BE49-F238E27FC236}">
+                <a16:creationId xmlns:a16="http://schemas.microsoft.com/office/drawing/2014/main" id="{3EC6601C-5836-2B9B-C26A-7BD24A78031B}"/>
+              </a:ext>
+            </a:extLst>
+          </p:cNvPr>
+          <p:cNvCxnSpPr>
+            <a:cxnSpLocks/>
+          </p:cNvCxnSpPr>
+          <p:nvPr/>
+        </p:nvCxnSpPr>
+        <p:spPr>
+          <a:xfrm flipV="1">
+            <a:off x="6384683" y="1688790"/>
+            <a:ext cx="5424095" cy="0"/>
+          </a:xfrm>
+          <a:prstGeom prst="line">
+            <a:avLst/>
+          </a:prstGeom>
+          <a:ln w="76200">
+            <a:solidFill>
+              <a:srgbClr val="FF0000"/>
+            </a:solidFill>
+          </a:ln>
+        </p:spPr>
+        <p:style>
+          <a:lnRef idx="1">
+            <a:schemeClr val="accent1"/>
+          </a:lnRef>
+          <a:fillRef idx="0">
+            <a:schemeClr val="accent1"/>
+          </a:fillRef>
+          <a:effectRef idx="0">
+            <a:schemeClr val="accent1"/>
+          </a:effectRef>
+          <a:fontRef idx="minor">
+            <a:schemeClr val="tx1"/>
+          </a:fontRef>
+        </p:style>
+      </p:cxnSp>
+      <p:cxnSp>
+        <p:nvCxnSpPr>
+          <p:cNvPr id="2074" name="Conector recto 2073">
+            <a:extLst>
+              <a:ext uri="{FF2B5EF4-FFF2-40B4-BE49-F238E27FC236}">
+                <a16:creationId xmlns:a16="http://schemas.microsoft.com/office/drawing/2014/main" id="{C9319466-0647-E680-FADA-647F9B99172D}"/>
+              </a:ext>
+            </a:extLst>
+          </p:cNvPr>
+          <p:cNvCxnSpPr>
+            <a:cxnSpLocks/>
+          </p:cNvCxnSpPr>
+          <p:nvPr/>
+        </p:nvCxnSpPr>
+        <p:spPr>
+          <a:xfrm flipV="1">
+            <a:off x="7277285" y="1673453"/>
+            <a:ext cx="0" cy="972000"/>
+          </a:xfrm>
+          <a:prstGeom prst="line">
+            <a:avLst/>
+          </a:prstGeom>
+          <a:ln w="76200">
+            <a:solidFill>
+              <a:srgbClr val="FF0000"/>
+            </a:solidFill>
+          </a:ln>
+        </p:spPr>
+        <p:style>
+          <a:lnRef idx="1">
+            <a:schemeClr val="accent1"/>
+          </a:lnRef>
+          <a:fillRef idx="0">
+            <a:schemeClr val="accent1"/>
+          </a:fillRef>
+          <a:effectRef idx="0">
+            <a:schemeClr val="accent1"/>
+          </a:effectRef>
+          <a:fontRef idx="minor">
+            <a:schemeClr val="tx1"/>
+          </a:fontRef>
+        </p:style>
+      </p:cxnSp>
+      <p:cxnSp>
+        <p:nvCxnSpPr>
+          <p:cNvPr id="2079" name="Conector recto 2078">
+            <a:extLst>
+              <a:ext uri="{FF2B5EF4-FFF2-40B4-BE49-F238E27FC236}">
+                <a16:creationId xmlns:a16="http://schemas.microsoft.com/office/drawing/2014/main" id="{DD3C1843-25BC-E48D-4A42-5E2B986545A5}"/>
+              </a:ext>
+            </a:extLst>
+          </p:cNvPr>
+          <p:cNvCxnSpPr>
+            <a:cxnSpLocks/>
+          </p:cNvCxnSpPr>
+          <p:nvPr/>
+        </p:nvCxnSpPr>
+        <p:spPr>
+          <a:xfrm flipV="1">
+            <a:off x="6384683" y="1688790"/>
+            <a:ext cx="0" cy="972000"/>
+          </a:xfrm>
+          <a:prstGeom prst="line">
+            <a:avLst/>
+          </a:prstGeom>
+          <a:ln w="76200">
+            <a:solidFill>
+              <a:srgbClr val="FF0000"/>
+            </a:solidFill>
+          </a:ln>
+        </p:spPr>
+        <p:style>
+          <a:lnRef idx="1">
+            <a:schemeClr val="accent1"/>
+          </a:lnRef>
+          <a:fillRef idx="0">
+            <a:schemeClr val="accent1"/>
+          </a:fillRef>
+          <a:effectRef idx="0">
+            <a:schemeClr val="accent1"/>
+          </a:effectRef>
+          <a:fontRef idx="minor">
+            <a:schemeClr val="tx1"/>
+          </a:fontRef>
+        </p:style>
+      </p:cxnSp>
+      <p:sp>
+        <p:nvSpPr>
+          <p:cNvPr id="2085" name="Elipse 2084">
+            <a:extLst>
+              <a:ext uri="{FF2B5EF4-FFF2-40B4-BE49-F238E27FC236}">
+                <a16:creationId xmlns:a16="http://schemas.microsoft.com/office/drawing/2014/main" id="{52B4151B-F96E-FDD6-CD9B-FFC778071622}"/>
+              </a:ext>
+            </a:extLst>
+          </p:cNvPr>
+          <p:cNvSpPr/>
+          <p:nvPr/>
+        </p:nvSpPr>
+        <p:spPr>
+          <a:xfrm>
+            <a:off x="7201084" y="1600102"/>
+            <a:ext cx="154856" cy="154856"/>
+          </a:xfrm>
+          <a:prstGeom prst="ellipse">
+            <a:avLst/>
+          </a:prstGeom>
+          <a:solidFill>
+            <a:srgbClr val="FF0000"/>
+          </a:solidFill>
+          <a:ln>
+            <a:solidFill>
+              <a:srgbClr val="FF0000"/>
+            </a:solidFill>
+          </a:ln>
+        </p:spPr>
+        <p:style>
+          <a:lnRef idx="2">
+            <a:schemeClr val="accent1">
+              <a:shade val="50000"/>
+            </a:schemeClr>
+          </a:lnRef>
+          <a:fillRef idx="1">
+            <a:schemeClr val="accent1"/>
+          </a:fillRef>
+          <a:effectRef idx="0">
+            <a:schemeClr val="accent1"/>
+          </a:effectRef>
+          <a:fontRef idx="minor">
+            <a:schemeClr val="lt1"/>
+          </a:fontRef>
+        </p:style>
+        <p:txBody>
+          <a:bodyPr rtlCol="0" anchor="ctr"/>
+          <a:lstStyle/>
+          <a:p>
+            <a:pPr algn="ctr"/>
+            <a:endParaRPr lang="es-MX"/>
+          </a:p>
+        </p:txBody>
+      </p:sp>
+      <p:sp>
+        <p:nvSpPr>
+          <p:cNvPr id="2086" name="Elipse 2085">
+            <a:extLst>
+              <a:ext uri="{FF2B5EF4-FFF2-40B4-BE49-F238E27FC236}">
+                <a16:creationId xmlns:a16="http://schemas.microsoft.com/office/drawing/2014/main" id="{6EDD9600-3241-0AED-24AF-940ADF985B5B}"/>
+              </a:ext>
+            </a:extLst>
+          </p:cNvPr>
+          <p:cNvSpPr/>
+          <p:nvPr/>
+        </p:nvSpPr>
+        <p:spPr>
+          <a:xfrm>
+            <a:off x="2386187" y="4530120"/>
+            <a:ext cx="154856" cy="154856"/>
+          </a:xfrm>
+          <a:prstGeom prst="ellipse">
+            <a:avLst/>
+          </a:prstGeom>
+          <a:solidFill>
+            <a:srgbClr val="FF0000"/>
+          </a:solidFill>
+          <a:ln>
+            <a:solidFill>
+              <a:srgbClr val="FF0000"/>
+            </a:solidFill>
+          </a:ln>
+        </p:spPr>
+        <p:style>
+          <a:lnRef idx="2">
+            <a:schemeClr val="accent1">
+              <a:shade val="50000"/>
+            </a:schemeClr>
+          </a:lnRef>
+          <a:fillRef idx="1">
+            <a:schemeClr val="accent1"/>
+          </a:fillRef>
+          <a:effectRef idx="0">
+            <a:schemeClr val="accent1"/>
+          </a:effectRef>
+          <a:fontRef idx="minor">
+            <a:schemeClr val="lt1"/>
+          </a:fontRef>
+        </p:style>
+        <p:txBody>
+          <a:bodyPr rtlCol="0" anchor="ctr"/>
+          <a:lstStyle/>
+          <a:p>
+            <a:pPr algn="ctr"/>
+            <a:endParaRPr lang="es-MX"/>
+          </a:p>
+        </p:txBody>
+      </p:sp>
+      <p:sp>
+        <p:nvSpPr>
+          <p:cNvPr id="2087" name="Elipse 2086">
+            <a:extLst>
+              <a:ext uri="{FF2B5EF4-FFF2-40B4-BE49-F238E27FC236}">
+                <a16:creationId xmlns:a16="http://schemas.microsoft.com/office/drawing/2014/main" id="{0D28CA84-5802-7D69-2424-831A802CE156}"/>
+              </a:ext>
+            </a:extLst>
+          </p:cNvPr>
+          <p:cNvSpPr/>
+          <p:nvPr/>
+        </p:nvSpPr>
+        <p:spPr>
+          <a:xfrm>
+            <a:off x="924909" y="2660790"/>
+            <a:ext cx="154856" cy="154856"/>
+          </a:xfrm>
+          <a:prstGeom prst="ellipse">
+            <a:avLst/>
+          </a:prstGeom>
+          <a:solidFill>
+            <a:srgbClr val="FF0000"/>
+          </a:solidFill>
+          <a:ln>
+            <a:solidFill>
+              <a:srgbClr val="FF0000"/>
+            </a:solidFill>
+          </a:ln>
+        </p:spPr>
+        <p:style>
+          <a:lnRef idx="2">
+            <a:schemeClr val="accent1">
+              <a:shade val="50000"/>
+            </a:schemeClr>
+          </a:lnRef>
+          <a:fillRef idx="1">
+            <a:schemeClr val="accent1"/>
+          </a:fillRef>
+          <a:effectRef idx="0">
+            <a:schemeClr val="accent1"/>
+          </a:effectRef>
+          <a:fontRef idx="minor">
+            <a:schemeClr val="lt1"/>
+          </a:fontRef>
+        </p:style>
+        <p:txBody>
+          <a:bodyPr rtlCol="0" anchor="ctr"/>
+          <a:lstStyle/>
+          <a:p>
+            <a:pPr algn="ctr"/>
+            <a:endParaRPr lang="es-MX"/>
+          </a:p>
+        </p:txBody>
+      </p:sp>
+      <p:cxnSp>
+        <p:nvCxnSpPr>
+          <p:cNvPr id="2090" name="Conector recto 2089">
+            <a:extLst>
+              <a:ext uri="{FF2B5EF4-FFF2-40B4-BE49-F238E27FC236}">
+                <a16:creationId xmlns:a16="http://schemas.microsoft.com/office/drawing/2014/main" id="{8F5FACD9-16B2-92B3-D5B4-A5E8920452F7}"/>
+              </a:ext>
+            </a:extLst>
+          </p:cNvPr>
+          <p:cNvCxnSpPr>
+            <a:cxnSpLocks/>
+          </p:cNvCxnSpPr>
+          <p:nvPr/>
+        </p:nvCxnSpPr>
+        <p:spPr>
+          <a:xfrm flipV="1">
+            <a:off x="9796018" y="1309430"/>
+            <a:ext cx="0" cy="1440000"/>
+          </a:xfrm>
+          <a:prstGeom prst="line">
+            <a:avLst/>
+          </a:prstGeom>
+          <a:ln w="76200">
+            <a:solidFill>
+              <a:srgbClr val="FF0000"/>
+            </a:solidFill>
+          </a:ln>
+        </p:spPr>
+        <p:style>
+          <a:lnRef idx="1">
+            <a:schemeClr val="accent1"/>
+          </a:lnRef>
+          <a:fillRef idx="0">
+            <a:schemeClr val="accent1"/>
+          </a:fillRef>
+          <a:effectRef idx="0">
+            <a:schemeClr val="accent1"/>
+          </a:effectRef>
+          <a:fontRef idx="minor">
+            <a:schemeClr val="tx1"/>
+          </a:fontRef>
+        </p:style>
+      </p:cxnSp>
+      <p:cxnSp>
+        <p:nvCxnSpPr>
+          <p:cNvPr id="2091" name="Conector recto 2090">
+            <a:extLst>
+              <a:ext uri="{FF2B5EF4-FFF2-40B4-BE49-F238E27FC236}">
+                <a16:creationId xmlns:a16="http://schemas.microsoft.com/office/drawing/2014/main" id="{3A8D87CF-1EEC-C9F7-4C5A-E2ED24DD1E66}"/>
+              </a:ext>
+            </a:extLst>
+          </p:cNvPr>
+          <p:cNvCxnSpPr>
+            <a:cxnSpLocks/>
+          </p:cNvCxnSpPr>
+          <p:nvPr/>
+        </p:nvCxnSpPr>
+        <p:spPr>
+          <a:xfrm flipV="1">
+            <a:off x="8881294" y="1366181"/>
+            <a:ext cx="0" cy="1368000"/>
+          </a:xfrm>
+          <a:prstGeom prst="line">
+            <a:avLst/>
+          </a:prstGeom>
+          <a:ln w="76200">
+            <a:solidFill>
+              <a:srgbClr val="FF0000"/>
+            </a:solidFill>
+          </a:ln>
+        </p:spPr>
+        <p:style>
+          <a:lnRef idx="1">
+            <a:schemeClr val="accent1"/>
+          </a:lnRef>
+          <a:fillRef idx="0">
+            <a:schemeClr val="accent1"/>
+          </a:fillRef>
+          <a:effectRef idx="0">
+            <a:schemeClr val="accent1"/>
+          </a:effectRef>
+          <a:fontRef idx="minor">
+            <a:schemeClr val="tx1"/>
+          </a:fontRef>
+        </p:style>
+      </p:cxnSp>
+      <p:cxnSp>
+        <p:nvCxnSpPr>
+          <p:cNvPr id="2092" name="Conector recto 2091">
+            <a:extLst>
+              <a:ext uri="{FF2B5EF4-FFF2-40B4-BE49-F238E27FC236}">
+                <a16:creationId xmlns:a16="http://schemas.microsoft.com/office/drawing/2014/main" id="{A921EFDF-BC86-8D56-1BA5-106E553707DF}"/>
+              </a:ext>
+            </a:extLst>
+          </p:cNvPr>
+          <p:cNvCxnSpPr>
+            <a:cxnSpLocks/>
+          </p:cNvCxnSpPr>
+          <p:nvPr/>
+        </p:nvCxnSpPr>
+        <p:spPr>
+          <a:xfrm>
+            <a:off x="8881294" y="1404020"/>
+            <a:ext cx="2574632" cy="14711"/>
+          </a:xfrm>
+          <a:prstGeom prst="line">
+            <a:avLst/>
+          </a:prstGeom>
+          <a:ln w="76200">
+            <a:solidFill>
+              <a:srgbClr val="FF0000"/>
+            </a:solidFill>
+          </a:ln>
+        </p:spPr>
+        <p:style>
+          <a:lnRef idx="1">
+            <a:schemeClr val="accent1"/>
+          </a:lnRef>
+          <a:fillRef idx="0">
+            <a:schemeClr val="accent1"/>
+          </a:fillRef>
+          <a:effectRef idx="0">
+            <a:schemeClr val="accent1"/>
+          </a:effectRef>
+          <a:fontRef idx="minor">
+            <a:schemeClr val="tx1"/>
+          </a:fontRef>
+        </p:style>
+      </p:cxnSp>
+      <p:cxnSp>
+        <p:nvCxnSpPr>
+          <p:cNvPr id="2094" name="Conector recto 2093">
+            <a:extLst>
+              <a:ext uri="{FF2B5EF4-FFF2-40B4-BE49-F238E27FC236}">
+                <a16:creationId xmlns:a16="http://schemas.microsoft.com/office/drawing/2014/main" id="{E4D4A865-255E-DC21-8157-52A38ACB1CFF}"/>
+              </a:ext>
+            </a:extLst>
+          </p:cNvPr>
+          <p:cNvCxnSpPr>
+            <a:cxnSpLocks/>
+          </p:cNvCxnSpPr>
+          <p:nvPr/>
+        </p:nvCxnSpPr>
+        <p:spPr>
+          <a:xfrm flipV="1">
+            <a:off x="11431401" y="865302"/>
+            <a:ext cx="0" cy="573819"/>
+          </a:xfrm>
+          <a:prstGeom prst="line">
+            <a:avLst/>
+          </a:prstGeom>
+          <a:ln w="76200">
+            <a:solidFill>
+              <a:srgbClr val="FF0000"/>
+            </a:solidFill>
+          </a:ln>
+        </p:spPr>
+        <p:style>
+          <a:lnRef idx="1">
+            <a:schemeClr val="accent1"/>
+          </a:lnRef>
+          <a:fillRef idx="0">
+            <a:schemeClr val="accent1"/>
+          </a:fillRef>
+          <a:effectRef idx="0">
+            <a:schemeClr val="accent1"/>
+          </a:effectRef>
+          <a:fontRef idx="minor">
+            <a:schemeClr val="tx1"/>
+          </a:fontRef>
+        </p:style>
+      </p:cxnSp>
+      <p:sp>
+        <p:nvSpPr>
+          <p:cNvPr id="2095" name="Elipse 2094">
+            <a:extLst>
+              <a:ext uri="{FF2B5EF4-FFF2-40B4-BE49-F238E27FC236}">
+                <a16:creationId xmlns:a16="http://schemas.microsoft.com/office/drawing/2014/main" id="{48F7B4B1-4AE5-27B0-872C-E928A37A9287}"/>
+              </a:ext>
+            </a:extLst>
+          </p:cNvPr>
+          <p:cNvSpPr/>
+          <p:nvPr/>
+        </p:nvSpPr>
+        <p:spPr>
+          <a:xfrm>
+            <a:off x="9718590" y="1333947"/>
+            <a:ext cx="154856" cy="154856"/>
+          </a:xfrm>
+          <a:prstGeom prst="ellipse">
+            <a:avLst/>
+          </a:prstGeom>
+          <a:solidFill>
+            <a:srgbClr val="FF0000"/>
+          </a:solidFill>
+          <a:ln>
+            <a:solidFill>
+              <a:srgbClr val="FF0000"/>
+            </a:solidFill>
+          </a:ln>
+        </p:spPr>
+        <p:style>
+          <a:lnRef idx="2">
+            <a:schemeClr val="accent1">
+              <a:shade val="50000"/>
+            </a:schemeClr>
+          </a:lnRef>
+          <a:fillRef idx="1">
+            <a:schemeClr val="accent1"/>
+          </a:fillRef>
+          <a:effectRef idx="0">
+            <a:schemeClr val="accent1"/>
+          </a:effectRef>
+          <a:fontRef idx="minor">
+            <a:schemeClr val="lt1"/>
+          </a:fontRef>
+        </p:style>
+        <p:txBody>
+          <a:bodyPr rtlCol="0" anchor="ctr"/>
+          <a:lstStyle/>
+          <a:p>
+            <a:pPr algn="ctr"/>
+            <a:endParaRPr lang="es-MX"/>
+          </a:p>
+        </p:txBody>
+      </p:sp>
+      <p:cxnSp>
+        <p:nvCxnSpPr>
+          <p:cNvPr id="2096" name="Conector recto 2095">
+            <a:extLst>
+              <a:ext uri="{FF2B5EF4-FFF2-40B4-BE49-F238E27FC236}">
+                <a16:creationId xmlns:a16="http://schemas.microsoft.com/office/drawing/2014/main" id="{CFDF5791-2481-B2A8-5034-B611B753E2EF}"/>
+              </a:ext>
+            </a:extLst>
+          </p:cNvPr>
+          <p:cNvCxnSpPr>
+            <a:cxnSpLocks/>
+          </p:cNvCxnSpPr>
+          <p:nvPr/>
+        </p:nvCxnSpPr>
+        <p:spPr>
+          <a:xfrm>
+            <a:off x="5896029" y="5402627"/>
+            <a:ext cx="578341" cy="0"/>
+          </a:xfrm>
+          <a:prstGeom prst="line">
+            <a:avLst/>
+          </a:prstGeom>
+          <a:ln w="76200">
+            <a:solidFill>
+              <a:srgbClr val="FF0000"/>
+            </a:solidFill>
+          </a:ln>
+          <a:effectLst>
+            <a:glow rad="101600">
+              <a:schemeClr val="bg1">
+                <a:alpha val="60000"/>
+              </a:schemeClr>
+            </a:glow>
+          </a:effectLst>
+        </p:spPr>
+        <p:style>
+          <a:lnRef idx="1">
+            <a:schemeClr val="accent1"/>
+          </a:lnRef>
+          <a:fillRef idx="0">
+            <a:schemeClr val="accent1"/>
+          </a:fillRef>
+          <a:effectRef idx="0">
+            <a:schemeClr val="accent1"/>
+          </a:effectRef>
+          <a:fontRef idx="minor">
+            <a:schemeClr val="tx1"/>
+          </a:fontRef>
+        </p:style>
+      </p:cxnSp>
+      <p:cxnSp>
+        <p:nvCxnSpPr>
+          <p:cNvPr id="2098" name="Conector recto 2097">
+            <a:extLst>
+              <a:ext uri="{FF2B5EF4-FFF2-40B4-BE49-F238E27FC236}">
+                <a16:creationId xmlns:a16="http://schemas.microsoft.com/office/drawing/2014/main" id="{05326743-657E-5E8C-9D2B-25114EB73A04}"/>
+              </a:ext>
+            </a:extLst>
+          </p:cNvPr>
+          <p:cNvCxnSpPr>
+            <a:cxnSpLocks/>
+          </p:cNvCxnSpPr>
+          <p:nvPr/>
+        </p:nvCxnSpPr>
+        <p:spPr>
+          <a:xfrm flipV="1">
+            <a:off x="6449263" y="5744039"/>
+            <a:ext cx="3166824" cy="0"/>
+          </a:xfrm>
+          <a:prstGeom prst="line">
+            <a:avLst/>
+          </a:prstGeom>
+          <a:ln w="76200">
+            <a:solidFill>
+              <a:srgbClr val="FF0000"/>
+            </a:solidFill>
+          </a:ln>
+        </p:spPr>
+        <p:style>
+          <a:lnRef idx="1">
+            <a:schemeClr val="accent1"/>
+          </a:lnRef>
+          <a:fillRef idx="0">
+            <a:schemeClr val="accent1"/>
+          </a:fillRef>
+          <a:effectRef idx="0">
+            <a:schemeClr val="accent1"/>
+          </a:effectRef>
+          <a:fontRef idx="minor">
+            <a:schemeClr val="tx1"/>
+          </a:fontRef>
+        </p:style>
+      </p:cxnSp>
+      <p:cxnSp>
+        <p:nvCxnSpPr>
+          <p:cNvPr id="2100" name="Conector recto 2099">
+            <a:extLst>
+              <a:ext uri="{FF2B5EF4-FFF2-40B4-BE49-F238E27FC236}">
+                <a16:creationId xmlns:a16="http://schemas.microsoft.com/office/drawing/2014/main" id="{847480F3-F059-FEFB-A977-9906C7BE4C00}"/>
+              </a:ext>
+            </a:extLst>
+          </p:cNvPr>
+          <p:cNvCxnSpPr>
+            <a:cxnSpLocks/>
+          </p:cNvCxnSpPr>
+          <p:nvPr/>
+        </p:nvCxnSpPr>
+        <p:spPr>
+          <a:xfrm flipV="1">
+            <a:off x="9580172" y="5383009"/>
+            <a:ext cx="0" cy="383452"/>
+          </a:xfrm>
+          <a:prstGeom prst="line">
+            <a:avLst/>
+          </a:prstGeom>
+          <a:ln w="76200">
+            <a:solidFill>
+              <a:srgbClr val="FF0000"/>
+            </a:solidFill>
+          </a:ln>
+        </p:spPr>
+        <p:style>
+          <a:lnRef idx="1">
+            <a:schemeClr val="accent1"/>
+          </a:lnRef>
+          <a:fillRef idx="0">
+            <a:schemeClr val="accent1"/>
+          </a:fillRef>
+          <a:effectRef idx="0">
+            <a:schemeClr val="accent1"/>
+          </a:effectRef>
+          <a:fontRef idx="minor">
+            <a:schemeClr val="tx1"/>
+          </a:fontRef>
+        </p:style>
+      </p:cxnSp>
+      <p:cxnSp>
+        <p:nvCxnSpPr>
+          <p:cNvPr id="2101" name="Conector recto 2100">
+            <a:extLst>
+              <a:ext uri="{FF2B5EF4-FFF2-40B4-BE49-F238E27FC236}">
+                <a16:creationId xmlns:a16="http://schemas.microsoft.com/office/drawing/2014/main" id="{7C3068CD-50FB-9618-C884-0614F062FF10}"/>
+              </a:ext>
+            </a:extLst>
+          </p:cNvPr>
+          <p:cNvCxnSpPr>
+            <a:cxnSpLocks/>
+          </p:cNvCxnSpPr>
+          <p:nvPr/>
+        </p:nvCxnSpPr>
+        <p:spPr>
+          <a:xfrm flipV="1">
+            <a:off x="6432329" y="5411094"/>
+            <a:ext cx="0" cy="360000"/>
+          </a:xfrm>
+          <a:prstGeom prst="line">
+            <a:avLst/>
+          </a:prstGeom>
+          <a:ln w="76200">
+            <a:solidFill>
+              <a:srgbClr val="FF0000"/>
+            </a:solidFill>
+          </a:ln>
+        </p:spPr>
+        <p:style>
+          <a:lnRef idx="1">
+            <a:schemeClr val="accent1"/>
+          </a:lnRef>
+          <a:fillRef idx="0">
+            <a:schemeClr val="accent1"/>
+          </a:fillRef>
+          <a:effectRef idx="0">
+            <a:schemeClr val="accent1"/>
+          </a:effectRef>
+          <a:fontRef idx="minor">
+            <a:schemeClr val="tx1"/>
+          </a:fontRef>
+        </p:style>
+      </p:cxnSp>
+      <p:grpSp>
+        <p:nvGrpSpPr>
+          <p:cNvPr id="2102" name="Grupo 2101">
+            <a:extLst>
+              <a:ext uri="{FF2B5EF4-FFF2-40B4-BE49-F238E27FC236}">
+                <a16:creationId xmlns:a16="http://schemas.microsoft.com/office/drawing/2014/main" id="{8CF46F0F-9C24-B4B2-96DD-1AB74BA5E541}"/>
+              </a:ext>
+            </a:extLst>
+          </p:cNvPr>
+          <p:cNvGrpSpPr/>
+          <p:nvPr/>
+        </p:nvGrpSpPr>
+        <p:grpSpPr>
+          <a:xfrm>
+            <a:off x="7989632" y="5691311"/>
+            <a:ext cx="243802" cy="273615"/>
+            <a:chOff x="2343340" y="4551545"/>
+            <a:chExt cx="243802" cy="273615"/>
+          </a:xfrm>
+        </p:grpSpPr>
+        <p:cxnSp>
+          <p:nvCxnSpPr>
+            <p:cNvPr id="2103" name="Conector recto 2102">
+              <a:extLst>
+                <a:ext uri="{FF2B5EF4-FFF2-40B4-BE49-F238E27FC236}">
+                  <a16:creationId xmlns:a16="http://schemas.microsoft.com/office/drawing/2014/main" id="{8E964273-5C40-1EF1-54FB-918871D24976}"/>
+                </a:ext>
+              </a:extLst>
+            </p:cNvPr>
+            <p:cNvCxnSpPr/>
+            <p:nvPr/>
+          </p:nvCxnSpPr>
+          <p:spPr>
+            <a:xfrm>
+              <a:off x="2343340" y="4825160"/>
+              <a:ext cx="243802" cy="0"/>
+            </a:xfrm>
+            <a:prstGeom prst="line">
+              <a:avLst/>
+            </a:prstGeom>
+            <a:ln w="57150">
+              <a:solidFill>
+                <a:srgbClr val="FF0000"/>
+              </a:solidFill>
+            </a:ln>
+          </p:spPr>
+          <p:style>
+            <a:lnRef idx="1">
+              <a:schemeClr val="accent1"/>
+            </a:lnRef>
+            <a:fillRef idx="0">
+              <a:schemeClr val="accent1"/>
+            </a:fillRef>
+            <a:effectRef idx="0">
+              <a:schemeClr val="accent1"/>
+            </a:effectRef>
+            <a:fontRef idx="minor">
+              <a:schemeClr val="tx1"/>
+            </a:fontRef>
+          </p:style>
+        </p:cxnSp>
+        <p:cxnSp>
+          <p:nvCxnSpPr>
+            <p:cNvPr id="2104" name="Conector recto 2103">
+              <a:extLst>
+                <a:ext uri="{FF2B5EF4-FFF2-40B4-BE49-F238E27FC236}">
+                  <a16:creationId xmlns:a16="http://schemas.microsoft.com/office/drawing/2014/main" id="{4DA6D937-7566-F1B5-461E-52252CA67BF7}"/>
+                </a:ext>
+              </a:extLst>
+            </p:cNvPr>
+            <p:cNvCxnSpPr>
+              <a:cxnSpLocks/>
+            </p:cNvCxnSpPr>
+            <p:nvPr/>
+          </p:nvCxnSpPr>
+          <p:spPr>
+            <a:xfrm flipV="1">
+              <a:off x="2463615" y="4551545"/>
+              <a:ext cx="0" cy="273615"/>
+            </a:xfrm>
+            <a:prstGeom prst="line">
+              <a:avLst/>
+            </a:prstGeom>
+            <a:ln w="57150">
+              <a:solidFill>
+                <a:srgbClr val="FF0000"/>
+              </a:solidFill>
+            </a:ln>
+          </p:spPr>
+          <p:style>
+            <a:lnRef idx="1">
+              <a:schemeClr val="accent1"/>
+            </a:lnRef>
+            <a:fillRef idx="0">
+              <a:schemeClr val="accent1"/>
+            </a:fillRef>
+            <a:effectRef idx="0">
+              <a:schemeClr val="accent1"/>
+            </a:effectRef>
+            <a:fontRef idx="minor">
+              <a:schemeClr val="tx1"/>
+            </a:fontRef>
+          </p:style>
+        </p:cxnSp>
+      </p:grpSp>
+      <p:sp>
+        <p:nvSpPr>
+          <p:cNvPr id="2105" name="Elipse 2104">
+            <a:extLst>
+              <a:ext uri="{FF2B5EF4-FFF2-40B4-BE49-F238E27FC236}">
+                <a16:creationId xmlns:a16="http://schemas.microsoft.com/office/drawing/2014/main" id="{1C9C53FC-2441-2090-F370-7E800E622693}"/>
+              </a:ext>
+            </a:extLst>
+          </p:cNvPr>
+          <p:cNvSpPr/>
+          <p:nvPr/>
+        </p:nvSpPr>
+        <p:spPr>
+          <a:xfrm>
+            <a:off x="8032479" y="5669886"/>
+            <a:ext cx="154856" cy="154856"/>
+          </a:xfrm>
+          <a:prstGeom prst="ellipse">
+            <a:avLst/>
+          </a:prstGeom>
+          <a:solidFill>
+            <a:srgbClr val="FF0000"/>
+          </a:solidFill>
+          <a:ln>
+            <a:solidFill>
+              <a:srgbClr val="FF0000"/>
+            </a:solidFill>
+          </a:ln>
+        </p:spPr>
+        <p:style>
+          <a:lnRef idx="2">
+            <a:schemeClr val="accent1">
+              <a:shade val="50000"/>
+            </a:schemeClr>
+          </a:lnRef>
+          <a:fillRef idx="1">
+            <a:schemeClr val="accent1"/>
+          </a:fillRef>
+          <a:effectRef idx="0">
+            <a:schemeClr val="accent1"/>
+          </a:effectRef>
+          <a:fontRef idx="minor">
+            <a:schemeClr val="lt1"/>
+          </a:fontRef>
+        </p:style>
+        <p:txBody>
+          <a:bodyPr rtlCol="0" anchor="ctr"/>
+          <a:lstStyle/>
+          <a:p>
+            <a:pPr algn="ctr"/>
+            <a:endParaRPr lang="es-MX"/>
+          </a:p>
+        </p:txBody>
+      </p:sp>
+      <p:grpSp>
+        <p:nvGrpSpPr>
+          <p:cNvPr id="2106" name="Grupo 2105">
+            <a:extLst>
+              <a:ext uri="{FF2B5EF4-FFF2-40B4-BE49-F238E27FC236}">
+                <a16:creationId xmlns:a16="http://schemas.microsoft.com/office/drawing/2014/main" id="{1A9F1B6D-FE64-0450-D7F6-403D39D8BC83}"/>
+              </a:ext>
+            </a:extLst>
+          </p:cNvPr>
+          <p:cNvGrpSpPr/>
+          <p:nvPr/>
+        </p:nvGrpSpPr>
+        <p:grpSpPr>
+          <a:xfrm rot="16200000">
+            <a:off x="10925395" y="3229012"/>
+            <a:ext cx="1208512" cy="923330"/>
+            <a:chOff x="6456944" y="5142210"/>
+            <a:chExt cx="1208512" cy="923330"/>
+          </a:xfrm>
+        </p:grpSpPr>
+        <p:sp>
+          <p:nvSpPr>
+            <p:cNvPr id="2107" name="Rectángulo: esquinas redondeadas 2106">
+              <a:extLst>
+                <a:ext uri="{FF2B5EF4-FFF2-40B4-BE49-F238E27FC236}">
+                  <a16:creationId xmlns:a16="http://schemas.microsoft.com/office/drawing/2014/main" id="{880D413B-073D-AF36-E1F9-CD97416AFC0D}"/>
+                </a:ext>
+              </a:extLst>
+            </p:cNvPr>
+            <p:cNvSpPr/>
+            <p:nvPr/>
+          </p:nvSpPr>
+          <p:spPr>
+            <a:xfrm>
+              <a:off x="6597650" y="5219700"/>
+              <a:ext cx="927100" cy="768350"/>
+            </a:xfrm>
+            <a:prstGeom prst="roundRect">
+              <a:avLst>
+                <a:gd name="adj" fmla="val 8144"/>
+              </a:avLst>
+            </a:prstGeom>
           </p:spPr>
           <p:style>
             <a:lnRef idx="2">
@@ -5889,43 +6501,92 @@
             </a:p>
           </p:txBody>
         </p:sp>
+        <p:sp>
+          <p:nvSpPr>
+            <p:cNvPr id="2108" name="CuadroTexto 2107">
+              <a:extLst>
+                <a:ext uri="{FF2B5EF4-FFF2-40B4-BE49-F238E27FC236}">
+                  <a16:creationId xmlns:a16="http://schemas.microsoft.com/office/drawing/2014/main" id="{11F79D14-954E-7928-7D19-2BFBC018285E}"/>
+                </a:ext>
+              </a:extLst>
+            </p:cNvPr>
+            <p:cNvSpPr txBox="1"/>
+            <p:nvPr/>
+          </p:nvSpPr>
+          <p:spPr>
+            <a:xfrm>
+              <a:off x="6540236" y="5142210"/>
+              <a:ext cx="1055370" cy="923330"/>
+            </a:xfrm>
+            <a:prstGeom prst="rect">
+              <a:avLst/>
+            </a:prstGeom>
+            <a:noFill/>
+          </p:spPr>
+          <p:txBody>
+            <a:bodyPr wrap="square" rtlCol="0">
+              <a:spAutoFit/>
+            </a:bodyPr>
+            <a:lstStyle/>
+            <a:p>
+              <a:r>
+                <a:rPr lang="es-MX" dirty="0">
+                  <a:solidFill>
+                    <a:schemeClr val="bg1"/>
+                  </a:solidFill>
+                </a:rPr>
+                <a:t>+            ~ </a:t>
+              </a:r>
+            </a:p>
+            <a:p>
+              <a:endParaRPr lang="es-MX" dirty="0">
+                <a:solidFill>
+                  <a:schemeClr val="bg1"/>
+                </a:solidFill>
+              </a:endParaRPr>
+            </a:p>
+            <a:p>
+              <a:r>
+                <a:rPr lang="es-MX" dirty="0">
+                  <a:solidFill>
+                    <a:schemeClr val="bg1"/>
+                  </a:solidFill>
+                </a:rPr>
+                <a:t>–            ~</a:t>
+              </a:r>
+            </a:p>
+          </p:txBody>
+        </p:sp>
         <p:cxnSp>
           <p:nvCxnSpPr>
-            <p:cNvPr id="2090" name="Conector recto 2089">
-              <a:extLst>
-                <a:ext uri="{FF2B5EF4-FFF2-40B4-BE49-F238E27FC236}">
-                  <a16:creationId xmlns:a16="http://schemas.microsoft.com/office/drawing/2014/main" id="{8F5FACD9-16B2-92B3-D5B4-A5E8920452F7}"/>
-                </a:ext>
-              </a:extLst>
-            </p:cNvPr>
-            <p:cNvCxnSpPr>
-              <a:cxnSpLocks/>
-            </p:cNvCxnSpPr>
+            <p:cNvPr id="2109" name="Conector recto 2108">
+              <a:extLst>
+                <a:ext uri="{FF2B5EF4-FFF2-40B4-BE49-F238E27FC236}">
+                  <a16:creationId xmlns:a16="http://schemas.microsoft.com/office/drawing/2014/main" id="{7D7C8B8A-79E3-0BE3-18D5-0BEC94A432C7}"/>
+                </a:ext>
+              </a:extLst>
+            </p:cNvPr>
+            <p:cNvCxnSpPr/>
             <p:nvPr/>
           </p:nvCxnSpPr>
           <p:spPr>
-            <a:xfrm flipV="1">
-              <a:off x="9796018" y="1309430"/>
-              <a:ext cx="0" cy="1440000"/>
+            <a:xfrm>
+              <a:off x="6457950" y="5340350"/>
+              <a:ext cx="139700" cy="0"/>
             </a:xfrm>
             <a:prstGeom prst="line">
               <a:avLst/>
             </a:prstGeom>
-            <a:ln w="76200">
-              <a:solidFill>
-                <a:srgbClr val="FF0000"/>
-              </a:solidFill>
-            </a:ln>
           </p:spPr>
           <p:style>
-            <a:lnRef idx="1">
-              <a:schemeClr val="accent1"/>
+            <a:lnRef idx="3">
+              <a:schemeClr val="dk1"/>
             </a:lnRef>
             <a:fillRef idx="0">
-              <a:schemeClr val="accent1"/>
+              <a:schemeClr val="dk1"/>
             </a:fillRef>
-            <a:effectRef idx="0">
-              <a:schemeClr val="accent1"/>
+            <a:effectRef idx="2">
+              <a:schemeClr val="dk1"/>
             </a:effectRef>
             <a:fontRef idx="minor">
               <a:schemeClr val="tx1"/>
@@ -5934,41 +6595,34 @@
         </p:cxnSp>
         <p:cxnSp>
           <p:nvCxnSpPr>
-            <p:cNvPr id="2091" name="Conector recto 2090">
-              <a:extLst>
-                <a:ext uri="{FF2B5EF4-FFF2-40B4-BE49-F238E27FC236}">
-                  <a16:creationId xmlns:a16="http://schemas.microsoft.com/office/drawing/2014/main" id="{3A8D87CF-1EEC-C9F7-4C5A-E2ED24DD1E66}"/>
-                </a:ext>
-              </a:extLst>
-            </p:cNvPr>
-            <p:cNvCxnSpPr>
-              <a:cxnSpLocks/>
-            </p:cNvCxnSpPr>
+            <p:cNvPr id="2110" name="Conector recto 2109">
+              <a:extLst>
+                <a:ext uri="{FF2B5EF4-FFF2-40B4-BE49-F238E27FC236}">
+                  <a16:creationId xmlns:a16="http://schemas.microsoft.com/office/drawing/2014/main" id="{CA6931A0-04D5-4D50-3A8A-421F4062B3B3}"/>
+                </a:ext>
+              </a:extLst>
+            </p:cNvPr>
+            <p:cNvCxnSpPr/>
             <p:nvPr/>
           </p:nvCxnSpPr>
           <p:spPr>
-            <a:xfrm flipV="1">
-              <a:off x="8881294" y="1366181"/>
-              <a:ext cx="0" cy="1368000"/>
+            <a:xfrm>
+              <a:off x="7525756" y="5340350"/>
+              <a:ext cx="139700" cy="0"/>
             </a:xfrm>
             <a:prstGeom prst="line">
               <a:avLst/>
             </a:prstGeom>
-            <a:ln w="76200">
-              <a:solidFill>
-                <a:srgbClr val="FF0000"/>
-              </a:solidFill>
-            </a:ln>
           </p:spPr>
           <p:style>
-            <a:lnRef idx="1">
-              <a:schemeClr val="accent1"/>
+            <a:lnRef idx="3">
+              <a:schemeClr val="dk1"/>
             </a:lnRef>
             <a:fillRef idx="0">
-              <a:schemeClr val="accent1"/>
+              <a:schemeClr val="dk1"/>
             </a:fillRef>
-            <a:effectRef idx="0">
-              <a:schemeClr val="accent1"/>
+            <a:effectRef idx="2">
+              <a:schemeClr val="dk1"/>
             </a:effectRef>
             <a:fontRef idx="minor">
               <a:schemeClr val="tx1"/>
@@ -5977,41 +6631,34 @@
         </p:cxnSp>
         <p:cxnSp>
           <p:nvCxnSpPr>
-            <p:cNvPr id="2092" name="Conector recto 2091">
-              <a:extLst>
-                <a:ext uri="{FF2B5EF4-FFF2-40B4-BE49-F238E27FC236}">
-                  <a16:creationId xmlns:a16="http://schemas.microsoft.com/office/drawing/2014/main" id="{A921EFDF-BC86-8D56-1BA5-106E553707DF}"/>
-                </a:ext>
-              </a:extLst>
-            </p:cNvPr>
-            <p:cNvCxnSpPr>
-              <a:cxnSpLocks/>
-            </p:cNvCxnSpPr>
+            <p:cNvPr id="2111" name="Conector recto 2110">
+              <a:extLst>
+                <a:ext uri="{FF2B5EF4-FFF2-40B4-BE49-F238E27FC236}">
+                  <a16:creationId xmlns:a16="http://schemas.microsoft.com/office/drawing/2014/main" id="{531EE1CD-2254-1AB3-F5DB-70C69E66CF1B}"/>
+                </a:ext>
+              </a:extLst>
+            </p:cNvPr>
+            <p:cNvCxnSpPr/>
             <p:nvPr/>
           </p:nvCxnSpPr>
           <p:spPr>
             <a:xfrm>
-              <a:off x="8881294" y="1404020"/>
-              <a:ext cx="2574632" cy="14711"/>
+              <a:off x="6456944" y="5864225"/>
+              <a:ext cx="139700" cy="0"/>
             </a:xfrm>
             <a:prstGeom prst="line">
               <a:avLst/>
             </a:prstGeom>
-            <a:ln w="76200">
-              <a:solidFill>
-                <a:srgbClr val="FF0000"/>
-              </a:solidFill>
-            </a:ln>
           </p:spPr>
           <p:style>
-            <a:lnRef idx="1">
-              <a:schemeClr val="accent1"/>
+            <a:lnRef idx="3">
+              <a:schemeClr val="dk1"/>
             </a:lnRef>
             <a:fillRef idx="0">
-              <a:schemeClr val="accent1"/>
+              <a:schemeClr val="dk1"/>
             </a:fillRef>
-            <a:effectRef idx="0">
-              <a:schemeClr val="accent1"/>
+            <a:effectRef idx="2">
+              <a:schemeClr val="dk1"/>
             </a:effectRef>
             <a:fontRef idx="minor">
               <a:schemeClr val="tx1"/>
@@ -6020,135 +6667,129 @@
         </p:cxnSp>
         <p:cxnSp>
           <p:nvCxnSpPr>
-            <p:cNvPr id="2094" name="Conector recto 2093">
-              <a:extLst>
-                <a:ext uri="{FF2B5EF4-FFF2-40B4-BE49-F238E27FC236}">
-                  <a16:creationId xmlns:a16="http://schemas.microsoft.com/office/drawing/2014/main" id="{E4D4A865-255E-DC21-8157-52A38ACB1CFF}"/>
-                </a:ext>
-              </a:extLst>
-            </p:cNvPr>
-            <p:cNvCxnSpPr>
-              <a:cxnSpLocks/>
-            </p:cNvCxnSpPr>
+            <p:cNvPr id="2112" name="Conector recto 2111">
+              <a:extLst>
+                <a:ext uri="{FF2B5EF4-FFF2-40B4-BE49-F238E27FC236}">
+                  <a16:creationId xmlns:a16="http://schemas.microsoft.com/office/drawing/2014/main" id="{CA45AA1D-5E3B-C94F-8B41-4CA7C9912655}"/>
+                </a:ext>
+              </a:extLst>
+            </p:cNvPr>
+            <p:cNvCxnSpPr/>
             <p:nvPr/>
           </p:nvCxnSpPr>
           <p:spPr>
-            <a:xfrm flipV="1">
-              <a:off x="11431401" y="865302"/>
-              <a:ext cx="0" cy="573819"/>
+            <a:xfrm>
+              <a:off x="7524750" y="5864225"/>
+              <a:ext cx="139700" cy="0"/>
             </a:xfrm>
             <a:prstGeom prst="line">
               <a:avLst/>
             </a:prstGeom>
-            <a:ln w="76200">
-              <a:solidFill>
-                <a:srgbClr val="FF0000"/>
-              </a:solidFill>
-            </a:ln>
           </p:spPr>
           <p:style>
-            <a:lnRef idx="1">
-              <a:schemeClr val="accent1"/>
+            <a:lnRef idx="3">
+              <a:schemeClr val="dk1"/>
             </a:lnRef>
             <a:fillRef idx="0">
-              <a:schemeClr val="accent1"/>
+              <a:schemeClr val="dk1"/>
             </a:fillRef>
-            <a:effectRef idx="0">
-              <a:schemeClr val="accent1"/>
+            <a:effectRef idx="2">
+              <a:schemeClr val="dk1"/>
             </a:effectRef>
             <a:fontRef idx="minor">
               <a:schemeClr val="tx1"/>
             </a:fontRef>
           </p:style>
         </p:cxnSp>
-        <p:sp>
-          <p:nvSpPr>
-            <p:cNvPr id="2095" name="Elipse 2094">
-              <a:extLst>
-                <a:ext uri="{FF2B5EF4-FFF2-40B4-BE49-F238E27FC236}">
-                  <a16:creationId xmlns:a16="http://schemas.microsoft.com/office/drawing/2014/main" id="{48F7B4B1-4AE5-27B0-872C-E928A37A9287}"/>
-                </a:ext>
-              </a:extLst>
-            </p:cNvPr>
-            <p:cNvSpPr/>
-            <p:nvPr/>
-          </p:nvSpPr>
-          <p:spPr>
-            <a:xfrm>
-              <a:off x="9718590" y="1333947"/>
-              <a:ext cx="154856" cy="154856"/>
-            </a:xfrm>
-            <a:prstGeom prst="ellipse">
-              <a:avLst/>
-            </a:prstGeom>
+      </p:grpSp>
+      <p:cxnSp>
+        <p:nvCxnSpPr>
+          <p:cNvPr id="2119" name="Conector recto 2118">
+            <a:extLst>
+              <a:ext uri="{FF2B5EF4-FFF2-40B4-BE49-F238E27FC236}">
+                <a16:creationId xmlns:a16="http://schemas.microsoft.com/office/drawing/2014/main" id="{DC286E34-F81C-299B-8E66-04F8073ED7B7}"/>
+              </a:ext>
+            </a:extLst>
+          </p:cNvPr>
+          <p:cNvCxnSpPr>
+            <a:cxnSpLocks/>
+          </p:cNvCxnSpPr>
+          <p:nvPr/>
+        </p:nvCxnSpPr>
+        <p:spPr>
+          <a:xfrm>
+            <a:off x="10803584" y="3073080"/>
+            <a:ext cx="473052" cy="0"/>
+          </a:xfrm>
+          <a:prstGeom prst="line">
+            <a:avLst/>
+          </a:prstGeom>
+          <a:ln w="76200">
             <a:solidFill>
               <a:srgbClr val="FF0000"/>
             </a:solidFill>
-            <a:ln>
+          </a:ln>
+        </p:spPr>
+        <p:style>
+          <a:lnRef idx="1">
+            <a:schemeClr val="accent1"/>
+          </a:lnRef>
+          <a:fillRef idx="0">
+            <a:schemeClr val="accent1"/>
+          </a:fillRef>
+          <a:effectRef idx="0">
+            <a:schemeClr val="accent1"/>
+          </a:effectRef>
+          <a:fontRef idx="minor">
+            <a:schemeClr val="tx1"/>
+          </a:fontRef>
+        </p:style>
+      </p:cxnSp>
+      <p:grpSp>
+        <p:nvGrpSpPr>
+          <p:cNvPr id="2121" name="Grupo 2120">
+            <a:extLst>
+              <a:ext uri="{FF2B5EF4-FFF2-40B4-BE49-F238E27FC236}">
+                <a16:creationId xmlns:a16="http://schemas.microsoft.com/office/drawing/2014/main" id="{7413F26C-DE82-F89F-8A4B-7E6F51D1B613}"/>
+              </a:ext>
+            </a:extLst>
+          </p:cNvPr>
+          <p:cNvGrpSpPr/>
+          <p:nvPr/>
+        </p:nvGrpSpPr>
+        <p:grpSpPr>
+          <a:xfrm>
+            <a:off x="384004" y="3097354"/>
+            <a:ext cx="396585" cy="350743"/>
+            <a:chOff x="11269133" y="2409200"/>
+            <a:chExt cx="516467" cy="456767"/>
+          </a:xfrm>
+        </p:grpSpPr>
+        <p:cxnSp>
+          <p:nvCxnSpPr>
+            <p:cNvPr id="2122" name="Conector recto 2121">
+              <a:extLst>
+                <a:ext uri="{FF2B5EF4-FFF2-40B4-BE49-F238E27FC236}">
+                  <a16:creationId xmlns:a16="http://schemas.microsoft.com/office/drawing/2014/main" id="{4BF34AEB-EBF8-47D1-31DC-666FA289FE4A}"/>
+                </a:ext>
+              </a:extLst>
+            </p:cNvPr>
+            <p:cNvCxnSpPr/>
+            <p:nvPr/>
+          </p:nvCxnSpPr>
+          <p:spPr>
+            <a:xfrm>
+              <a:off x="11269133" y="2660790"/>
+              <a:ext cx="516467" cy="0"/>
+            </a:xfrm>
+            <a:prstGeom prst="line">
+              <a:avLst/>
+            </a:prstGeom>
+            <a:ln w="57150">
               <a:solidFill>
                 <a:srgbClr val="FF0000"/>
               </a:solidFill>
             </a:ln>
-          </p:spPr>
-          <p:style>
-            <a:lnRef idx="2">
-              <a:schemeClr val="accent1">
-                <a:shade val="50000"/>
-              </a:schemeClr>
-            </a:lnRef>
-            <a:fillRef idx="1">
-              <a:schemeClr val="accent1"/>
-            </a:fillRef>
-            <a:effectRef idx="0">
-              <a:schemeClr val="accent1"/>
-            </a:effectRef>
-            <a:fontRef idx="minor">
-              <a:schemeClr val="lt1"/>
-            </a:fontRef>
-          </p:style>
-          <p:txBody>
-            <a:bodyPr rtlCol="0" anchor="ctr"/>
-            <a:lstStyle/>
-            <a:p>
-              <a:pPr algn="ctr"/>
-              <a:endParaRPr lang="es-MX"/>
-            </a:p>
-          </p:txBody>
-        </p:sp>
-        <p:cxnSp>
-          <p:nvCxnSpPr>
-            <p:cNvPr id="2096" name="Conector recto 2095">
-              <a:extLst>
-                <a:ext uri="{FF2B5EF4-FFF2-40B4-BE49-F238E27FC236}">
-                  <a16:creationId xmlns:a16="http://schemas.microsoft.com/office/drawing/2014/main" id="{CFDF5791-2481-B2A8-5034-B611B753E2EF}"/>
-                </a:ext>
-              </a:extLst>
-            </p:cNvPr>
-            <p:cNvCxnSpPr>
-              <a:cxnSpLocks/>
-            </p:cNvCxnSpPr>
-            <p:nvPr/>
-          </p:nvCxnSpPr>
-          <p:spPr>
-            <a:xfrm>
-              <a:off x="5896029" y="5402627"/>
-              <a:ext cx="578341" cy="0"/>
-            </a:xfrm>
-            <a:prstGeom prst="line">
-              <a:avLst/>
-            </a:prstGeom>
-            <a:ln w="76200">
-              <a:solidFill>
-                <a:srgbClr val="FF0000"/>
-              </a:solidFill>
-            </a:ln>
-            <a:effectLst>
-              <a:glow rad="101600">
-                <a:schemeClr val="bg1">
-                  <a:alpha val="60000"/>
-                </a:schemeClr>
-              </a:glow>
-            </a:effectLst>
           </p:spPr>
           <p:style>
             <a:lnRef idx="1">
@@ -6167,27 +6808,25 @@
         </p:cxnSp>
         <p:cxnSp>
           <p:nvCxnSpPr>
-            <p:cNvPr id="2098" name="Conector recto 2097">
-              <a:extLst>
-                <a:ext uri="{FF2B5EF4-FFF2-40B4-BE49-F238E27FC236}">
-                  <a16:creationId xmlns:a16="http://schemas.microsoft.com/office/drawing/2014/main" id="{05326743-657E-5E8C-9D2B-25114EB73A04}"/>
-                </a:ext>
-              </a:extLst>
-            </p:cNvPr>
-            <p:cNvCxnSpPr>
-              <a:cxnSpLocks/>
-            </p:cNvCxnSpPr>
+            <p:cNvPr id="2123" name="Conector recto 2122">
+              <a:extLst>
+                <a:ext uri="{FF2B5EF4-FFF2-40B4-BE49-F238E27FC236}">
+                  <a16:creationId xmlns:a16="http://schemas.microsoft.com/office/drawing/2014/main" id="{4E733555-E424-B269-BFAF-9F234DB8EC36}"/>
+                </a:ext>
+              </a:extLst>
+            </p:cNvPr>
+            <p:cNvCxnSpPr/>
             <p:nvPr/>
           </p:nvCxnSpPr>
           <p:spPr>
-            <a:xfrm flipV="1">
-              <a:off x="6449263" y="5744039"/>
-              <a:ext cx="3166824" cy="0"/>
+            <a:xfrm>
+              <a:off x="11370733" y="2765525"/>
+              <a:ext cx="317500" cy="0"/>
             </a:xfrm>
             <a:prstGeom prst="line">
               <a:avLst/>
             </a:prstGeom>
-            <a:ln w="76200">
+            <a:ln w="57150">
               <a:solidFill>
                 <a:srgbClr val="FF0000"/>
               </a:solidFill>
@@ -6210,27 +6849,25 @@
         </p:cxnSp>
         <p:cxnSp>
           <p:nvCxnSpPr>
-            <p:cNvPr id="2100" name="Conector recto 2099">
-              <a:extLst>
-                <a:ext uri="{FF2B5EF4-FFF2-40B4-BE49-F238E27FC236}">
-                  <a16:creationId xmlns:a16="http://schemas.microsoft.com/office/drawing/2014/main" id="{847480F3-F059-FEFB-A977-9906C7BE4C00}"/>
-                </a:ext>
-              </a:extLst>
-            </p:cNvPr>
-            <p:cNvCxnSpPr>
-              <a:cxnSpLocks/>
-            </p:cNvCxnSpPr>
+            <p:cNvPr id="2124" name="Conector recto 2123">
+              <a:extLst>
+                <a:ext uri="{FF2B5EF4-FFF2-40B4-BE49-F238E27FC236}">
+                  <a16:creationId xmlns:a16="http://schemas.microsoft.com/office/drawing/2014/main" id="{6A2FC75E-03EF-F8C4-DCB7-368752A74539}"/>
+                </a:ext>
+              </a:extLst>
+            </p:cNvPr>
+            <p:cNvCxnSpPr/>
             <p:nvPr/>
           </p:nvCxnSpPr>
           <p:spPr>
-            <a:xfrm flipV="1">
-              <a:off x="9580172" y="5383009"/>
-              <a:ext cx="0" cy="383452"/>
+            <a:xfrm>
+              <a:off x="11472334" y="2865967"/>
+              <a:ext cx="131233" cy="0"/>
             </a:xfrm>
             <a:prstGeom prst="line">
               <a:avLst/>
             </a:prstGeom>
-            <a:ln w="76200">
+            <a:ln w="57150">
               <a:solidFill>
                 <a:srgbClr val="FF0000"/>
               </a:solidFill>
@@ -6253,10 +6890,10 @@
         </p:cxnSp>
         <p:cxnSp>
           <p:nvCxnSpPr>
-            <p:cNvPr id="2101" name="Conector recto 2100">
-              <a:extLst>
-                <a:ext uri="{FF2B5EF4-FFF2-40B4-BE49-F238E27FC236}">
-                  <a16:creationId xmlns:a16="http://schemas.microsoft.com/office/drawing/2014/main" id="{7C3068CD-50FB-9618-C884-0614F062FF10}"/>
+            <p:cNvPr id="2125" name="Conector recto 2124">
+              <a:extLst>
+                <a:ext uri="{FF2B5EF4-FFF2-40B4-BE49-F238E27FC236}">
+                  <a16:creationId xmlns:a16="http://schemas.microsoft.com/office/drawing/2014/main" id="{9855456E-D26E-87E6-7CB4-4DA489C7B65A}"/>
                 </a:ext>
               </a:extLst>
             </p:cNvPr>
@@ -6267,13 +6904,13 @@
           </p:nvCxnSpPr>
           <p:spPr>
             <a:xfrm flipV="1">
-              <a:off x="6432329" y="5411094"/>
-              <a:ext cx="0" cy="360000"/>
+              <a:off x="11527366" y="2409200"/>
+              <a:ext cx="0" cy="251590"/>
             </a:xfrm>
             <a:prstGeom prst="line">
               <a:avLst/>
             </a:prstGeom>
-            <a:ln w="76200">
+            <a:ln w="57150">
               <a:solidFill>
                 <a:srgbClr val="FF0000"/>
               </a:solidFill>
@@ -6294,687 +6931,177 @@
             </a:fontRef>
           </p:style>
         </p:cxnSp>
-        <p:grpSp>
-          <p:nvGrpSpPr>
-            <p:cNvPr id="2102" name="Grupo 2101">
-              <a:extLst>
-                <a:ext uri="{FF2B5EF4-FFF2-40B4-BE49-F238E27FC236}">
-                  <a16:creationId xmlns:a16="http://schemas.microsoft.com/office/drawing/2014/main" id="{8CF46F0F-9C24-B4B2-96DD-1AB74BA5E541}"/>
-                </a:ext>
-              </a:extLst>
-            </p:cNvPr>
-            <p:cNvGrpSpPr/>
-            <p:nvPr/>
-          </p:nvGrpSpPr>
-          <p:grpSpPr>
-            <a:xfrm>
-              <a:off x="7989632" y="5691311"/>
-              <a:ext cx="243802" cy="273615"/>
-              <a:chOff x="2343340" y="4551545"/>
-              <a:chExt cx="243802" cy="273615"/>
-            </a:xfrm>
-          </p:grpSpPr>
-          <p:cxnSp>
-            <p:nvCxnSpPr>
-              <p:cNvPr id="2103" name="Conector recto 2102">
-                <a:extLst>
-                  <a:ext uri="{FF2B5EF4-FFF2-40B4-BE49-F238E27FC236}">
-                    <a16:creationId xmlns:a16="http://schemas.microsoft.com/office/drawing/2014/main" id="{8E964273-5C40-1EF1-54FB-918871D24976}"/>
-                  </a:ext>
-                </a:extLst>
-              </p:cNvPr>
-              <p:cNvCxnSpPr/>
-              <p:nvPr/>
-            </p:nvCxnSpPr>
-            <p:spPr>
-              <a:xfrm>
-                <a:off x="2343340" y="4825160"/>
-                <a:ext cx="243802" cy="0"/>
-              </a:xfrm>
-              <a:prstGeom prst="line">
-                <a:avLst/>
-              </a:prstGeom>
-              <a:ln w="57150">
-                <a:solidFill>
-                  <a:srgbClr val="FF0000"/>
-                </a:solidFill>
-              </a:ln>
-            </p:spPr>
-            <p:style>
-              <a:lnRef idx="1">
-                <a:schemeClr val="accent1"/>
-              </a:lnRef>
-              <a:fillRef idx="0">
-                <a:schemeClr val="accent1"/>
-              </a:fillRef>
-              <a:effectRef idx="0">
-                <a:schemeClr val="accent1"/>
-              </a:effectRef>
-              <a:fontRef idx="minor">
-                <a:schemeClr val="tx1"/>
-              </a:fontRef>
-            </p:style>
-          </p:cxnSp>
-          <p:cxnSp>
-            <p:nvCxnSpPr>
-              <p:cNvPr id="2104" name="Conector recto 2103">
-                <a:extLst>
-                  <a:ext uri="{FF2B5EF4-FFF2-40B4-BE49-F238E27FC236}">
-                    <a16:creationId xmlns:a16="http://schemas.microsoft.com/office/drawing/2014/main" id="{4DA6D937-7566-F1B5-461E-52252CA67BF7}"/>
-                  </a:ext>
-                </a:extLst>
-              </p:cNvPr>
-              <p:cNvCxnSpPr>
-                <a:cxnSpLocks/>
-              </p:cNvCxnSpPr>
-              <p:nvPr/>
-            </p:nvCxnSpPr>
-            <p:spPr>
-              <a:xfrm flipV="1">
-                <a:off x="2463615" y="4551545"/>
-                <a:ext cx="0" cy="273615"/>
-              </a:xfrm>
-              <a:prstGeom prst="line">
-                <a:avLst/>
-              </a:prstGeom>
-              <a:ln w="57150">
-                <a:solidFill>
-                  <a:srgbClr val="FF0000"/>
-                </a:solidFill>
-              </a:ln>
-            </p:spPr>
-            <p:style>
-              <a:lnRef idx="1">
-                <a:schemeClr val="accent1"/>
-              </a:lnRef>
-              <a:fillRef idx="0">
-                <a:schemeClr val="accent1"/>
-              </a:fillRef>
-              <a:effectRef idx="0">
-                <a:schemeClr val="accent1"/>
-              </a:effectRef>
-              <a:fontRef idx="minor">
-                <a:schemeClr val="tx1"/>
-              </a:fontRef>
-            </p:style>
-          </p:cxnSp>
-        </p:grpSp>
-        <p:sp>
-          <p:nvSpPr>
-            <p:cNvPr id="2105" name="Elipse 2104">
-              <a:extLst>
-                <a:ext uri="{FF2B5EF4-FFF2-40B4-BE49-F238E27FC236}">
-                  <a16:creationId xmlns:a16="http://schemas.microsoft.com/office/drawing/2014/main" id="{1C9C53FC-2441-2090-F370-7E800E622693}"/>
-                </a:ext>
-              </a:extLst>
-            </p:cNvPr>
-            <p:cNvSpPr/>
-            <p:nvPr/>
-          </p:nvSpPr>
-          <p:spPr>
-            <a:xfrm>
-              <a:off x="8032479" y="5669886"/>
-              <a:ext cx="154856" cy="154856"/>
-            </a:xfrm>
-            <a:prstGeom prst="ellipse">
-              <a:avLst/>
-            </a:prstGeom>
+      </p:grpSp>
+      <p:cxnSp>
+        <p:nvCxnSpPr>
+          <p:cNvPr id="2126" name="Conector recto 2125">
+            <a:extLst>
+              <a:ext uri="{FF2B5EF4-FFF2-40B4-BE49-F238E27FC236}">
+                <a16:creationId xmlns:a16="http://schemas.microsoft.com/office/drawing/2014/main" id="{E6356033-D47A-6902-D189-82ACC3F277D5}"/>
+              </a:ext>
+            </a:extLst>
+          </p:cNvPr>
+          <p:cNvCxnSpPr>
+            <a:cxnSpLocks/>
+          </p:cNvCxnSpPr>
+          <p:nvPr/>
+        </p:nvCxnSpPr>
+        <p:spPr>
+          <a:xfrm flipV="1">
+            <a:off x="583588" y="2746527"/>
+            <a:ext cx="0" cy="385241"/>
+          </a:xfrm>
+          <a:prstGeom prst="line">
+            <a:avLst/>
+          </a:prstGeom>
+          <a:ln w="76200">
             <a:solidFill>
               <a:srgbClr val="FF0000"/>
             </a:solidFill>
-            <a:ln>
-              <a:solidFill>
-                <a:srgbClr val="FF0000"/>
-              </a:solidFill>
-            </a:ln>
-          </p:spPr>
-          <p:style>
-            <a:lnRef idx="2">
-              <a:schemeClr val="accent1">
-                <a:shade val="50000"/>
-              </a:schemeClr>
-            </a:lnRef>
-            <a:fillRef idx="1">
-              <a:schemeClr val="accent1"/>
-            </a:fillRef>
-            <a:effectRef idx="0">
-              <a:schemeClr val="accent1"/>
-            </a:effectRef>
-            <a:fontRef idx="minor">
-              <a:schemeClr val="lt1"/>
-            </a:fontRef>
-          </p:style>
-          <p:txBody>
-            <a:bodyPr rtlCol="0" anchor="ctr"/>
-            <a:lstStyle/>
-            <a:p>
-              <a:pPr algn="ctr"/>
-              <a:endParaRPr lang="es-MX"/>
-            </a:p>
-          </p:txBody>
-        </p:sp>
-        <p:grpSp>
-          <p:nvGrpSpPr>
-            <p:cNvPr id="2106" name="Grupo 2105">
-              <a:extLst>
-                <a:ext uri="{FF2B5EF4-FFF2-40B4-BE49-F238E27FC236}">
-                  <a16:creationId xmlns:a16="http://schemas.microsoft.com/office/drawing/2014/main" id="{1A9F1B6D-FE64-0450-D7F6-403D39D8BC83}"/>
-                </a:ext>
-              </a:extLst>
-            </p:cNvPr>
-            <p:cNvGrpSpPr/>
-            <p:nvPr/>
-          </p:nvGrpSpPr>
-          <p:grpSpPr>
-            <a:xfrm rot="16200000">
-              <a:off x="10925395" y="3229012"/>
-              <a:ext cx="1208512" cy="923330"/>
-              <a:chOff x="6456944" y="5142210"/>
-              <a:chExt cx="1208512" cy="923330"/>
-            </a:xfrm>
-          </p:grpSpPr>
-          <p:sp>
-            <p:nvSpPr>
-              <p:cNvPr id="2107" name="Rectángulo: esquinas redondeadas 2106">
-                <a:extLst>
-                  <a:ext uri="{FF2B5EF4-FFF2-40B4-BE49-F238E27FC236}">
-                    <a16:creationId xmlns:a16="http://schemas.microsoft.com/office/drawing/2014/main" id="{880D413B-073D-AF36-E1F9-CD97416AFC0D}"/>
-                  </a:ext>
-                </a:extLst>
-              </p:cNvPr>
-              <p:cNvSpPr/>
-              <p:nvPr/>
-            </p:nvSpPr>
-            <p:spPr>
-              <a:xfrm>
-                <a:off x="6597650" y="5219700"/>
-                <a:ext cx="927100" cy="768350"/>
-              </a:xfrm>
-              <a:prstGeom prst="roundRect">
-                <a:avLst>
-                  <a:gd name="adj" fmla="val 8144"/>
-                </a:avLst>
-              </a:prstGeom>
-            </p:spPr>
-            <p:style>
-              <a:lnRef idx="2">
-                <a:schemeClr val="accent1">
-                  <a:shade val="50000"/>
-                </a:schemeClr>
-              </a:lnRef>
-              <a:fillRef idx="1">
-                <a:schemeClr val="accent1"/>
-              </a:fillRef>
-              <a:effectRef idx="0">
-                <a:schemeClr val="accent1"/>
-              </a:effectRef>
-              <a:fontRef idx="minor">
-                <a:schemeClr val="lt1"/>
-              </a:fontRef>
-            </p:style>
-            <p:txBody>
-              <a:bodyPr rtlCol="0" anchor="ctr"/>
-              <a:lstStyle/>
-              <a:p>
-                <a:pPr algn="ctr"/>
-                <a:endParaRPr lang="es-MX"/>
-              </a:p>
-            </p:txBody>
-          </p:sp>
-          <p:sp>
-            <p:nvSpPr>
-              <p:cNvPr id="2108" name="CuadroTexto 2107">
-                <a:extLst>
-                  <a:ext uri="{FF2B5EF4-FFF2-40B4-BE49-F238E27FC236}">
-                    <a16:creationId xmlns:a16="http://schemas.microsoft.com/office/drawing/2014/main" id="{11F79D14-954E-7928-7D19-2BFBC018285E}"/>
-                  </a:ext>
-                </a:extLst>
-              </p:cNvPr>
-              <p:cNvSpPr txBox="1"/>
-              <p:nvPr/>
-            </p:nvSpPr>
-            <p:spPr>
-              <a:xfrm>
-                <a:off x="6540236" y="5142210"/>
-                <a:ext cx="1055370" cy="923330"/>
-              </a:xfrm>
-              <a:prstGeom prst="rect">
-                <a:avLst/>
-              </a:prstGeom>
-              <a:noFill/>
-            </p:spPr>
-            <p:txBody>
-              <a:bodyPr wrap="square" rtlCol="0">
-                <a:spAutoFit/>
-              </a:bodyPr>
-              <a:lstStyle/>
-              <a:p>
-                <a:r>
-                  <a:rPr lang="es-MX" dirty="0">
-                    <a:solidFill>
-                      <a:schemeClr val="bg1"/>
-                    </a:solidFill>
-                  </a:rPr>
-                  <a:t>+            ~ </a:t>
-                </a:r>
-              </a:p>
-              <a:p>
-                <a:endParaRPr lang="es-MX" dirty="0">
-                  <a:solidFill>
-                    <a:schemeClr val="bg1"/>
-                  </a:solidFill>
-                </a:endParaRPr>
-              </a:p>
-              <a:p>
-                <a:r>
-                  <a:rPr lang="es-MX" dirty="0">
-                    <a:solidFill>
-                      <a:schemeClr val="bg1"/>
-                    </a:solidFill>
-                  </a:rPr>
-                  <a:t>–            ~</a:t>
-                </a:r>
-              </a:p>
-            </p:txBody>
-          </p:sp>
-          <p:cxnSp>
-            <p:nvCxnSpPr>
-              <p:cNvPr id="2109" name="Conector recto 2108">
-                <a:extLst>
-                  <a:ext uri="{FF2B5EF4-FFF2-40B4-BE49-F238E27FC236}">
-                    <a16:creationId xmlns:a16="http://schemas.microsoft.com/office/drawing/2014/main" id="{7D7C8B8A-79E3-0BE3-18D5-0BEC94A432C7}"/>
-                  </a:ext>
-                </a:extLst>
-              </p:cNvPr>
-              <p:cNvCxnSpPr/>
-              <p:nvPr/>
-            </p:nvCxnSpPr>
-            <p:spPr>
-              <a:xfrm>
-                <a:off x="6457950" y="5340350"/>
-                <a:ext cx="139700" cy="0"/>
-              </a:xfrm>
-              <a:prstGeom prst="line">
-                <a:avLst/>
-              </a:prstGeom>
-            </p:spPr>
-            <p:style>
-              <a:lnRef idx="3">
-                <a:schemeClr val="dk1"/>
-              </a:lnRef>
-              <a:fillRef idx="0">
-                <a:schemeClr val="dk1"/>
-              </a:fillRef>
-              <a:effectRef idx="2">
-                <a:schemeClr val="dk1"/>
-              </a:effectRef>
-              <a:fontRef idx="minor">
-                <a:schemeClr val="tx1"/>
-              </a:fontRef>
-            </p:style>
-          </p:cxnSp>
-          <p:cxnSp>
-            <p:nvCxnSpPr>
-              <p:cNvPr id="2110" name="Conector recto 2109">
-                <a:extLst>
-                  <a:ext uri="{FF2B5EF4-FFF2-40B4-BE49-F238E27FC236}">
-                    <a16:creationId xmlns:a16="http://schemas.microsoft.com/office/drawing/2014/main" id="{CA6931A0-04D5-4D50-3A8A-421F4062B3B3}"/>
-                  </a:ext>
-                </a:extLst>
-              </p:cNvPr>
-              <p:cNvCxnSpPr/>
-              <p:nvPr/>
-            </p:nvCxnSpPr>
-            <p:spPr>
-              <a:xfrm>
-                <a:off x="7525756" y="5340350"/>
-                <a:ext cx="139700" cy="0"/>
-              </a:xfrm>
-              <a:prstGeom prst="line">
-                <a:avLst/>
-              </a:prstGeom>
-            </p:spPr>
-            <p:style>
-              <a:lnRef idx="3">
-                <a:schemeClr val="dk1"/>
-              </a:lnRef>
-              <a:fillRef idx="0">
-                <a:schemeClr val="dk1"/>
-              </a:fillRef>
-              <a:effectRef idx="2">
-                <a:schemeClr val="dk1"/>
-              </a:effectRef>
-              <a:fontRef idx="minor">
-                <a:schemeClr val="tx1"/>
-              </a:fontRef>
-            </p:style>
-          </p:cxnSp>
-          <p:cxnSp>
-            <p:nvCxnSpPr>
-              <p:cNvPr id="2111" name="Conector recto 2110">
-                <a:extLst>
-                  <a:ext uri="{FF2B5EF4-FFF2-40B4-BE49-F238E27FC236}">
-                    <a16:creationId xmlns:a16="http://schemas.microsoft.com/office/drawing/2014/main" id="{531EE1CD-2254-1AB3-F5DB-70C69E66CF1B}"/>
-                  </a:ext>
-                </a:extLst>
-              </p:cNvPr>
-              <p:cNvCxnSpPr/>
-              <p:nvPr/>
-            </p:nvCxnSpPr>
-            <p:spPr>
-              <a:xfrm>
-                <a:off x="6456944" y="5864225"/>
-                <a:ext cx="139700" cy="0"/>
-              </a:xfrm>
-              <a:prstGeom prst="line">
-                <a:avLst/>
-              </a:prstGeom>
-            </p:spPr>
-            <p:style>
-              <a:lnRef idx="3">
-                <a:schemeClr val="dk1"/>
-              </a:lnRef>
-              <a:fillRef idx="0">
-                <a:schemeClr val="dk1"/>
-              </a:fillRef>
-              <a:effectRef idx="2">
-                <a:schemeClr val="dk1"/>
-              </a:effectRef>
-              <a:fontRef idx="minor">
-                <a:schemeClr val="tx1"/>
-              </a:fontRef>
-            </p:style>
-          </p:cxnSp>
-          <p:cxnSp>
-            <p:nvCxnSpPr>
-              <p:cNvPr id="2112" name="Conector recto 2111">
-                <a:extLst>
-                  <a:ext uri="{FF2B5EF4-FFF2-40B4-BE49-F238E27FC236}">
-                    <a16:creationId xmlns:a16="http://schemas.microsoft.com/office/drawing/2014/main" id="{CA45AA1D-5E3B-C94F-8B41-4CA7C9912655}"/>
-                  </a:ext>
-                </a:extLst>
-              </p:cNvPr>
-              <p:cNvCxnSpPr/>
-              <p:nvPr/>
-            </p:nvCxnSpPr>
-            <p:spPr>
-              <a:xfrm>
-                <a:off x="7524750" y="5864225"/>
-                <a:ext cx="139700" cy="0"/>
-              </a:xfrm>
-              <a:prstGeom prst="line">
-                <a:avLst/>
-              </a:prstGeom>
-            </p:spPr>
-            <p:style>
-              <a:lnRef idx="3">
-                <a:schemeClr val="dk1"/>
-              </a:lnRef>
-              <a:fillRef idx="0">
-                <a:schemeClr val="dk1"/>
-              </a:fillRef>
-              <a:effectRef idx="2">
-                <a:schemeClr val="dk1"/>
-              </a:effectRef>
-              <a:fontRef idx="minor">
-                <a:schemeClr val="tx1"/>
-              </a:fontRef>
-            </p:style>
-          </p:cxnSp>
-        </p:grpSp>
+          </a:ln>
+        </p:spPr>
+        <p:style>
+          <a:lnRef idx="1">
+            <a:schemeClr val="accent1"/>
+          </a:lnRef>
+          <a:fillRef idx="0">
+            <a:schemeClr val="accent1"/>
+          </a:fillRef>
+          <a:effectRef idx="0">
+            <a:schemeClr val="accent1"/>
+          </a:effectRef>
+          <a:fontRef idx="minor">
+            <a:schemeClr val="tx1"/>
+          </a:fontRef>
+        </p:style>
+      </p:cxnSp>
+      <p:cxnSp>
+        <p:nvCxnSpPr>
+          <p:cNvPr id="2127" name="Conector recto 2126">
+            <a:extLst>
+              <a:ext uri="{FF2B5EF4-FFF2-40B4-BE49-F238E27FC236}">
+                <a16:creationId xmlns:a16="http://schemas.microsoft.com/office/drawing/2014/main" id="{FF8894AB-82D0-76E2-01AC-031D3108A18A}"/>
+              </a:ext>
+            </a:extLst>
+          </p:cNvPr>
+          <p:cNvCxnSpPr>
+            <a:cxnSpLocks/>
+          </p:cNvCxnSpPr>
+          <p:nvPr/>
+        </p:nvCxnSpPr>
+        <p:spPr>
+          <a:xfrm>
+            <a:off x="556223" y="2723799"/>
+            <a:ext cx="473052" cy="0"/>
+          </a:xfrm>
+          <a:prstGeom prst="line">
+            <a:avLst/>
+          </a:prstGeom>
+          <a:ln w="76200">
+            <a:solidFill>
+              <a:srgbClr val="FF0000"/>
+            </a:solidFill>
+          </a:ln>
+        </p:spPr>
+        <p:style>
+          <a:lnRef idx="1">
+            <a:schemeClr val="accent1"/>
+          </a:lnRef>
+          <a:fillRef idx="0">
+            <a:schemeClr val="accent1"/>
+          </a:fillRef>
+          <a:effectRef idx="0">
+            <a:schemeClr val="accent1"/>
+          </a:effectRef>
+          <a:fontRef idx="minor">
+            <a:schemeClr val="tx1"/>
+          </a:fontRef>
+        </p:style>
+      </p:cxnSp>
+      <p:cxnSp>
+        <p:nvCxnSpPr>
+          <p:cNvPr id="2128" name="Conector recto 2127">
+            <a:extLst>
+              <a:ext uri="{FF2B5EF4-FFF2-40B4-BE49-F238E27FC236}">
+                <a16:creationId xmlns:a16="http://schemas.microsoft.com/office/drawing/2014/main" id="{A0C4F2E9-5956-6D20-9B1D-5697197C2BFD}"/>
+              </a:ext>
+            </a:extLst>
+          </p:cNvPr>
+          <p:cNvCxnSpPr>
+            <a:cxnSpLocks/>
+          </p:cNvCxnSpPr>
+          <p:nvPr/>
+        </p:nvCxnSpPr>
+        <p:spPr>
+          <a:xfrm flipV="1">
+            <a:off x="11790001" y="4259207"/>
+            <a:ext cx="0" cy="385241"/>
+          </a:xfrm>
+          <a:prstGeom prst="line">
+            <a:avLst/>
+          </a:prstGeom>
+          <a:ln w="76200">
+            <a:solidFill>
+              <a:srgbClr val="FF0000"/>
+            </a:solidFill>
+          </a:ln>
+        </p:spPr>
+        <p:style>
+          <a:lnRef idx="1">
+            <a:schemeClr val="accent1"/>
+          </a:lnRef>
+          <a:fillRef idx="0">
+            <a:schemeClr val="accent1"/>
+          </a:fillRef>
+          <a:effectRef idx="0">
+            <a:schemeClr val="accent1"/>
+          </a:effectRef>
+          <a:fontRef idx="minor">
+            <a:schemeClr val="tx1"/>
+          </a:fontRef>
+        </p:style>
+      </p:cxnSp>
+      <p:grpSp>
+        <p:nvGrpSpPr>
+          <p:cNvPr id="2129" name="Grupo 2128">
+            <a:extLst>
+              <a:ext uri="{FF2B5EF4-FFF2-40B4-BE49-F238E27FC236}">
+                <a16:creationId xmlns:a16="http://schemas.microsoft.com/office/drawing/2014/main" id="{678C1089-3199-F329-EAEA-E79A0FD9A1B4}"/>
+              </a:ext>
+            </a:extLst>
+          </p:cNvPr>
+          <p:cNvGrpSpPr/>
+          <p:nvPr/>
+        </p:nvGrpSpPr>
+        <p:grpSpPr>
+          <a:xfrm>
+            <a:off x="11676753" y="4600015"/>
+            <a:ext cx="243802" cy="273615"/>
+            <a:chOff x="2343340" y="4551545"/>
+            <a:chExt cx="243802" cy="273615"/>
+          </a:xfrm>
+        </p:grpSpPr>
         <p:cxnSp>
           <p:nvCxnSpPr>
-            <p:cNvPr id="2119" name="Conector recto 2118">
-              <a:extLst>
-                <a:ext uri="{FF2B5EF4-FFF2-40B4-BE49-F238E27FC236}">
-                  <a16:creationId xmlns:a16="http://schemas.microsoft.com/office/drawing/2014/main" id="{DC286E34-F81C-299B-8E66-04F8073ED7B7}"/>
-                </a:ext>
-              </a:extLst>
-            </p:cNvPr>
-            <p:cNvCxnSpPr>
-              <a:cxnSpLocks/>
-            </p:cNvCxnSpPr>
+            <p:cNvPr id="2130" name="Conector recto 2129">
+              <a:extLst>
+                <a:ext uri="{FF2B5EF4-FFF2-40B4-BE49-F238E27FC236}">
+                  <a16:creationId xmlns:a16="http://schemas.microsoft.com/office/drawing/2014/main" id="{135B99B7-680A-6F88-1273-99431726D2CF}"/>
+                </a:ext>
+              </a:extLst>
+            </p:cNvPr>
+            <p:cNvCxnSpPr/>
             <p:nvPr/>
           </p:nvCxnSpPr>
           <p:spPr>
             <a:xfrm>
-              <a:off x="10803584" y="3073080"/>
-              <a:ext cx="473052" cy="0"/>
+              <a:off x="2343340" y="4825160"/>
+              <a:ext cx="243802" cy="0"/>
             </a:xfrm>
             <a:prstGeom prst="line">
               <a:avLst/>
             </a:prstGeom>
-            <a:ln w="76200">
-              <a:solidFill>
-                <a:srgbClr val="FF0000"/>
-              </a:solidFill>
-            </a:ln>
-          </p:spPr>
-          <p:style>
-            <a:lnRef idx="1">
-              <a:schemeClr val="accent1"/>
-            </a:lnRef>
-            <a:fillRef idx="0">
-              <a:schemeClr val="accent1"/>
-            </a:fillRef>
-            <a:effectRef idx="0">
-              <a:schemeClr val="accent1"/>
-            </a:effectRef>
-            <a:fontRef idx="minor">
-              <a:schemeClr val="tx1"/>
-            </a:fontRef>
-          </p:style>
-        </p:cxnSp>
-        <p:grpSp>
-          <p:nvGrpSpPr>
-            <p:cNvPr id="2121" name="Grupo 2120">
-              <a:extLst>
-                <a:ext uri="{FF2B5EF4-FFF2-40B4-BE49-F238E27FC236}">
-                  <a16:creationId xmlns:a16="http://schemas.microsoft.com/office/drawing/2014/main" id="{7413F26C-DE82-F89F-8A4B-7E6F51D1B613}"/>
-                </a:ext>
-              </a:extLst>
-            </p:cNvPr>
-            <p:cNvGrpSpPr/>
-            <p:nvPr/>
-          </p:nvGrpSpPr>
-          <p:grpSpPr>
-            <a:xfrm>
-              <a:off x="384004" y="3097354"/>
-              <a:ext cx="396585" cy="350743"/>
-              <a:chOff x="11269133" y="2409200"/>
-              <a:chExt cx="516467" cy="456767"/>
-            </a:xfrm>
-          </p:grpSpPr>
-          <p:cxnSp>
-            <p:nvCxnSpPr>
-              <p:cNvPr id="2122" name="Conector recto 2121">
-                <a:extLst>
-                  <a:ext uri="{FF2B5EF4-FFF2-40B4-BE49-F238E27FC236}">
-                    <a16:creationId xmlns:a16="http://schemas.microsoft.com/office/drawing/2014/main" id="{4BF34AEB-EBF8-47D1-31DC-666FA289FE4A}"/>
-                  </a:ext>
-                </a:extLst>
-              </p:cNvPr>
-              <p:cNvCxnSpPr/>
-              <p:nvPr/>
-            </p:nvCxnSpPr>
-            <p:spPr>
-              <a:xfrm>
-                <a:off x="11269133" y="2660790"/>
-                <a:ext cx="516467" cy="0"/>
-              </a:xfrm>
-              <a:prstGeom prst="line">
-                <a:avLst/>
-              </a:prstGeom>
-              <a:ln w="57150">
-                <a:solidFill>
-                  <a:srgbClr val="FF0000"/>
-                </a:solidFill>
-              </a:ln>
-            </p:spPr>
-            <p:style>
-              <a:lnRef idx="1">
-                <a:schemeClr val="accent1"/>
-              </a:lnRef>
-              <a:fillRef idx="0">
-                <a:schemeClr val="accent1"/>
-              </a:fillRef>
-              <a:effectRef idx="0">
-                <a:schemeClr val="accent1"/>
-              </a:effectRef>
-              <a:fontRef idx="minor">
-                <a:schemeClr val="tx1"/>
-              </a:fontRef>
-            </p:style>
-          </p:cxnSp>
-          <p:cxnSp>
-            <p:nvCxnSpPr>
-              <p:cNvPr id="2123" name="Conector recto 2122">
-                <a:extLst>
-                  <a:ext uri="{FF2B5EF4-FFF2-40B4-BE49-F238E27FC236}">
-                    <a16:creationId xmlns:a16="http://schemas.microsoft.com/office/drawing/2014/main" id="{4E733555-E424-B269-BFAF-9F234DB8EC36}"/>
-                  </a:ext>
-                </a:extLst>
-              </p:cNvPr>
-              <p:cNvCxnSpPr/>
-              <p:nvPr/>
-            </p:nvCxnSpPr>
-            <p:spPr>
-              <a:xfrm>
-                <a:off x="11370733" y="2765525"/>
-                <a:ext cx="317500" cy="0"/>
-              </a:xfrm>
-              <a:prstGeom prst="line">
-                <a:avLst/>
-              </a:prstGeom>
-              <a:ln w="57150">
-                <a:solidFill>
-                  <a:srgbClr val="FF0000"/>
-                </a:solidFill>
-              </a:ln>
-            </p:spPr>
-            <p:style>
-              <a:lnRef idx="1">
-                <a:schemeClr val="accent1"/>
-              </a:lnRef>
-              <a:fillRef idx="0">
-                <a:schemeClr val="accent1"/>
-              </a:fillRef>
-              <a:effectRef idx="0">
-                <a:schemeClr val="accent1"/>
-              </a:effectRef>
-              <a:fontRef idx="minor">
-                <a:schemeClr val="tx1"/>
-              </a:fontRef>
-            </p:style>
-          </p:cxnSp>
-          <p:cxnSp>
-            <p:nvCxnSpPr>
-              <p:cNvPr id="2124" name="Conector recto 2123">
-                <a:extLst>
-                  <a:ext uri="{FF2B5EF4-FFF2-40B4-BE49-F238E27FC236}">
-                    <a16:creationId xmlns:a16="http://schemas.microsoft.com/office/drawing/2014/main" id="{6A2FC75E-03EF-F8C4-DCB7-368752A74539}"/>
-                  </a:ext>
-                </a:extLst>
-              </p:cNvPr>
-              <p:cNvCxnSpPr/>
-              <p:nvPr/>
-            </p:nvCxnSpPr>
-            <p:spPr>
-              <a:xfrm>
-                <a:off x="11472334" y="2865967"/>
-                <a:ext cx="131233" cy="0"/>
-              </a:xfrm>
-              <a:prstGeom prst="line">
-                <a:avLst/>
-              </a:prstGeom>
-              <a:ln w="57150">
-                <a:solidFill>
-                  <a:srgbClr val="FF0000"/>
-                </a:solidFill>
-              </a:ln>
-            </p:spPr>
-            <p:style>
-              <a:lnRef idx="1">
-                <a:schemeClr val="accent1"/>
-              </a:lnRef>
-              <a:fillRef idx="0">
-                <a:schemeClr val="accent1"/>
-              </a:fillRef>
-              <a:effectRef idx="0">
-                <a:schemeClr val="accent1"/>
-              </a:effectRef>
-              <a:fontRef idx="minor">
-                <a:schemeClr val="tx1"/>
-              </a:fontRef>
-            </p:style>
-          </p:cxnSp>
-          <p:cxnSp>
-            <p:nvCxnSpPr>
-              <p:cNvPr id="2125" name="Conector recto 2124">
-                <a:extLst>
-                  <a:ext uri="{FF2B5EF4-FFF2-40B4-BE49-F238E27FC236}">
-                    <a16:creationId xmlns:a16="http://schemas.microsoft.com/office/drawing/2014/main" id="{9855456E-D26E-87E6-7CB4-4DA489C7B65A}"/>
-                  </a:ext>
-                </a:extLst>
-              </p:cNvPr>
-              <p:cNvCxnSpPr>
-                <a:cxnSpLocks/>
-              </p:cNvCxnSpPr>
-              <p:nvPr/>
-            </p:nvCxnSpPr>
-            <p:spPr>
-              <a:xfrm flipV="1">
-                <a:off x="11527366" y="2409200"/>
-                <a:ext cx="0" cy="251590"/>
-              </a:xfrm>
-              <a:prstGeom prst="line">
-                <a:avLst/>
-              </a:prstGeom>
-              <a:ln w="57150">
-                <a:solidFill>
-                  <a:srgbClr val="FF0000"/>
-                </a:solidFill>
-              </a:ln>
-            </p:spPr>
-            <p:style>
-              <a:lnRef idx="1">
-                <a:schemeClr val="accent1"/>
-              </a:lnRef>
-              <a:fillRef idx="0">
-                <a:schemeClr val="accent1"/>
-              </a:fillRef>
-              <a:effectRef idx="0">
-                <a:schemeClr val="accent1"/>
-              </a:effectRef>
-              <a:fontRef idx="minor">
-                <a:schemeClr val="tx1"/>
-              </a:fontRef>
-            </p:style>
-          </p:cxnSp>
-        </p:grpSp>
-        <p:cxnSp>
-          <p:nvCxnSpPr>
-            <p:cNvPr id="2126" name="Conector recto 2125">
-              <a:extLst>
-                <a:ext uri="{FF2B5EF4-FFF2-40B4-BE49-F238E27FC236}">
-                  <a16:creationId xmlns:a16="http://schemas.microsoft.com/office/drawing/2014/main" id="{E6356033-D47A-6902-D189-82ACC3F277D5}"/>
-                </a:ext>
-              </a:extLst>
-            </p:cNvPr>
-            <p:cNvCxnSpPr>
-              <a:cxnSpLocks/>
-            </p:cNvCxnSpPr>
-            <p:nvPr/>
-          </p:nvCxnSpPr>
-          <p:spPr>
-            <a:xfrm flipV="1">
-              <a:off x="583588" y="2746527"/>
-              <a:ext cx="0" cy="385241"/>
-            </a:xfrm>
-            <a:prstGeom prst="line">
-              <a:avLst/>
-            </a:prstGeom>
-            <a:ln w="76200">
+            <a:ln w="57150">
               <a:solidFill>
                 <a:srgbClr val="FF0000"/>
               </a:solidFill>
@@ -6997,10 +7124,10 @@
         </p:cxnSp>
         <p:cxnSp>
           <p:nvCxnSpPr>
-            <p:cNvPr id="2127" name="Conector recto 2126">
-              <a:extLst>
-                <a:ext uri="{FF2B5EF4-FFF2-40B4-BE49-F238E27FC236}">
-                  <a16:creationId xmlns:a16="http://schemas.microsoft.com/office/drawing/2014/main" id="{FF8894AB-82D0-76E2-01AC-031D3108A18A}"/>
+            <p:cNvPr id="2131" name="Conector recto 2130">
+              <a:extLst>
+                <a:ext uri="{FF2B5EF4-FFF2-40B4-BE49-F238E27FC236}">
+                  <a16:creationId xmlns:a16="http://schemas.microsoft.com/office/drawing/2014/main" id="{F3A6174E-05EA-67B2-813C-791DC0ADAB18}"/>
                 </a:ext>
               </a:extLst>
             </p:cNvPr>
@@ -7010,14 +7137,76 @@
             <p:nvPr/>
           </p:nvCxnSpPr>
           <p:spPr>
-            <a:xfrm>
-              <a:off x="556223" y="2723799"/>
-              <a:ext cx="473052" cy="0"/>
+            <a:xfrm flipV="1">
+              <a:off x="2463615" y="4551545"/>
+              <a:ext cx="0" cy="273615"/>
             </a:xfrm>
             <a:prstGeom prst="line">
               <a:avLst/>
             </a:prstGeom>
-            <a:ln w="76200">
+            <a:ln w="57150">
+              <a:solidFill>
+                <a:srgbClr val="FF0000"/>
+              </a:solidFill>
+            </a:ln>
+          </p:spPr>
+          <p:style>
+            <a:lnRef idx="1">
+              <a:schemeClr val="accent1"/>
+            </a:lnRef>
+            <a:fillRef idx="0">
+              <a:schemeClr val="accent1"/>
+            </a:fillRef>
+            <a:effectRef idx="0">
+              <a:schemeClr val="accent1"/>
+            </a:effectRef>
+            <a:fontRef idx="minor">
+              <a:schemeClr val="tx1"/>
+            </a:fontRef>
+          </p:style>
+        </p:cxnSp>
+      </p:grpSp>
+      <p:grpSp>
+        <p:nvGrpSpPr>
+          <p:cNvPr id="2133" name="Grupo 2132">
+            <a:extLst>
+              <a:ext uri="{FF2B5EF4-FFF2-40B4-BE49-F238E27FC236}">
+                <a16:creationId xmlns:a16="http://schemas.microsoft.com/office/drawing/2014/main" id="{EFF2D5E1-0088-8DDE-6642-48F3B27D06FA}"/>
+              </a:ext>
+            </a:extLst>
+          </p:cNvPr>
+          <p:cNvGrpSpPr/>
+          <p:nvPr/>
+        </p:nvGrpSpPr>
+        <p:grpSpPr>
+          <a:xfrm>
+            <a:off x="10948202" y="923786"/>
+            <a:ext cx="396585" cy="350743"/>
+            <a:chOff x="11269133" y="2409200"/>
+            <a:chExt cx="516467" cy="456767"/>
+          </a:xfrm>
+        </p:grpSpPr>
+        <p:cxnSp>
+          <p:nvCxnSpPr>
+            <p:cNvPr id="2134" name="Conector recto 2133">
+              <a:extLst>
+                <a:ext uri="{FF2B5EF4-FFF2-40B4-BE49-F238E27FC236}">
+                  <a16:creationId xmlns:a16="http://schemas.microsoft.com/office/drawing/2014/main" id="{047F64D2-0033-7FFF-03CA-68D6325C51A3}"/>
+                </a:ext>
+              </a:extLst>
+            </p:cNvPr>
+            <p:cNvCxnSpPr/>
+            <p:nvPr/>
+          </p:nvCxnSpPr>
+          <p:spPr>
+            <a:xfrm>
+              <a:off x="11269133" y="2660790"/>
+              <a:ext cx="516467" cy="0"/>
+            </a:xfrm>
+            <a:prstGeom prst="line">
+              <a:avLst/>
+            </a:prstGeom>
+            <a:ln w="57150">
               <a:solidFill>
                 <a:srgbClr val="FF0000"/>
               </a:solidFill>
@@ -7040,686 +7229,25 @@
         </p:cxnSp>
         <p:cxnSp>
           <p:nvCxnSpPr>
-            <p:cNvPr id="2128" name="Conector recto 2127">
-              <a:extLst>
-                <a:ext uri="{FF2B5EF4-FFF2-40B4-BE49-F238E27FC236}">
-                  <a16:creationId xmlns:a16="http://schemas.microsoft.com/office/drawing/2014/main" id="{A0C4F2E9-5956-6D20-9B1D-5697197C2BFD}"/>
-                </a:ext>
-              </a:extLst>
-            </p:cNvPr>
-            <p:cNvCxnSpPr>
-              <a:cxnSpLocks/>
-            </p:cNvCxnSpPr>
+            <p:cNvPr id="2135" name="Conector recto 2134">
+              <a:extLst>
+                <a:ext uri="{FF2B5EF4-FFF2-40B4-BE49-F238E27FC236}">
+                  <a16:creationId xmlns:a16="http://schemas.microsoft.com/office/drawing/2014/main" id="{4EB8B963-4F54-B573-024A-BC649BFA9059}"/>
+                </a:ext>
+              </a:extLst>
+            </p:cNvPr>
+            <p:cNvCxnSpPr/>
             <p:nvPr/>
           </p:nvCxnSpPr>
           <p:spPr>
-            <a:xfrm flipV="1">
-              <a:off x="11790001" y="4259207"/>
-              <a:ext cx="0" cy="385241"/>
+            <a:xfrm>
+              <a:off x="11370733" y="2765525"/>
+              <a:ext cx="317500" cy="0"/>
             </a:xfrm>
             <a:prstGeom prst="line">
               <a:avLst/>
             </a:prstGeom>
-            <a:ln w="76200">
-              <a:solidFill>
-                <a:srgbClr val="FF0000"/>
-              </a:solidFill>
-            </a:ln>
-          </p:spPr>
-          <p:style>
-            <a:lnRef idx="1">
-              <a:schemeClr val="accent1"/>
-            </a:lnRef>
-            <a:fillRef idx="0">
-              <a:schemeClr val="accent1"/>
-            </a:fillRef>
-            <a:effectRef idx="0">
-              <a:schemeClr val="accent1"/>
-            </a:effectRef>
-            <a:fontRef idx="minor">
-              <a:schemeClr val="tx1"/>
-            </a:fontRef>
-          </p:style>
-        </p:cxnSp>
-        <p:grpSp>
-          <p:nvGrpSpPr>
-            <p:cNvPr id="2129" name="Grupo 2128">
-              <a:extLst>
-                <a:ext uri="{FF2B5EF4-FFF2-40B4-BE49-F238E27FC236}">
-                  <a16:creationId xmlns:a16="http://schemas.microsoft.com/office/drawing/2014/main" id="{678C1089-3199-F329-EAEA-E79A0FD9A1B4}"/>
-                </a:ext>
-              </a:extLst>
-            </p:cNvPr>
-            <p:cNvGrpSpPr/>
-            <p:nvPr/>
-          </p:nvGrpSpPr>
-          <p:grpSpPr>
-            <a:xfrm>
-              <a:off x="11676753" y="4600015"/>
-              <a:ext cx="243802" cy="273615"/>
-              <a:chOff x="2343340" y="4551545"/>
-              <a:chExt cx="243802" cy="273615"/>
-            </a:xfrm>
-          </p:grpSpPr>
-          <p:cxnSp>
-            <p:nvCxnSpPr>
-              <p:cNvPr id="2130" name="Conector recto 2129">
-                <a:extLst>
-                  <a:ext uri="{FF2B5EF4-FFF2-40B4-BE49-F238E27FC236}">
-                    <a16:creationId xmlns:a16="http://schemas.microsoft.com/office/drawing/2014/main" id="{135B99B7-680A-6F88-1273-99431726D2CF}"/>
-                  </a:ext>
-                </a:extLst>
-              </p:cNvPr>
-              <p:cNvCxnSpPr/>
-              <p:nvPr/>
-            </p:nvCxnSpPr>
-            <p:spPr>
-              <a:xfrm>
-                <a:off x="2343340" y="4825160"/>
-                <a:ext cx="243802" cy="0"/>
-              </a:xfrm>
-              <a:prstGeom prst="line">
-                <a:avLst/>
-              </a:prstGeom>
-              <a:ln w="57150">
-                <a:solidFill>
-                  <a:srgbClr val="FF0000"/>
-                </a:solidFill>
-              </a:ln>
-            </p:spPr>
-            <p:style>
-              <a:lnRef idx="1">
-                <a:schemeClr val="accent1"/>
-              </a:lnRef>
-              <a:fillRef idx="0">
-                <a:schemeClr val="accent1"/>
-              </a:fillRef>
-              <a:effectRef idx="0">
-                <a:schemeClr val="accent1"/>
-              </a:effectRef>
-              <a:fontRef idx="minor">
-                <a:schemeClr val="tx1"/>
-              </a:fontRef>
-            </p:style>
-          </p:cxnSp>
-          <p:cxnSp>
-            <p:nvCxnSpPr>
-              <p:cNvPr id="2131" name="Conector recto 2130">
-                <a:extLst>
-                  <a:ext uri="{FF2B5EF4-FFF2-40B4-BE49-F238E27FC236}">
-                    <a16:creationId xmlns:a16="http://schemas.microsoft.com/office/drawing/2014/main" id="{F3A6174E-05EA-67B2-813C-791DC0ADAB18}"/>
-                  </a:ext>
-                </a:extLst>
-              </p:cNvPr>
-              <p:cNvCxnSpPr>
-                <a:cxnSpLocks/>
-              </p:cNvCxnSpPr>
-              <p:nvPr/>
-            </p:nvCxnSpPr>
-            <p:spPr>
-              <a:xfrm flipV="1">
-                <a:off x="2463615" y="4551545"/>
-                <a:ext cx="0" cy="273615"/>
-              </a:xfrm>
-              <a:prstGeom prst="line">
-                <a:avLst/>
-              </a:prstGeom>
-              <a:ln w="57150">
-                <a:solidFill>
-                  <a:srgbClr val="FF0000"/>
-                </a:solidFill>
-              </a:ln>
-            </p:spPr>
-            <p:style>
-              <a:lnRef idx="1">
-                <a:schemeClr val="accent1"/>
-              </a:lnRef>
-              <a:fillRef idx="0">
-                <a:schemeClr val="accent1"/>
-              </a:fillRef>
-              <a:effectRef idx="0">
-                <a:schemeClr val="accent1"/>
-              </a:effectRef>
-              <a:fontRef idx="minor">
-                <a:schemeClr val="tx1"/>
-              </a:fontRef>
-            </p:style>
-          </p:cxnSp>
-        </p:grpSp>
-        <p:grpSp>
-          <p:nvGrpSpPr>
-            <p:cNvPr id="2133" name="Grupo 2132">
-              <a:extLst>
-                <a:ext uri="{FF2B5EF4-FFF2-40B4-BE49-F238E27FC236}">
-                  <a16:creationId xmlns:a16="http://schemas.microsoft.com/office/drawing/2014/main" id="{EFF2D5E1-0088-8DDE-6642-48F3B27D06FA}"/>
-                </a:ext>
-              </a:extLst>
-            </p:cNvPr>
-            <p:cNvGrpSpPr/>
-            <p:nvPr/>
-          </p:nvGrpSpPr>
-          <p:grpSpPr>
-            <a:xfrm>
-              <a:off x="10948202" y="923786"/>
-              <a:ext cx="396585" cy="350743"/>
-              <a:chOff x="11269133" y="2409200"/>
-              <a:chExt cx="516467" cy="456767"/>
-            </a:xfrm>
-          </p:grpSpPr>
-          <p:cxnSp>
-            <p:nvCxnSpPr>
-              <p:cNvPr id="2134" name="Conector recto 2133">
-                <a:extLst>
-                  <a:ext uri="{FF2B5EF4-FFF2-40B4-BE49-F238E27FC236}">
-                    <a16:creationId xmlns:a16="http://schemas.microsoft.com/office/drawing/2014/main" id="{047F64D2-0033-7FFF-03CA-68D6325C51A3}"/>
-                  </a:ext>
-                </a:extLst>
-              </p:cNvPr>
-              <p:cNvCxnSpPr/>
-              <p:nvPr/>
-            </p:nvCxnSpPr>
-            <p:spPr>
-              <a:xfrm>
-                <a:off x="11269133" y="2660790"/>
-                <a:ext cx="516467" cy="0"/>
-              </a:xfrm>
-              <a:prstGeom prst="line">
-                <a:avLst/>
-              </a:prstGeom>
-              <a:ln w="57150">
-                <a:solidFill>
-                  <a:srgbClr val="FF0000"/>
-                </a:solidFill>
-              </a:ln>
-            </p:spPr>
-            <p:style>
-              <a:lnRef idx="1">
-                <a:schemeClr val="accent1"/>
-              </a:lnRef>
-              <a:fillRef idx="0">
-                <a:schemeClr val="accent1"/>
-              </a:fillRef>
-              <a:effectRef idx="0">
-                <a:schemeClr val="accent1"/>
-              </a:effectRef>
-              <a:fontRef idx="minor">
-                <a:schemeClr val="tx1"/>
-              </a:fontRef>
-            </p:style>
-          </p:cxnSp>
-          <p:cxnSp>
-            <p:nvCxnSpPr>
-              <p:cNvPr id="2135" name="Conector recto 2134">
-                <a:extLst>
-                  <a:ext uri="{FF2B5EF4-FFF2-40B4-BE49-F238E27FC236}">
-                    <a16:creationId xmlns:a16="http://schemas.microsoft.com/office/drawing/2014/main" id="{4EB8B963-4F54-B573-024A-BC649BFA9059}"/>
-                  </a:ext>
-                </a:extLst>
-              </p:cNvPr>
-              <p:cNvCxnSpPr/>
-              <p:nvPr/>
-            </p:nvCxnSpPr>
-            <p:spPr>
-              <a:xfrm>
-                <a:off x="11370733" y="2765525"/>
-                <a:ext cx="317500" cy="0"/>
-              </a:xfrm>
-              <a:prstGeom prst="line">
-                <a:avLst/>
-              </a:prstGeom>
-              <a:ln w="57150">
-                <a:solidFill>
-                  <a:srgbClr val="FF0000"/>
-                </a:solidFill>
-              </a:ln>
-            </p:spPr>
-            <p:style>
-              <a:lnRef idx="1">
-                <a:schemeClr val="accent1"/>
-              </a:lnRef>
-              <a:fillRef idx="0">
-                <a:schemeClr val="accent1"/>
-              </a:fillRef>
-              <a:effectRef idx="0">
-                <a:schemeClr val="accent1"/>
-              </a:effectRef>
-              <a:fontRef idx="minor">
-                <a:schemeClr val="tx1"/>
-              </a:fontRef>
-            </p:style>
-          </p:cxnSp>
-          <p:cxnSp>
-            <p:nvCxnSpPr>
-              <p:cNvPr id="2136" name="Conector recto 2135">
-                <a:extLst>
-                  <a:ext uri="{FF2B5EF4-FFF2-40B4-BE49-F238E27FC236}">
-                    <a16:creationId xmlns:a16="http://schemas.microsoft.com/office/drawing/2014/main" id="{33DCC7A5-0DBE-97CD-33B7-00D867B74B15}"/>
-                  </a:ext>
-                </a:extLst>
-              </p:cNvPr>
-              <p:cNvCxnSpPr/>
-              <p:nvPr/>
-            </p:nvCxnSpPr>
-            <p:spPr>
-              <a:xfrm>
-                <a:off x="11472334" y="2865967"/>
-                <a:ext cx="131233" cy="0"/>
-              </a:xfrm>
-              <a:prstGeom prst="line">
-                <a:avLst/>
-              </a:prstGeom>
-              <a:ln w="57150">
-                <a:solidFill>
-                  <a:srgbClr val="FF0000"/>
-                </a:solidFill>
-              </a:ln>
-            </p:spPr>
-            <p:style>
-              <a:lnRef idx="1">
-                <a:schemeClr val="accent1"/>
-              </a:lnRef>
-              <a:fillRef idx="0">
-                <a:schemeClr val="accent1"/>
-              </a:fillRef>
-              <a:effectRef idx="0">
-                <a:schemeClr val="accent1"/>
-              </a:effectRef>
-              <a:fontRef idx="minor">
-                <a:schemeClr val="tx1"/>
-              </a:fontRef>
-            </p:style>
-          </p:cxnSp>
-          <p:cxnSp>
-            <p:nvCxnSpPr>
-              <p:cNvPr id="2137" name="Conector recto 2136">
-                <a:extLst>
-                  <a:ext uri="{FF2B5EF4-FFF2-40B4-BE49-F238E27FC236}">
-                    <a16:creationId xmlns:a16="http://schemas.microsoft.com/office/drawing/2014/main" id="{A426060C-EF34-AA69-D1C2-F96FF747F73E}"/>
-                  </a:ext>
-                </a:extLst>
-              </p:cNvPr>
-              <p:cNvCxnSpPr>
-                <a:cxnSpLocks/>
-              </p:cNvCxnSpPr>
-              <p:nvPr/>
-            </p:nvCxnSpPr>
-            <p:spPr>
-              <a:xfrm flipV="1">
-                <a:off x="11527366" y="2409200"/>
-                <a:ext cx="0" cy="251590"/>
-              </a:xfrm>
-              <a:prstGeom prst="line">
-                <a:avLst/>
-              </a:prstGeom>
-              <a:ln w="57150">
-                <a:solidFill>
-                  <a:srgbClr val="FF0000"/>
-                </a:solidFill>
-              </a:ln>
-            </p:spPr>
-            <p:style>
-              <a:lnRef idx="1">
-                <a:schemeClr val="accent1"/>
-              </a:lnRef>
-              <a:fillRef idx="0">
-                <a:schemeClr val="accent1"/>
-              </a:fillRef>
-              <a:effectRef idx="0">
-                <a:schemeClr val="accent1"/>
-              </a:effectRef>
-              <a:fontRef idx="minor">
-                <a:schemeClr val="tx1"/>
-              </a:fontRef>
-            </p:style>
-          </p:cxnSp>
-        </p:grpSp>
-        <p:pic>
-          <p:nvPicPr>
-            <p:cNvPr id="1036" name="Picture 2" descr="Regleta De Conectores Tipo Bornera Tira De 12 Terminales | Cuotas sin  interés">
-              <a:extLst>
-                <a:ext uri="{FF2B5EF4-FFF2-40B4-BE49-F238E27FC236}">
-                  <a16:creationId xmlns:a16="http://schemas.microsoft.com/office/drawing/2014/main" id="{2CAC9D45-21F7-FD22-8203-D9793981780D}"/>
-                </a:ext>
-              </a:extLst>
-            </p:cNvPr>
-            <p:cNvPicPr>
-              <a:picLocks noChangeAspect="1" noChangeArrowheads="1"/>
-            </p:cNvPicPr>
-            <p:nvPr/>
-          </p:nvPicPr>
-          <p:blipFill rotWithShape="1">
-            <a:blip r:embed="rId4">
-              <a:clrChange>
-                <a:clrFrom>
-                  <a:srgbClr val="FFFFFF"/>
-                </a:clrFrom>
-                <a:clrTo>
-                  <a:srgbClr val="FFFFFF">
-                    <a:alpha val="0"/>
-                  </a:srgbClr>
-                </a:clrTo>
-              </a:clrChange>
-              <a:extLst>
-                <a:ext uri="{28A0092B-C50C-407E-A947-70E740481C1C}">
-                  <a14:useLocalDpi xmlns:a14="http://schemas.microsoft.com/office/drawing/2010/main" val="0"/>
-                </a:ext>
-              </a:extLst>
-            </a:blip>
-            <a:srcRect l="4096" t="32509" r="26275" b="32255"/>
-            <a:stretch/>
-          </p:blipFill>
-          <p:spPr bwMode="auto">
-            <a:xfrm>
-              <a:off x="3509906" y="331722"/>
-              <a:ext cx="2895598" cy="688706"/>
-            </a:xfrm>
-            <a:prstGeom prst="rect">
-              <a:avLst/>
-            </a:prstGeom>
-            <a:noFill/>
-            <a:extLst>
-              <a:ext uri="{909E8E84-426E-40DD-AFC4-6F175D3DCCD1}">
-                <a14:hiddenFill xmlns:a14="http://schemas.microsoft.com/office/drawing/2010/main">
-                  <a:solidFill>
-                    <a:srgbClr val="FFFFFF"/>
-                  </a:solidFill>
-                </a14:hiddenFill>
-              </a:ext>
-            </a:extLst>
-          </p:spPr>
-        </p:pic>
-        <p:pic>
-          <p:nvPicPr>
-            <p:cNvPr id="2060" name="Picture 2" descr="Regleta De Conectores Tipo Bornera Tira De 12 Terminales | Cuotas sin  interés">
-              <a:extLst>
-                <a:ext uri="{FF2B5EF4-FFF2-40B4-BE49-F238E27FC236}">
-                  <a16:creationId xmlns:a16="http://schemas.microsoft.com/office/drawing/2014/main" id="{78CD9B82-B092-6084-C668-2A426C1A932B}"/>
-                </a:ext>
-              </a:extLst>
-            </p:cNvPr>
-            <p:cNvPicPr>
-              <a:picLocks noChangeAspect="1" noChangeArrowheads="1"/>
-            </p:cNvPicPr>
-            <p:nvPr/>
-          </p:nvPicPr>
-          <p:blipFill rotWithShape="1">
-            <a:blip r:embed="rId4">
-              <a:clrChange>
-                <a:clrFrom>
-                  <a:srgbClr val="FFFFFF"/>
-                </a:clrFrom>
-                <a:clrTo>
-                  <a:srgbClr val="FFFFFF">
-                    <a:alpha val="0"/>
-                  </a:srgbClr>
-                </a:clrTo>
-              </a:clrChange>
-              <a:extLst>
-                <a:ext uri="{28A0092B-C50C-407E-A947-70E740481C1C}">
-                  <a14:useLocalDpi xmlns:a14="http://schemas.microsoft.com/office/drawing/2010/main" val="0"/>
-                </a:ext>
-              </a:extLst>
-            </a:blip>
-            <a:srcRect l="30822" t="30996" r="47658" b="33768"/>
-            <a:stretch/>
-          </p:blipFill>
-          <p:spPr bwMode="auto">
-            <a:xfrm>
-              <a:off x="11008481" y="327676"/>
-              <a:ext cx="894890" cy="688706"/>
-            </a:xfrm>
-            <a:prstGeom prst="rect">
-              <a:avLst/>
-            </a:prstGeom>
-            <a:noFill/>
-            <a:extLst>
-              <a:ext uri="{909E8E84-426E-40DD-AFC4-6F175D3DCCD1}">
-                <a14:hiddenFill xmlns:a14="http://schemas.microsoft.com/office/drawing/2010/main">
-                  <a:solidFill>
-                    <a:srgbClr val="FFFFFF"/>
-                  </a:solidFill>
-                </a14:hiddenFill>
-              </a:ext>
-            </a:extLst>
-          </p:spPr>
-        </p:pic>
-        <p:sp>
-          <p:nvSpPr>
-            <p:cNvPr id="2138" name="CuadroTexto 2137">
-              <a:extLst>
-                <a:ext uri="{FF2B5EF4-FFF2-40B4-BE49-F238E27FC236}">
-                  <a16:creationId xmlns:a16="http://schemas.microsoft.com/office/drawing/2014/main" id="{D6FE67B2-EE7B-F5A1-70CB-DFA3D60673F8}"/>
-                </a:ext>
-              </a:extLst>
-            </p:cNvPr>
-            <p:cNvSpPr txBox="1"/>
-            <p:nvPr/>
-          </p:nvSpPr>
-          <p:spPr>
-            <a:xfrm rot="16200000">
-              <a:off x="4600983" y="-1191353"/>
-              <a:ext cx="810888" cy="2923877"/>
-            </a:xfrm>
-            <a:prstGeom prst="rect">
-              <a:avLst/>
-            </a:prstGeom>
-            <a:noFill/>
-            <a:effectLst>
-              <a:glow rad="101600">
-                <a:schemeClr val="bg1">
-                  <a:alpha val="60000"/>
-                </a:schemeClr>
-              </a:glow>
-            </a:effectLst>
-          </p:spPr>
-          <p:txBody>
-            <a:bodyPr wrap="square" rtlCol="0">
-              <a:spAutoFit/>
-            </a:bodyPr>
-            <a:lstStyle/>
-            <a:p>
-              <a:pPr>
-                <a:spcBef>
-                  <a:spcPts val="600"/>
-                </a:spcBef>
-              </a:pPr>
-              <a:r>
-                <a:rPr lang="es-MX" sz="1600" b="1" dirty="0" err="1"/>
-                <a:t>FFin</a:t>
-              </a:r>
-              <a:endParaRPr lang="es-MX" sz="1600" b="1" dirty="0"/>
-            </a:p>
-            <a:p>
-              <a:pPr>
-                <a:spcBef>
-                  <a:spcPts val="600"/>
-                </a:spcBef>
-              </a:pPr>
-              <a:r>
-                <a:rPr lang="es-MX" sz="1600" b="1" dirty="0" err="1"/>
-                <a:t>FFout</a:t>
-              </a:r>
-              <a:endParaRPr lang="es-MX" sz="1600" b="1" dirty="0"/>
-            </a:p>
-            <a:p>
-              <a:pPr>
-                <a:spcBef>
-                  <a:spcPts val="600"/>
-                </a:spcBef>
-              </a:pPr>
-              <a:r>
-                <a:rPr lang="es-MX" sz="1600" b="1" dirty="0" err="1"/>
-                <a:t>FFt</a:t>
-              </a:r>
-              <a:endParaRPr lang="es-MX" sz="1600" b="1" dirty="0"/>
-            </a:p>
-            <a:p>
-              <a:pPr>
-                <a:spcBef>
-                  <a:spcPts val="600"/>
-                </a:spcBef>
-              </a:pPr>
-              <a:r>
-                <a:rPr lang="es-MX" sz="1600" b="1" dirty="0" err="1"/>
-                <a:t>RRin</a:t>
-              </a:r>
-              <a:endParaRPr lang="es-MX" sz="1600" b="1" dirty="0"/>
-            </a:p>
-            <a:p>
-              <a:pPr>
-                <a:spcBef>
-                  <a:spcPts val="600"/>
-                </a:spcBef>
-              </a:pPr>
-              <a:r>
-                <a:rPr lang="es-MX" sz="1600" b="1" dirty="0" err="1"/>
-                <a:t>RRout</a:t>
-              </a:r>
-              <a:endParaRPr lang="es-MX" sz="1600" b="1" dirty="0"/>
-            </a:p>
-            <a:p>
-              <a:pPr>
-                <a:spcBef>
-                  <a:spcPts val="600"/>
-                </a:spcBef>
-              </a:pPr>
-              <a:r>
-                <a:rPr lang="es-MX" sz="1600" b="1" dirty="0" err="1"/>
-                <a:t>RRt</a:t>
-              </a:r>
-              <a:endParaRPr lang="es-MX" sz="1600" b="1" dirty="0"/>
-            </a:p>
-            <a:p>
-              <a:pPr>
-                <a:spcBef>
-                  <a:spcPts val="600"/>
-                </a:spcBef>
-              </a:pPr>
-              <a:r>
-                <a:rPr lang="es-MX" sz="1600" b="1" dirty="0" err="1"/>
-                <a:t>Tin</a:t>
-              </a:r>
-              <a:endParaRPr lang="es-MX" sz="1600" b="1" dirty="0"/>
-            </a:p>
-            <a:p>
-              <a:pPr>
-                <a:spcBef>
-                  <a:spcPts val="600"/>
-                </a:spcBef>
-              </a:pPr>
-              <a:r>
-                <a:rPr lang="es-MX" sz="1600" b="1" dirty="0" err="1"/>
-                <a:t>Tout</a:t>
-              </a:r>
-              <a:endParaRPr lang="es-MX" sz="1600" b="1" dirty="0"/>
-            </a:p>
-            <a:p>
-              <a:pPr>
-                <a:spcBef>
-                  <a:spcPts val="600"/>
-                </a:spcBef>
-              </a:pPr>
-              <a:r>
-                <a:rPr lang="es-MX" sz="1600" b="1" dirty="0" err="1"/>
-                <a:t>Pumb</a:t>
-              </a:r>
-              <a:endParaRPr lang="es-MX" sz="1600" b="1" dirty="0"/>
-            </a:p>
-          </p:txBody>
-        </p:sp>
-        <p:sp>
-          <p:nvSpPr>
-            <p:cNvPr id="2139" name="CuadroTexto 2138">
-              <a:extLst>
-                <a:ext uri="{FF2B5EF4-FFF2-40B4-BE49-F238E27FC236}">
-                  <a16:creationId xmlns:a16="http://schemas.microsoft.com/office/drawing/2014/main" id="{6BA17D07-A1C1-04BE-AF7B-5CD9F72609CA}"/>
-                </a:ext>
-              </a:extLst>
-            </p:cNvPr>
-            <p:cNvSpPr txBox="1"/>
-            <p:nvPr/>
-          </p:nvSpPr>
-          <p:spPr>
-            <a:xfrm rot="16200000">
-              <a:off x="11118357" y="-140615"/>
-              <a:ext cx="644576" cy="984885"/>
-            </a:xfrm>
-            <a:prstGeom prst="rect">
-              <a:avLst/>
-            </a:prstGeom>
-            <a:noFill/>
-            <a:effectLst>
-              <a:glow rad="101600">
-                <a:schemeClr val="bg1">
-                  <a:alpha val="60000"/>
-                </a:schemeClr>
-              </a:glow>
-            </a:effectLst>
-          </p:spPr>
-          <p:txBody>
-            <a:bodyPr wrap="square" rtlCol="0">
-              <a:spAutoFit/>
-            </a:bodyPr>
-            <a:lstStyle/>
-            <a:p>
-              <a:pPr>
-                <a:spcBef>
-                  <a:spcPts val="600"/>
-                </a:spcBef>
-              </a:pPr>
-              <a:r>
-                <a:rPr lang="es-MX" sz="1600" b="1" dirty="0"/>
-                <a:t>N</a:t>
-              </a:r>
-            </a:p>
-            <a:p>
-              <a:pPr>
-                <a:spcBef>
-                  <a:spcPts val="600"/>
-                </a:spcBef>
-              </a:pPr>
-              <a:r>
-                <a:rPr lang="es-MX" sz="1600" b="1" dirty="0" err="1"/>
-                <a:t>Seg</a:t>
-              </a:r>
-              <a:endParaRPr lang="es-MX" sz="1600" b="1" dirty="0"/>
-            </a:p>
-            <a:p>
-              <a:pPr>
-                <a:spcBef>
-                  <a:spcPts val="600"/>
-                </a:spcBef>
-              </a:pPr>
-              <a:r>
-                <a:rPr lang="es-MX" sz="1600" b="1" dirty="0"/>
-                <a:t>F</a:t>
-              </a:r>
-            </a:p>
-          </p:txBody>
-        </p:sp>
-        <p:cxnSp>
-          <p:nvCxnSpPr>
-            <p:cNvPr id="2143" name="Conector recto 2142">
-              <a:extLst>
-                <a:ext uri="{FF2B5EF4-FFF2-40B4-BE49-F238E27FC236}">
-                  <a16:creationId xmlns:a16="http://schemas.microsoft.com/office/drawing/2014/main" id="{08C8C897-19FE-5445-9EE3-561B0699C7EF}"/>
-                </a:ext>
-              </a:extLst>
-            </p:cNvPr>
-            <p:cNvCxnSpPr>
-              <a:cxnSpLocks/>
-            </p:cNvCxnSpPr>
-            <p:nvPr/>
-          </p:nvCxnSpPr>
-          <p:spPr>
-            <a:xfrm>
-              <a:off x="1880966" y="5655411"/>
-              <a:ext cx="462374" cy="0"/>
-            </a:xfrm>
-            <a:prstGeom prst="line">
-              <a:avLst/>
-            </a:prstGeom>
-            <a:ln w="76200">
+            <a:ln w="57150">
               <a:solidFill>
                 <a:srgbClr val="FF0000"/>
               </a:solidFill>
@@ -7742,168 +7270,20 @@
         </p:cxnSp>
         <p:cxnSp>
           <p:nvCxnSpPr>
-            <p:cNvPr id="2144" name="Conector recto 2143">
-              <a:extLst>
-                <a:ext uri="{FF2B5EF4-FFF2-40B4-BE49-F238E27FC236}">
-                  <a16:creationId xmlns:a16="http://schemas.microsoft.com/office/drawing/2014/main" id="{5F359AEA-66E2-7C12-CE43-0586BEF67BC4}"/>
-                </a:ext>
-              </a:extLst>
-            </p:cNvPr>
-            <p:cNvCxnSpPr>
-              <a:cxnSpLocks/>
-            </p:cNvCxnSpPr>
+            <p:cNvPr id="2136" name="Conector recto 2135">
+              <a:extLst>
+                <a:ext uri="{FF2B5EF4-FFF2-40B4-BE49-F238E27FC236}">
+                  <a16:creationId xmlns:a16="http://schemas.microsoft.com/office/drawing/2014/main" id="{33DCC7A5-0DBE-97CD-33B7-00D867B74B15}"/>
+                </a:ext>
+              </a:extLst>
+            </p:cNvPr>
+            <p:cNvCxnSpPr/>
             <p:nvPr/>
           </p:nvCxnSpPr>
           <p:spPr>
             <a:xfrm>
-              <a:off x="945929" y="6440587"/>
-              <a:ext cx="1397411" cy="0"/>
-            </a:xfrm>
-            <a:prstGeom prst="line">
-              <a:avLst/>
-            </a:prstGeom>
-            <a:ln w="76200">
-              <a:solidFill>
-                <a:srgbClr val="FF0000"/>
-              </a:solidFill>
-            </a:ln>
-          </p:spPr>
-          <p:style>
-            <a:lnRef idx="1">
-              <a:schemeClr val="accent1"/>
-            </a:lnRef>
-            <a:fillRef idx="0">
-              <a:schemeClr val="accent1"/>
-            </a:fillRef>
-            <a:effectRef idx="0">
-              <a:schemeClr val="accent1"/>
-            </a:effectRef>
-            <a:fontRef idx="minor">
-              <a:schemeClr val="tx1"/>
-            </a:fontRef>
-          </p:style>
-        </p:cxnSp>
-        <p:grpSp>
-          <p:nvGrpSpPr>
-            <p:cNvPr id="2146" name="Grupo 2145">
-              <a:extLst>
-                <a:ext uri="{FF2B5EF4-FFF2-40B4-BE49-F238E27FC236}">
-                  <a16:creationId xmlns:a16="http://schemas.microsoft.com/office/drawing/2014/main" id="{AD7DC84E-1726-7C53-D891-119DEF1388F3}"/>
-                </a:ext>
-              </a:extLst>
-            </p:cNvPr>
-            <p:cNvGrpSpPr/>
-            <p:nvPr/>
-          </p:nvGrpSpPr>
-          <p:grpSpPr>
-            <a:xfrm>
-              <a:off x="2737738" y="6542562"/>
-              <a:ext cx="243802" cy="273615"/>
-              <a:chOff x="2343340" y="4551545"/>
-              <a:chExt cx="243802" cy="273615"/>
-            </a:xfrm>
-          </p:grpSpPr>
-          <p:cxnSp>
-            <p:nvCxnSpPr>
-              <p:cNvPr id="2147" name="Conector recto 2146">
-                <a:extLst>
-                  <a:ext uri="{FF2B5EF4-FFF2-40B4-BE49-F238E27FC236}">
-                    <a16:creationId xmlns:a16="http://schemas.microsoft.com/office/drawing/2014/main" id="{0A44743F-E495-F197-5953-9A48142D4669}"/>
-                  </a:ext>
-                </a:extLst>
-              </p:cNvPr>
-              <p:cNvCxnSpPr/>
-              <p:nvPr/>
-            </p:nvCxnSpPr>
-            <p:spPr>
-              <a:xfrm>
-                <a:off x="2343340" y="4825160"/>
-                <a:ext cx="243802" cy="0"/>
-              </a:xfrm>
-              <a:prstGeom prst="line">
-                <a:avLst/>
-              </a:prstGeom>
-              <a:ln w="57150">
-                <a:solidFill>
-                  <a:srgbClr val="FF0000"/>
-                </a:solidFill>
-              </a:ln>
-            </p:spPr>
-            <p:style>
-              <a:lnRef idx="1">
-                <a:schemeClr val="accent1"/>
-              </a:lnRef>
-              <a:fillRef idx="0">
-                <a:schemeClr val="accent1"/>
-              </a:fillRef>
-              <a:effectRef idx="0">
-                <a:schemeClr val="accent1"/>
-              </a:effectRef>
-              <a:fontRef idx="minor">
-                <a:schemeClr val="tx1"/>
-              </a:fontRef>
-            </p:style>
-          </p:cxnSp>
-          <p:cxnSp>
-            <p:nvCxnSpPr>
-              <p:cNvPr id="2148" name="Conector recto 2147">
-                <a:extLst>
-                  <a:ext uri="{FF2B5EF4-FFF2-40B4-BE49-F238E27FC236}">
-                    <a16:creationId xmlns:a16="http://schemas.microsoft.com/office/drawing/2014/main" id="{A2EC0465-5A79-040A-498E-54FC989B57F1}"/>
-                  </a:ext>
-                </a:extLst>
-              </p:cNvPr>
-              <p:cNvCxnSpPr>
-                <a:cxnSpLocks/>
-              </p:cNvCxnSpPr>
-              <p:nvPr/>
-            </p:nvCxnSpPr>
-            <p:spPr>
-              <a:xfrm flipV="1">
-                <a:off x="2463615" y="4551545"/>
-                <a:ext cx="0" cy="273615"/>
-              </a:xfrm>
-              <a:prstGeom prst="line">
-                <a:avLst/>
-              </a:prstGeom>
-              <a:ln w="57150">
-                <a:solidFill>
-                  <a:srgbClr val="FF0000"/>
-                </a:solidFill>
-              </a:ln>
-            </p:spPr>
-            <p:style>
-              <a:lnRef idx="1">
-                <a:schemeClr val="accent1"/>
-              </a:lnRef>
-              <a:fillRef idx="0">
-                <a:schemeClr val="accent1"/>
-              </a:fillRef>
-              <a:effectRef idx="0">
-                <a:schemeClr val="accent1"/>
-              </a:effectRef>
-              <a:fontRef idx="minor">
-                <a:schemeClr val="tx1"/>
-              </a:fontRef>
-            </p:style>
-          </p:cxnSp>
-        </p:grpSp>
-        <p:cxnSp>
-          <p:nvCxnSpPr>
-            <p:cNvPr id="2153" name="Conector recto 2152">
-              <a:extLst>
-                <a:ext uri="{FF2B5EF4-FFF2-40B4-BE49-F238E27FC236}">
-                  <a16:creationId xmlns:a16="http://schemas.microsoft.com/office/drawing/2014/main" id="{CBA91F42-2F66-B9D5-1B5C-294A7F354CC7}"/>
-                </a:ext>
-              </a:extLst>
-            </p:cNvPr>
-            <p:cNvCxnSpPr/>
-            <p:nvPr/>
-          </p:nvCxnSpPr>
-          <p:spPr>
-            <a:xfrm flipV="1">
-              <a:off x="2858013" y="4600015"/>
-              <a:ext cx="0" cy="1196876"/>
+              <a:off x="11472334" y="2865967"/>
+              <a:ext cx="131233" cy="0"/>
             </a:xfrm>
             <a:prstGeom prst="line">
               <a:avLst/>
@@ -7931,10 +7311,10 @@
         </p:cxnSp>
         <p:cxnSp>
           <p:nvCxnSpPr>
-            <p:cNvPr id="2155" name="Conector recto 2154">
-              <a:extLst>
-                <a:ext uri="{FF2B5EF4-FFF2-40B4-BE49-F238E27FC236}">
-                  <a16:creationId xmlns:a16="http://schemas.microsoft.com/office/drawing/2014/main" id="{2E184CC3-F634-ECAF-CE58-10F376189B4D}"/>
+            <p:cNvPr id="2137" name="Conector recto 2136">
+              <a:extLst>
+                <a:ext uri="{FF2B5EF4-FFF2-40B4-BE49-F238E27FC236}">
+                  <a16:creationId xmlns:a16="http://schemas.microsoft.com/office/drawing/2014/main" id="{A426060C-EF34-AA69-D1C2-F96FF747F73E}"/>
                 </a:ext>
               </a:extLst>
             </p:cNvPr>
@@ -7944,9 +7324,481 @@
             <p:nvPr/>
           </p:nvCxnSpPr>
           <p:spPr>
-            <a:xfrm flipH="1">
-              <a:off x="2490241" y="4599081"/>
-              <a:ext cx="396000" cy="0"/>
+            <a:xfrm flipV="1">
+              <a:off x="11527366" y="2409200"/>
+              <a:ext cx="0" cy="251590"/>
+            </a:xfrm>
+            <a:prstGeom prst="line">
+              <a:avLst/>
+            </a:prstGeom>
+            <a:ln w="57150">
+              <a:solidFill>
+                <a:srgbClr val="FF0000"/>
+              </a:solidFill>
+            </a:ln>
+          </p:spPr>
+          <p:style>
+            <a:lnRef idx="1">
+              <a:schemeClr val="accent1"/>
+            </a:lnRef>
+            <a:fillRef idx="0">
+              <a:schemeClr val="accent1"/>
+            </a:fillRef>
+            <a:effectRef idx="0">
+              <a:schemeClr val="accent1"/>
+            </a:effectRef>
+            <a:fontRef idx="minor">
+              <a:schemeClr val="tx1"/>
+            </a:fontRef>
+          </p:style>
+        </p:cxnSp>
+      </p:grpSp>
+      <p:pic>
+        <p:nvPicPr>
+          <p:cNvPr id="1036" name="Picture 2" descr="Regleta De Conectores Tipo Bornera Tira De 12 Terminales | Cuotas sin  interés">
+            <a:extLst>
+              <a:ext uri="{FF2B5EF4-FFF2-40B4-BE49-F238E27FC236}">
+                <a16:creationId xmlns:a16="http://schemas.microsoft.com/office/drawing/2014/main" id="{2CAC9D45-21F7-FD22-8203-D9793981780D}"/>
+              </a:ext>
+            </a:extLst>
+          </p:cNvPr>
+          <p:cNvPicPr>
+            <a:picLocks noChangeAspect="1" noChangeArrowheads="1"/>
+          </p:cNvPicPr>
+          <p:nvPr/>
+        </p:nvPicPr>
+        <p:blipFill rotWithShape="1">
+          <a:blip r:embed="rId4">
+            <a:clrChange>
+              <a:clrFrom>
+                <a:srgbClr val="FFFFFF"/>
+              </a:clrFrom>
+              <a:clrTo>
+                <a:srgbClr val="FFFFFF">
+                  <a:alpha val="0"/>
+                </a:srgbClr>
+              </a:clrTo>
+            </a:clrChange>
+            <a:extLst>
+              <a:ext uri="{28A0092B-C50C-407E-A947-70E740481C1C}">
+                <a14:useLocalDpi xmlns:a14="http://schemas.microsoft.com/office/drawing/2010/main" val="0"/>
+              </a:ext>
+            </a:extLst>
+          </a:blip>
+          <a:srcRect l="4096" t="32509" r="26275" b="32255"/>
+          <a:stretch/>
+        </p:blipFill>
+        <p:spPr bwMode="auto">
+          <a:xfrm>
+            <a:off x="3509906" y="331722"/>
+            <a:ext cx="2895598" cy="688706"/>
+          </a:xfrm>
+          <a:prstGeom prst="rect">
+            <a:avLst/>
+          </a:prstGeom>
+          <a:noFill/>
+          <a:extLst>
+            <a:ext uri="{909E8E84-426E-40DD-AFC4-6F175D3DCCD1}">
+              <a14:hiddenFill xmlns:a14="http://schemas.microsoft.com/office/drawing/2010/main">
+                <a:solidFill>
+                  <a:srgbClr val="FFFFFF"/>
+                </a:solidFill>
+              </a14:hiddenFill>
+            </a:ext>
+          </a:extLst>
+        </p:spPr>
+      </p:pic>
+      <p:pic>
+        <p:nvPicPr>
+          <p:cNvPr id="2060" name="Picture 2" descr="Regleta De Conectores Tipo Bornera Tira De 12 Terminales | Cuotas sin  interés">
+            <a:extLst>
+              <a:ext uri="{FF2B5EF4-FFF2-40B4-BE49-F238E27FC236}">
+                <a16:creationId xmlns:a16="http://schemas.microsoft.com/office/drawing/2014/main" id="{78CD9B82-B092-6084-C668-2A426C1A932B}"/>
+              </a:ext>
+            </a:extLst>
+          </p:cNvPr>
+          <p:cNvPicPr>
+            <a:picLocks noChangeAspect="1" noChangeArrowheads="1"/>
+          </p:cNvPicPr>
+          <p:nvPr/>
+        </p:nvPicPr>
+        <p:blipFill rotWithShape="1">
+          <a:blip r:embed="rId4">
+            <a:clrChange>
+              <a:clrFrom>
+                <a:srgbClr val="FFFFFF"/>
+              </a:clrFrom>
+              <a:clrTo>
+                <a:srgbClr val="FFFFFF">
+                  <a:alpha val="0"/>
+                </a:srgbClr>
+              </a:clrTo>
+            </a:clrChange>
+            <a:extLst>
+              <a:ext uri="{28A0092B-C50C-407E-A947-70E740481C1C}">
+                <a14:useLocalDpi xmlns:a14="http://schemas.microsoft.com/office/drawing/2010/main" val="0"/>
+              </a:ext>
+            </a:extLst>
+          </a:blip>
+          <a:srcRect l="30822" t="30996" r="47658" b="33768"/>
+          <a:stretch/>
+        </p:blipFill>
+        <p:spPr bwMode="auto">
+          <a:xfrm>
+            <a:off x="11008481" y="327676"/>
+            <a:ext cx="894890" cy="688706"/>
+          </a:xfrm>
+          <a:prstGeom prst="rect">
+            <a:avLst/>
+          </a:prstGeom>
+          <a:noFill/>
+          <a:extLst>
+            <a:ext uri="{909E8E84-426E-40DD-AFC4-6F175D3DCCD1}">
+              <a14:hiddenFill xmlns:a14="http://schemas.microsoft.com/office/drawing/2010/main">
+                <a:solidFill>
+                  <a:srgbClr val="FFFFFF"/>
+                </a:solidFill>
+              </a14:hiddenFill>
+            </a:ext>
+          </a:extLst>
+        </p:spPr>
+      </p:pic>
+      <p:sp>
+        <p:nvSpPr>
+          <p:cNvPr id="2138" name="CuadroTexto 2137">
+            <a:extLst>
+              <a:ext uri="{FF2B5EF4-FFF2-40B4-BE49-F238E27FC236}">
+                <a16:creationId xmlns:a16="http://schemas.microsoft.com/office/drawing/2014/main" id="{D6FE67B2-EE7B-F5A1-70CB-DFA3D60673F8}"/>
+              </a:ext>
+            </a:extLst>
+          </p:cNvPr>
+          <p:cNvSpPr txBox="1"/>
+          <p:nvPr/>
+        </p:nvSpPr>
+        <p:spPr>
+          <a:xfrm rot="16200000">
+            <a:off x="4600983" y="-1191353"/>
+            <a:ext cx="810888" cy="2923877"/>
+          </a:xfrm>
+          <a:prstGeom prst="rect">
+            <a:avLst/>
+          </a:prstGeom>
+          <a:noFill/>
+          <a:effectLst>
+            <a:glow rad="101600">
+              <a:schemeClr val="bg1">
+                <a:alpha val="60000"/>
+              </a:schemeClr>
+            </a:glow>
+          </a:effectLst>
+        </p:spPr>
+        <p:txBody>
+          <a:bodyPr wrap="square" rtlCol="0">
+            <a:spAutoFit/>
+          </a:bodyPr>
+          <a:lstStyle/>
+          <a:p>
+            <a:pPr>
+              <a:spcBef>
+                <a:spcPts val="600"/>
+              </a:spcBef>
+            </a:pPr>
+            <a:r>
+              <a:rPr lang="es-MX" sz="1600" b="1" dirty="0" err="1"/>
+              <a:t>FFin</a:t>
+            </a:r>
+            <a:endParaRPr lang="es-MX" sz="1600" b="1" dirty="0"/>
+          </a:p>
+          <a:p>
+            <a:pPr>
+              <a:spcBef>
+                <a:spcPts val="600"/>
+              </a:spcBef>
+            </a:pPr>
+            <a:r>
+              <a:rPr lang="es-MX" sz="1600" b="1" dirty="0" err="1"/>
+              <a:t>FFout</a:t>
+            </a:r>
+            <a:endParaRPr lang="es-MX" sz="1600" b="1" dirty="0"/>
+          </a:p>
+          <a:p>
+            <a:pPr>
+              <a:spcBef>
+                <a:spcPts val="600"/>
+              </a:spcBef>
+            </a:pPr>
+            <a:r>
+              <a:rPr lang="es-MX" sz="1600" b="1" dirty="0" err="1"/>
+              <a:t>FFt</a:t>
+            </a:r>
+            <a:endParaRPr lang="es-MX" sz="1600" b="1" dirty="0"/>
+          </a:p>
+          <a:p>
+            <a:pPr>
+              <a:spcBef>
+                <a:spcPts val="600"/>
+              </a:spcBef>
+            </a:pPr>
+            <a:r>
+              <a:rPr lang="es-MX" sz="1600" b="1" dirty="0" err="1"/>
+              <a:t>RRin</a:t>
+            </a:r>
+            <a:endParaRPr lang="es-MX" sz="1600" b="1" dirty="0"/>
+          </a:p>
+          <a:p>
+            <a:pPr>
+              <a:spcBef>
+                <a:spcPts val="600"/>
+              </a:spcBef>
+            </a:pPr>
+            <a:r>
+              <a:rPr lang="es-MX" sz="1600" b="1" dirty="0" err="1"/>
+              <a:t>RRout</a:t>
+            </a:r>
+            <a:endParaRPr lang="es-MX" sz="1600" b="1" dirty="0"/>
+          </a:p>
+          <a:p>
+            <a:pPr>
+              <a:spcBef>
+                <a:spcPts val="600"/>
+              </a:spcBef>
+            </a:pPr>
+            <a:r>
+              <a:rPr lang="es-MX" sz="1600" b="1" dirty="0" err="1"/>
+              <a:t>RRt</a:t>
+            </a:r>
+            <a:endParaRPr lang="es-MX" sz="1600" b="1" dirty="0"/>
+          </a:p>
+          <a:p>
+            <a:pPr>
+              <a:spcBef>
+                <a:spcPts val="600"/>
+              </a:spcBef>
+            </a:pPr>
+            <a:r>
+              <a:rPr lang="es-MX" sz="1600" b="1" dirty="0" err="1"/>
+              <a:t>Tin</a:t>
+            </a:r>
+            <a:endParaRPr lang="es-MX" sz="1600" b="1" dirty="0"/>
+          </a:p>
+          <a:p>
+            <a:pPr>
+              <a:spcBef>
+                <a:spcPts val="600"/>
+              </a:spcBef>
+            </a:pPr>
+            <a:r>
+              <a:rPr lang="es-MX" sz="1600" b="1" dirty="0" err="1"/>
+              <a:t>Tout</a:t>
+            </a:r>
+            <a:endParaRPr lang="es-MX" sz="1600" b="1" dirty="0"/>
+          </a:p>
+          <a:p>
+            <a:pPr>
+              <a:spcBef>
+                <a:spcPts val="600"/>
+              </a:spcBef>
+            </a:pPr>
+            <a:r>
+              <a:rPr lang="es-MX" sz="1600" b="1" dirty="0" err="1"/>
+              <a:t>Pumb</a:t>
+            </a:r>
+            <a:endParaRPr lang="es-MX" sz="1600" b="1" dirty="0"/>
+          </a:p>
+        </p:txBody>
+      </p:sp>
+      <p:sp>
+        <p:nvSpPr>
+          <p:cNvPr id="2139" name="CuadroTexto 2138">
+            <a:extLst>
+              <a:ext uri="{FF2B5EF4-FFF2-40B4-BE49-F238E27FC236}">
+                <a16:creationId xmlns:a16="http://schemas.microsoft.com/office/drawing/2014/main" id="{6BA17D07-A1C1-04BE-AF7B-5CD9F72609CA}"/>
+              </a:ext>
+            </a:extLst>
+          </p:cNvPr>
+          <p:cNvSpPr txBox="1"/>
+          <p:nvPr/>
+        </p:nvSpPr>
+        <p:spPr>
+          <a:xfrm rot="16200000">
+            <a:off x="11118357" y="-140615"/>
+            <a:ext cx="644576" cy="984885"/>
+          </a:xfrm>
+          <a:prstGeom prst="rect">
+            <a:avLst/>
+          </a:prstGeom>
+          <a:noFill/>
+          <a:effectLst>
+            <a:glow rad="101600">
+              <a:schemeClr val="bg1">
+                <a:alpha val="60000"/>
+              </a:schemeClr>
+            </a:glow>
+          </a:effectLst>
+        </p:spPr>
+        <p:txBody>
+          <a:bodyPr wrap="square" rtlCol="0">
+            <a:spAutoFit/>
+          </a:bodyPr>
+          <a:lstStyle/>
+          <a:p>
+            <a:pPr>
+              <a:spcBef>
+                <a:spcPts val="600"/>
+              </a:spcBef>
+            </a:pPr>
+            <a:r>
+              <a:rPr lang="es-MX" sz="1600" b="1" dirty="0"/>
+              <a:t>N</a:t>
+            </a:r>
+          </a:p>
+          <a:p>
+            <a:pPr>
+              <a:spcBef>
+                <a:spcPts val="600"/>
+              </a:spcBef>
+            </a:pPr>
+            <a:r>
+              <a:rPr lang="es-MX" sz="1600" b="1" dirty="0" err="1"/>
+              <a:t>Seg</a:t>
+            </a:r>
+            <a:endParaRPr lang="es-MX" sz="1600" b="1" dirty="0"/>
+          </a:p>
+          <a:p>
+            <a:pPr>
+              <a:spcBef>
+                <a:spcPts val="600"/>
+              </a:spcBef>
+            </a:pPr>
+            <a:r>
+              <a:rPr lang="es-MX" sz="1600" b="1" dirty="0"/>
+              <a:t>F</a:t>
+            </a:r>
+          </a:p>
+        </p:txBody>
+      </p:sp>
+      <p:cxnSp>
+        <p:nvCxnSpPr>
+          <p:cNvPr id="2143" name="Conector recto 2142">
+            <a:extLst>
+              <a:ext uri="{FF2B5EF4-FFF2-40B4-BE49-F238E27FC236}">
+                <a16:creationId xmlns:a16="http://schemas.microsoft.com/office/drawing/2014/main" id="{08C8C897-19FE-5445-9EE3-561B0699C7EF}"/>
+              </a:ext>
+            </a:extLst>
+          </p:cNvPr>
+          <p:cNvCxnSpPr>
+            <a:cxnSpLocks/>
+          </p:cNvCxnSpPr>
+          <p:nvPr/>
+        </p:nvCxnSpPr>
+        <p:spPr>
+          <a:xfrm>
+            <a:off x="1880966" y="5655411"/>
+            <a:ext cx="462374" cy="0"/>
+          </a:xfrm>
+          <a:prstGeom prst="line">
+            <a:avLst/>
+          </a:prstGeom>
+          <a:ln w="76200">
+            <a:solidFill>
+              <a:srgbClr val="FF0000"/>
+            </a:solidFill>
+          </a:ln>
+        </p:spPr>
+        <p:style>
+          <a:lnRef idx="1">
+            <a:schemeClr val="accent1"/>
+          </a:lnRef>
+          <a:fillRef idx="0">
+            <a:schemeClr val="accent1"/>
+          </a:fillRef>
+          <a:effectRef idx="0">
+            <a:schemeClr val="accent1"/>
+          </a:effectRef>
+          <a:fontRef idx="minor">
+            <a:schemeClr val="tx1"/>
+          </a:fontRef>
+        </p:style>
+      </p:cxnSp>
+      <p:cxnSp>
+        <p:nvCxnSpPr>
+          <p:cNvPr id="2144" name="Conector recto 2143">
+            <a:extLst>
+              <a:ext uri="{FF2B5EF4-FFF2-40B4-BE49-F238E27FC236}">
+                <a16:creationId xmlns:a16="http://schemas.microsoft.com/office/drawing/2014/main" id="{5F359AEA-66E2-7C12-CE43-0586BEF67BC4}"/>
+              </a:ext>
+            </a:extLst>
+          </p:cNvPr>
+          <p:cNvCxnSpPr>
+            <a:cxnSpLocks/>
+          </p:cNvCxnSpPr>
+          <p:nvPr/>
+        </p:nvCxnSpPr>
+        <p:spPr>
+          <a:xfrm>
+            <a:off x="945929" y="6440587"/>
+            <a:ext cx="1397411" cy="0"/>
+          </a:xfrm>
+          <a:prstGeom prst="line">
+            <a:avLst/>
+          </a:prstGeom>
+          <a:ln w="76200">
+            <a:solidFill>
+              <a:srgbClr val="FF0000"/>
+            </a:solidFill>
+          </a:ln>
+        </p:spPr>
+        <p:style>
+          <a:lnRef idx="1">
+            <a:schemeClr val="accent1"/>
+          </a:lnRef>
+          <a:fillRef idx="0">
+            <a:schemeClr val="accent1"/>
+          </a:fillRef>
+          <a:effectRef idx="0">
+            <a:schemeClr val="accent1"/>
+          </a:effectRef>
+          <a:fontRef idx="minor">
+            <a:schemeClr val="tx1"/>
+          </a:fontRef>
+        </p:style>
+      </p:cxnSp>
+      <p:grpSp>
+        <p:nvGrpSpPr>
+          <p:cNvPr id="2146" name="Grupo 2145">
+            <a:extLst>
+              <a:ext uri="{FF2B5EF4-FFF2-40B4-BE49-F238E27FC236}">
+                <a16:creationId xmlns:a16="http://schemas.microsoft.com/office/drawing/2014/main" id="{AD7DC84E-1726-7C53-D891-119DEF1388F3}"/>
+              </a:ext>
+            </a:extLst>
+          </p:cNvPr>
+          <p:cNvGrpSpPr/>
+          <p:nvPr/>
+        </p:nvGrpSpPr>
+        <p:grpSpPr>
+          <a:xfrm>
+            <a:off x="2737738" y="6542562"/>
+            <a:ext cx="243802" cy="273615"/>
+            <a:chOff x="2343340" y="4551545"/>
+            <a:chExt cx="243802" cy="273615"/>
+          </a:xfrm>
+        </p:grpSpPr>
+        <p:cxnSp>
+          <p:nvCxnSpPr>
+            <p:cNvPr id="2147" name="Conector recto 2146">
+              <a:extLst>
+                <a:ext uri="{FF2B5EF4-FFF2-40B4-BE49-F238E27FC236}">
+                  <a16:creationId xmlns:a16="http://schemas.microsoft.com/office/drawing/2014/main" id="{0A44743F-E495-F197-5953-9A48142D4669}"/>
+                </a:ext>
+              </a:extLst>
+            </p:cNvPr>
+            <p:cNvCxnSpPr/>
+            <p:nvPr/>
+          </p:nvCxnSpPr>
+          <p:spPr>
+            <a:xfrm>
+              <a:off x="2343340" y="4825160"/>
+              <a:ext cx="243802" cy="0"/>
             </a:xfrm>
             <a:prstGeom prst="line">
               <a:avLst/>
@@ -7974,10 +7826,10 @@
         </p:cxnSp>
         <p:cxnSp>
           <p:nvCxnSpPr>
-            <p:cNvPr id="2156" name="Conector recto 2155">
-              <a:extLst>
-                <a:ext uri="{FF2B5EF4-FFF2-40B4-BE49-F238E27FC236}">
-                  <a16:creationId xmlns:a16="http://schemas.microsoft.com/office/drawing/2014/main" id="{DED9B350-A05D-2E65-B279-9764391AC5B2}"/>
+            <p:cNvPr id="2148" name="Conector recto 2147">
+              <a:extLst>
+                <a:ext uri="{FF2B5EF4-FFF2-40B4-BE49-F238E27FC236}">
+                  <a16:creationId xmlns:a16="http://schemas.microsoft.com/office/drawing/2014/main" id="{A2EC0465-5A79-040A-498E-54FC989B57F1}"/>
                 </a:ext>
               </a:extLst>
             </p:cNvPr>
@@ -7987,660 +7839,9 @@
             <p:nvPr/>
           </p:nvCxnSpPr>
           <p:spPr>
-            <a:xfrm>
-              <a:off x="3176581" y="6319129"/>
-              <a:ext cx="6696865" cy="0"/>
-            </a:xfrm>
-            <a:prstGeom prst="line">
-              <a:avLst/>
-            </a:prstGeom>
-            <a:ln w="57150">
-              <a:solidFill>
-                <a:srgbClr val="FF0000"/>
-              </a:solidFill>
-            </a:ln>
-          </p:spPr>
-          <p:style>
-            <a:lnRef idx="1">
-              <a:schemeClr val="accent1"/>
-            </a:lnRef>
-            <a:fillRef idx="0">
-              <a:schemeClr val="accent1"/>
-            </a:fillRef>
-            <a:effectRef idx="0">
-              <a:schemeClr val="accent1"/>
-            </a:effectRef>
-            <a:fontRef idx="minor">
-              <a:schemeClr val="tx1"/>
-            </a:fontRef>
-          </p:style>
-        </p:cxnSp>
-        <p:cxnSp>
-          <p:nvCxnSpPr>
-            <p:cNvPr id="2158" name="Conector recto 2157">
-              <a:extLst>
-                <a:ext uri="{FF2B5EF4-FFF2-40B4-BE49-F238E27FC236}">
-                  <a16:creationId xmlns:a16="http://schemas.microsoft.com/office/drawing/2014/main" id="{7F47C0E0-7E15-31C9-4BD3-C5D1A8DC4136}"/>
-                </a:ext>
-              </a:extLst>
-            </p:cNvPr>
-            <p:cNvCxnSpPr>
-              <a:cxnSpLocks/>
-            </p:cNvCxnSpPr>
-            <p:nvPr/>
-          </p:nvCxnSpPr>
-          <p:spPr>
-            <a:xfrm>
-              <a:off x="3544488" y="6199186"/>
-              <a:ext cx="3049726" cy="0"/>
-            </a:xfrm>
-            <a:prstGeom prst="line">
-              <a:avLst/>
-            </a:prstGeom>
-            <a:ln w="57150">
-              <a:solidFill>
-                <a:srgbClr val="FF0000"/>
-              </a:solidFill>
-            </a:ln>
-          </p:spPr>
-          <p:style>
-            <a:lnRef idx="1">
-              <a:schemeClr val="accent1"/>
-            </a:lnRef>
-            <a:fillRef idx="0">
-              <a:schemeClr val="accent1"/>
-            </a:fillRef>
-            <a:effectRef idx="0">
-              <a:schemeClr val="accent1"/>
-            </a:effectRef>
-            <a:fontRef idx="minor">
-              <a:schemeClr val="tx1"/>
-            </a:fontRef>
-          </p:style>
-        </p:cxnSp>
-        <p:cxnSp>
-          <p:nvCxnSpPr>
-            <p:cNvPr id="2159" name="Conector recto 2158">
-              <a:extLst>
-                <a:ext uri="{FF2B5EF4-FFF2-40B4-BE49-F238E27FC236}">
-                  <a16:creationId xmlns:a16="http://schemas.microsoft.com/office/drawing/2014/main" id="{BAF146B0-4067-3766-F88C-20C00C98BD3A}"/>
-                </a:ext>
-              </a:extLst>
-            </p:cNvPr>
-            <p:cNvCxnSpPr>
-              <a:cxnSpLocks/>
-            </p:cNvCxnSpPr>
-            <p:nvPr/>
-          </p:nvCxnSpPr>
-          <p:spPr>
-            <a:xfrm>
-              <a:off x="4018455" y="6069526"/>
-              <a:ext cx="5700135" cy="0"/>
-            </a:xfrm>
-            <a:prstGeom prst="line">
-              <a:avLst/>
-            </a:prstGeom>
-            <a:ln w="57150">
-              <a:solidFill>
-                <a:srgbClr val="FF0000"/>
-              </a:solidFill>
-            </a:ln>
-          </p:spPr>
-          <p:style>
-            <a:lnRef idx="1">
-              <a:schemeClr val="accent1"/>
-            </a:lnRef>
-            <a:fillRef idx="0">
-              <a:schemeClr val="accent1"/>
-            </a:fillRef>
-            <a:effectRef idx="0">
-              <a:schemeClr val="accent1"/>
-            </a:effectRef>
-            <a:fontRef idx="minor">
-              <a:schemeClr val="tx1"/>
-            </a:fontRef>
-          </p:style>
-        </p:cxnSp>
-        <p:cxnSp>
-          <p:nvCxnSpPr>
-            <p:cNvPr id="2161" name="Conector recto 2160">
-              <a:extLst>
-                <a:ext uri="{FF2B5EF4-FFF2-40B4-BE49-F238E27FC236}">
-                  <a16:creationId xmlns:a16="http://schemas.microsoft.com/office/drawing/2014/main" id="{BDA32BAA-B22B-4BE1-FE5A-69D6B806E9C2}"/>
-                </a:ext>
-              </a:extLst>
-            </p:cNvPr>
-            <p:cNvCxnSpPr/>
-            <p:nvPr/>
-          </p:nvCxnSpPr>
-          <p:spPr>
             <a:xfrm flipV="1">
-              <a:off x="6582027" y="5360587"/>
-              <a:ext cx="0" cy="864000"/>
-            </a:xfrm>
-            <a:prstGeom prst="line">
-              <a:avLst/>
-            </a:prstGeom>
-            <a:ln w="57150">
-              <a:solidFill>
-                <a:srgbClr val="FF0000"/>
-              </a:solidFill>
-            </a:ln>
-          </p:spPr>
-          <p:style>
-            <a:lnRef idx="1">
-              <a:schemeClr val="accent1"/>
-            </a:lnRef>
-            <a:fillRef idx="0">
-              <a:schemeClr val="accent1"/>
-            </a:fillRef>
-            <a:effectRef idx="0">
-              <a:schemeClr val="accent1"/>
-            </a:effectRef>
-            <a:fontRef idx="minor">
-              <a:schemeClr val="tx1"/>
-            </a:fontRef>
-          </p:style>
-        </p:cxnSp>
-        <p:cxnSp>
-          <p:nvCxnSpPr>
-            <p:cNvPr id="2170" name="Conector recto 2169">
-              <a:extLst>
-                <a:ext uri="{FF2B5EF4-FFF2-40B4-BE49-F238E27FC236}">
-                  <a16:creationId xmlns:a16="http://schemas.microsoft.com/office/drawing/2014/main" id="{9AAA266B-71CE-02E2-990A-A6A3D6B3992F}"/>
-                </a:ext>
-              </a:extLst>
-            </p:cNvPr>
-            <p:cNvCxnSpPr>
-              <a:cxnSpLocks/>
-            </p:cNvCxnSpPr>
-            <p:nvPr/>
-          </p:nvCxnSpPr>
-          <p:spPr>
-            <a:xfrm flipV="1">
-              <a:off x="9718590" y="5387642"/>
-              <a:ext cx="0" cy="681884"/>
-            </a:xfrm>
-            <a:prstGeom prst="line">
-              <a:avLst/>
-            </a:prstGeom>
-            <a:ln w="76200">
-              <a:solidFill>
-                <a:srgbClr val="FF0000"/>
-              </a:solidFill>
-            </a:ln>
-          </p:spPr>
-          <p:style>
-            <a:lnRef idx="1">
-              <a:schemeClr val="accent1"/>
-            </a:lnRef>
-            <a:fillRef idx="0">
-              <a:schemeClr val="accent1"/>
-            </a:fillRef>
-            <a:effectRef idx="0">
-              <a:schemeClr val="accent1"/>
-            </a:effectRef>
-            <a:fontRef idx="minor">
-              <a:schemeClr val="tx1"/>
-            </a:fontRef>
-          </p:style>
-        </p:cxnSp>
-        <p:cxnSp>
-          <p:nvCxnSpPr>
-            <p:cNvPr id="2173" name="Conector recto 2172">
-              <a:extLst>
-                <a:ext uri="{FF2B5EF4-FFF2-40B4-BE49-F238E27FC236}">
-                  <a16:creationId xmlns:a16="http://schemas.microsoft.com/office/drawing/2014/main" id="{38CCDCC7-9EE7-5C3B-1722-5E9D5C4C010E}"/>
-                </a:ext>
-              </a:extLst>
-            </p:cNvPr>
-            <p:cNvCxnSpPr>
-              <a:cxnSpLocks/>
-            </p:cNvCxnSpPr>
-            <p:nvPr/>
-          </p:nvCxnSpPr>
-          <p:spPr>
-            <a:xfrm flipV="1">
-              <a:off x="9873446" y="5383009"/>
-              <a:ext cx="0" cy="927653"/>
-            </a:xfrm>
-            <a:prstGeom prst="line">
-              <a:avLst/>
-            </a:prstGeom>
-            <a:ln w="76200">
-              <a:solidFill>
-                <a:srgbClr val="FF0000"/>
-              </a:solidFill>
-            </a:ln>
-          </p:spPr>
-          <p:style>
-            <a:lnRef idx="1">
-              <a:schemeClr val="accent1"/>
-            </a:lnRef>
-            <a:fillRef idx="0">
-              <a:schemeClr val="accent1"/>
-            </a:fillRef>
-            <a:effectRef idx="0">
-              <a:schemeClr val="accent1"/>
-            </a:effectRef>
-            <a:fontRef idx="minor">
-              <a:schemeClr val="tx1"/>
-            </a:fontRef>
-          </p:style>
-        </p:cxnSp>
-        <p:cxnSp>
-          <p:nvCxnSpPr>
-            <p:cNvPr id="2178" name="Conector recto 2177">
-              <a:extLst>
-                <a:ext uri="{FF2B5EF4-FFF2-40B4-BE49-F238E27FC236}">
-                  <a16:creationId xmlns:a16="http://schemas.microsoft.com/office/drawing/2014/main" id="{D79C57F8-6E7C-9ABD-9032-8B2B1F6D569B}"/>
-                </a:ext>
-              </a:extLst>
-            </p:cNvPr>
-            <p:cNvCxnSpPr>
-              <a:cxnSpLocks/>
-            </p:cNvCxnSpPr>
-            <p:nvPr/>
-          </p:nvCxnSpPr>
-          <p:spPr>
-            <a:xfrm flipV="1">
-              <a:off x="6725960" y="5360587"/>
-              <a:ext cx="0" cy="1181975"/>
-            </a:xfrm>
-            <a:prstGeom prst="line">
-              <a:avLst/>
-            </a:prstGeom>
-            <a:ln w="57150">
-              <a:solidFill>
-                <a:srgbClr val="FF0000"/>
-              </a:solidFill>
-            </a:ln>
-          </p:spPr>
-          <p:style>
-            <a:lnRef idx="1">
-              <a:schemeClr val="accent1"/>
-            </a:lnRef>
-            <a:fillRef idx="0">
-              <a:schemeClr val="accent1"/>
-            </a:fillRef>
-            <a:effectRef idx="0">
-              <a:schemeClr val="accent1"/>
-            </a:effectRef>
-            <a:fontRef idx="minor">
-              <a:schemeClr val="tx1"/>
-            </a:fontRef>
-          </p:style>
-        </p:cxnSp>
-        <p:cxnSp>
-          <p:nvCxnSpPr>
-            <p:cNvPr id="2180" name="Conector recto 2179">
-              <a:extLst>
-                <a:ext uri="{FF2B5EF4-FFF2-40B4-BE49-F238E27FC236}">
-                  <a16:creationId xmlns:a16="http://schemas.microsoft.com/office/drawing/2014/main" id="{1BA5CB27-A508-3E07-CD3D-E0708C849500}"/>
-                </a:ext>
-              </a:extLst>
-            </p:cNvPr>
-            <p:cNvCxnSpPr>
-              <a:cxnSpLocks/>
-            </p:cNvCxnSpPr>
-            <p:nvPr/>
-          </p:nvCxnSpPr>
-          <p:spPr>
-            <a:xfrm flipV="1">
-              <a:off x="10002560" y="5381913"/>
-              <a:ext cx="0" cy="1160649"/>
-            </a:xfrm>
-            <a:prstGeom prst="line">
-              <a:avLst/>
-            </a:prstGeom>
-            <a:ln w="57150">
-              <a:solidFill>
-                <a:srgbClr val="FF0000"/>
-              </a:solidFill>
-            </a:ln>
-          </p:spPr>
-          <p:style>
-            <a:lnRef idx="1">
-              <a:schemeClr val="accent1"/>
-            </a:lnRef>
-            <a:fillRef idx="0">
-              <a:schemeClr val="accent1"/>
-            </a:fillRef>
-            <a:effectRef idx="0">
-              <a:schemeClr val="accent1"/>
-            </a:effectRef>
-            <a:fontRef idx="minor">
-              <a:schemeClr val="tx1"/>
-            </a:fontRef>
-          </p:style>
-        </p:cxnSp>
-        <p:cxnSp>
-          <p:nvCxnSpPr>
-            <p:cNvPr id="2183" name="Conector recto 2182">
-              <a:extLst>
-                <a:ext uri="{FF2B5EF4-FFF2-40B4-BE49-F238E27FC236}">
-                  <a16:creationId xmlns:a16="http://schemas.microsoft.com/office/drawing/2014/main" id="{23E04DA6-5CC0-5239-BDF4-A09428D38282}"/>
-                </a:ext>
-              </a:extLst>
-            </p:cNvPr>
-            <p:cNvCxnSpPr>
-              <a:cxnSpLocks/>
-            </p:cNvCxnSpPr>
-            <p:nvPr/>
-          </p:nvCxnSpPr>
-          <p:spPr>
-            <a:xfrm>
-              <a:off x="6725960" y="6542562"/>
-              <a:ext cx="4535740" cy="0"/>
-            </a:xfrm>
-            <a:prstGeom prst="line">
-              <a:avLst/>
-            </a:prstGeom>
-            <a:ln w="57150">
-              <a:solidFill>
-                <a:srgbClr val="FF0000"/>
-              </a:solidFill>
-            </a:ln>
-          </p:spPr>
-          <p:style>
-            <a:lnRef idx="1">
-              <a:schemeClr val="accent1"/>
-            </a:lnRef>
-            <a:fillRef idx="0">
-              <a:schemeClr val="accent1"/>
-            </a:fillRef>
-            <a:effectRef idx="0">
-              <a:schemeClr val="accent1"/>
-            </a:effectRef>
-            <a:fontRef idx="minor">
-              <a:schemeClr val="tx1"/>
-            </a:fontRef>
-          </p:style>
-        </p:cxnSp>
-        <p:cxnSp>
-          <p:nvCxnSpPr>
-            <p:cNvPr id="2185" name="Conector recto 2184">
-              <a:extLst>
-                <a:ext uri="{FF2B5EF4-FFF2-40B4-BE49-F238E27FC236}">
-                  <a16:creationId xmlns:a16="http://schemas.microsoft.com/office/drawing/2014/main" id="{7437FCCE-A8EA-F67D-9A0A-657B067429BF}"/>
-                </a:ext>
-              </a:extLst>
-            </p:cNvPr>
-            <p:cNvCxnSpPr>
-              <a:cxnSpLocks/>
-            </p:cNvCxnSpPr>
-            <p:nvPr/>
-          </p:nvCxnSpPr>
-          <p:spPr>
-            <a:xfrm flipH="1" flipV="1">
-              <a:off x="11261700" y="4193410"/>
-              <a:ext cx="0" cy="2349152"/>
-            </a:xfrm>
-            <a:prstGeom prst="line">
-              <a:avLst/>
-            </a:prstGeom>
-            <a:ln w="57150">
-              <a:solidFill>
-                <a:srgbClr val="FF0000"/>
-              </a:solidFill>
-            </a:ln>
-          </p:spPr>
-          <p:style>
-            <a:lnRef idx="1">
-              <a:schemeClr val="accent1"/>
-            </a:lnRef>
-            <a:fillRef idx="0">
-              <a:schemeClr val="accent1"/>
-            </a:fillRef>
-            <a:effectRef idx="0">
-              <a:schemeClr val="accent1"/>
-            </a:effectRef>
-            <a:fontRef idx="minor">
-              <a:schemeClr val="tx1"/>
-            </a:fontRef>
-          </p:style>
-        </p:cxnSp>
-        <p:sp>
-          <p:nvSpPr>
-            <p:cNvPr id="2187" name="Elipse 2186">
-              <a:extLst>
-                <a:ext uri="{FF2B5EF4-FFF2-40B4-BE49-F238E27FC236}">
-                  <a16:creationId xmlns:a16="http://schemas.microsoft.com/office/drawing/2014/main" id="{CC9274BC-BA10-E3BB-2E5F-D77246676171}"/>
-                </a:ext>
-              </a:extLst>
-            </p:cNvPr>
-            <p:cNvSpPr/>
-            <p:nvPr/>
-          </p:nvSpPr>
-          <p:spPr>
-            <a:xfrm>
-              <a:off x="9925132" y="6468774"/>
-              <a:ext cx="154856" cy="154856"/>
-            </a:xfrm>
-            <a:prstGeom prst="ellipse">
-              <a:avLst/>
-            </a:prstGeom>
-            <a:solidFill>
-              <a:srgbClr val="FF0000"/>
-            </a:solidFill>
-            <a:ln>
-              <a:solidFill>
-                <a:srgbClr val="FF0000"/>
-              </a:solidFill>
-            </a:ln>
-          </p:spPr>
-          <p:style>
-            <a:lnRef idx="2">
-              <a:schemeClr val="accent1">
-                <a:shade val="50000"/>
-              </a:schemeClr>
-            </a:lnRef>
-            <a:fillRef idx="1">
-              <a:schemeClr val="accent1"/>
-            </a:fillRef>
-            <a:effectRef idx="0">
-              <a:schemeClr val="accent1"/>
-            </a:effectRef>
-            <a:fontRef idx="minor">
-              <a:schemeClr val="lt1"/>
-            </a:fontRef>
-          </p:style>
-          <p:txBody>
-            <a:bodyPr rtlCol="0" anchor="ctr"/>
-            <a:lstStyle/>
-            <a:p>
-              <a:pPr algn="ctr"/>
-              <a:endParaRPr lang="es-MX"/>
-            </a:p>
-          </p:txBody>
-        </p:sp>
-        <p:pic>
-          <p:nvPicPr>
-            <p:cNvPr id="2189" name="Imagen 2188">
-              <a:extLst>
-                <a:ext uri="{FF2B5EF4-FFF2-40B4-BE49-F238E27FC236}">
-                  <a16:creationId xmlns:a16="http://schemas.microsoft.com/office/drawing/2014/main" id="{181B1EC8-0E6D-5C69-4BD9-0529F3DF18B6}"/>
-                </a:ext>
-              </a:extLst>
-            </p:cNvPr>
-            <p:cNvPicPr>
-              <a:picLocks noChangeAspect="1"/>
-            </p:cNvPicPr>
-            <p:nvPr/>
-          </p:nvPicPr>
-          <p:blipFill>
-            <a:blip r:embed="rId5"/>
-            <a:stretch>
-              <a:fillRect/>
-            </a:stretch>
-          </p:blipFill>
-          <p:spPr>
-            <a:xfrm>
-              <a:off x="2308803" y="5449445"/>
-              <a:ext cx="898208" cy="1197610"/>
-            </a:xfrm>
-            <a:prstGeom prst="rect">
-              <a:avLst/>
-            </a:prstGeom>
-            <a:ln>
-              <a:noFill/>
-            </a:ln>
-            <a:effectLst>
-              <a:outerShdw blurRad="292100" dist="139700" dir="2700000" algn="tl" rotWithShape="0">
-                <a:srgbClr val="333333">
-                  <a:alpha val="65000"/>
-                </a:srgbClr>
-              </a:outerShdw>
-            </a:effectLst>
-          </p:spPr>
-        </p:pic>
-        <p:cxnSp>
-          <p:nvCxnSpPr>
-            <p:cNvPr id="2196" name="Conector recto 2195">
-              <a:extLst>
-                <a:ext uri="{FF2B5EF4-FFF2-40B4-BE49-F238E27FC236}">
-                  <a16:creationId xmlns:a16="http://schemas.microsoft.com/office/drawing/2014/main" id="{129909A1-CA41-15F5-127F-5B8F6D7C68D0}"/>
-                </a:ext>
-              </a:extLst>
-            </p:cNvPr>
-            <p:cNvCxnSpPr>
-              <a:cxnSpLocks/>
-            </p:cNvCxnSpPr>
-            <p:nvPr/>
-          </p:nvCxnSpPr>
-          <p:spPr>
-            <a:xfrm>
-              <a:off x="3176581" y="6048250"/>
-              <a:ext cx="430219" cy="0"/>
-            </a:xfrm>
-            <a:prstGeom prst="line">
-              <a:avLst/>
-            </a:prstGeom>
-            <a:ln w="57150">
-              <a:solidFill>
-                <a:srgbClr val="FF0000"/>
-              </a:solidFill>
-            </a:ln>
-          </p:spPr>
-          <p:style>
-            <a:lnRef idx="1">
-              <a:schemeClr val="accent1"/>
-            </a:lnRef>
-            <a:fillRef idx="0">
-              <a:schemeClr val="accent1"/>
-            </a:fillRef>
-            <a:effectRef idx="0">
-              <a:schemeClr val="accent1"/>
-            </a:effectRef>
-            <a:fontRef idx="minor">
-              <a:schemeClr val="tx1"/>
-            </a:fontRef>
-          </p:style>
-        </p:cxnSp>
-        <p:cxnSp>
-          <p:nvCxnSpPr>
-            <p:cNvPr id="2198" name="Conector recto 2197">
-              <a:extLst>
-                <a:ext uri="{FF2B5EF4-FFF2-40B4-BE49-F238E27FC236}">
-                  <a16:creationId xmlns:a16="http://schemas.microsoft.com/office/drawing/2014/main" id="{297D7CF2-440D-092E-77D2-CCE343D3DD07}"/>
-                </a:ext>
-              </a:extLst>
-            </p:cNvPr>
-            <p:cNvCxnSpPr>
-              <a:cxnSpLocks/>
-            </p:cNvCxnSpPr>
-            <p:nvPr/>
-          </p:nvCxnSpPr>
-          <p:spPr>
-            <a:xfrm>
-              <a:off x="3165071" y="5775653"/>
-              <a:ext cx="853384" cy="0"/>
-            </a:xfrm>
-            <a:prstGeom prst="line">
-              <a:avLst/>
-            </a:prstGeom>
-            <a:ln w="57150">
-              <a:solidFill>
-                <a:srgbClr val="FF0000"/>
-              </a:solidFill>
-            </a:ln>
-          </p:spPr>
-          <p:style>
-            <a:lnRef idx="1">
-              <a:schemeClr val="accent1"/>
-            </a:lnRef>
-            <a:fillRef idx="0">
-              <a:schemeClr val="accent1"/>
-            </a:fillRef>
-            <a:effectRef idx="0">
-              <a:schemeClr val="accent1"/>
-            </a:effectRef>
-            <a:fontRef idx="minor">
-              <a:schemeClr val="tx1"/>
-            </a:fontRef>
-          </p:style>
-        </p:cxnSp>
-        <p:cxnSp>
-          <p:nvCxnSpPr>
-            <p:cNvPr id="2200" name="Conector recto 2199">
-              <a:extLst>
-                <a:ext uri="{FF2B5EF4-FFF2-40B4-BE49-F238E27FC236}">
-                  <a16:creationId xmlns:a16="http://schemas.microsoft.com/office/drawing/2014/main" id="{D4AE9255-2C14-B59D-E636-8295E08128EF}"/>
-                </a:ext>
-              </a:extLst>
-            </p:cNvPr>
-            <p:cNvCxnSpPr>
-              <a:cxnSpLocks/>
-            </p:cNvCxnSpPr>
-            <p:nvPr/>
-          </p:nvCxnSpPr>
-          <p:spPr>
-            <a:xfrm flipV="1">
-              <a:off x="4018455" y="5767186"/>
-              <a:ext cx="0" cy="331401"/>
-            </a:xfrm>
-            <a:prstGeom prst="line">
-              <a:avLst/>
-            </a:prstGeom>
-            <a:ln w="57150">
-              <a:solidFill>
-                <a:srgbClr val="FF0000"/>
-              </a:solidFill>
-            </a:ln>
-          </p:spPr>
-          <p:style>
-            <a:lnRef idx="1">
-              <a:schemeClr val="accent1"/>
-            </a:lnRef>
-            <a:fillRef idx="0">
-              <a:schemeClr val="accent1"/>
-            </a:fillRef>
-            <a:effectRef idx="0">
-              <a:schemeClr val="accent1"/>
-            </a:effectRef>
-            <a:fontRef idx="minor">
-              <a:schemeClr val="tx1"/>
-            </a:fontRef>
-          </p:style>
-        </p:cxnSp>
-        <p:cxnSp>
-          <p:nvCxnSpPr>
-            <p:cNvPr id="2201" name="Conector recto 2200">
-              <a:extLst>
-                <a:ext uri="{FF2B5EF4-FFF2-40B4-BE49-F238E27FC236}">
-                  <a16:creationId xmlns:a16="http://schemas.microsoft.com/office/drawing/2014/main" id="{6598CC26-2A66-0B49-9473-D76DB589443D}"/>
-                </a:ext>
-              </a:extLst>
-            </p:cNvPr>
-            <p:cNvCxnSpPr>
-              <a:cxnSpLocks/>
-            </p:cNvCxnSpPr>
-            <p:nvPr/>
-          </p:nvCxnSpPr>
-          <p:spPr>
-            <a:xfrm flipH="1" flipV="1">
-              <a:off x="3569722" y="6008587"/>
-              <a:ext cx="0" cy="180000"/>
+              <a:off x="2463615" y="4551545"/>
+              <a:ext cx="0" cy="273615"/>
             </a:xfrm>
             <a:prstGeom prst="line">
               <a:avLst/>
@@ -8667,6 +7868,784 @@
           </p:style>
         </p:cxnSp>
       </p:grpSp>
+      <p:cxnSp>
+        <p:nvCxnSpPr>
+          <p:cNvPr id="2153" name="Conector recto 2152">
+            <a:extLst>
+              <a:ext uri="{FF2B5EF4-FFF2-40B4-BE49-F238E27FC236}">
+                <a16:creationId xmlns:a16="http://schemas.microsoft.com/office/drawing/2014/main" id="{CBA91F42-2F66-B9D5-1B5C-294A7F354CC7}"/>
+              </a:ext>
+            </a:extLst>
+          </p:cNvPr>
+          <p:cNvCxnSpPr/>
+          <p:nvPr/>
+        </p:nvCxnSpPr>
+        <p:spPr>
+          <a:xfrm flipV="1">
+            <a:off x="2858013" y="4600015"/>
+            <a:ext cx="0" cy="1196876"/>
+          </a:xfrm>
+          <a:prstGeom prst="line">
+            <a:avLst/>
+          </a:prstGeom>
+          <a:ln w="57150">
+            <a:solidFill>
+              <a:srgbClr val="FF0000"/>
+            </a:solidFill>
+          </a:ln>
+        </p:spPr>
+        <p:style>
+          <a:lnRef idx="1">
+            <a:schemeClr val="accent1"/>
+          </a:lnRef>
+          <a:fillRef idx="0">
+            <a:schemeClr val="accent1"/>
+          </a:fillRef>
+          <a:effectRef idx="0">
+            <a:schemeClr val="accent1"/>
+          </a:effectRef>
+          <a:fontRef idx="minor">
+            <a:schemeClr val="tx1"/>
+          </a:fontRef>
+        </p:style>
+      </p:cxnSp>
+      <p:cxnSp>
+        <p:nvCxnSpPr>
+          <p:cNvPr id="2155" name="Conector recto 2154">
+            <a:extLst>
+              <a:ext uri="{FF2B5EF4-FFF2-40B4-BE49-F238E27FC236}">
+                <a16:creationId xmlns:a16="http://schemas.microsoft.com/office/drawing/2014/main" id="{2E184CC3-F634-ECAF-CE58-10F376189B4D}"/>
+              </a:ext>
+            </a:extLst>
+          </p:cNvPr>
+          <p:cNvCxnSpPr>
+            <a:cxnSpLocks/>
+          </p:cNvCxnSpPr>
+          <p:nvPr/>
+        </p:nvCxnSpPr>
+        <p:spPr>
+          <a:xfrm flipH="1">
+            <a:off x="2490241" y="4599081"/>
+            <a:ext cx="396000" cy="0"/>
+          </a:xfrm>
+          <a:prstGeom prst="line">
+            <a:avLst/>
+          </a:prstGeom>
+          <a:ln w="57150">
+            <a:solidFill>
+              <a:srgbClr val="FF0000"/>
+            </a:solidFill>
+          </a:ln>
+        </p:spPr>
+        <p:style>
+          <a:lnRef idx="1">
+            <a:schemeClr val="accent1"/>
+          </a:lnRef>
+          <a:fillRef idx="0">
+            <a:schemeClr val="accent1"/>
+          </a:fillRef>
+          <a:effectRef idx="0">
+            <a:schemeClr val="accent1"/>
+          </a:effectRef>
+          <a:fontRef idx="minor">
+            <a:schemeClr val="tx1"/>
+          </a:fontRef>
+        </p:style>
+      </p:cxnSp>
+      <p:cxnSp>
+        <p:nvCxnSpPr>
+          <p:cNvPr id="2156" name="Conector recto 2155">
+            <a:extLst>
+              <a:ext uri="{FF2B5EF4-FFF2-40B4-BE49-F238E27FC236}">
+                <a16:creationId xmlns:a16="http://schemas.microsoft.com/office/drawing/2014/main" id="{DED9B350-A05D-2E65-B279-9764391AC5B2}"/>
+              </a:ext>
+            </a:extLst>
+          </p:cNvPr>
+          <p:cNvCxnSpPr>
+            <a:cxnSpLocks/>
+          </p:cNvCxnSpPr>
+          <p:nvPr/>
+        </p:nvCxnSpPr>
+        <p:spPr>
+          <a:xfrm>
+            <a:off x="3176581" y="6319129"/>
+            <a:ext cx="6696865" cy="0"/>
+          </a:xfrm>
+          <a:prstGeom prst="line">
+            <a:avLst/>
+          </a:prstGeom>
+          <a:ln w="57150">
+            <a:solidFill>
+              <a:srgbClr val="FF0000"/>
+            </a:solidFill>
+          </a:ln>
+        </p:spPr>
+        <p:style>
+          <a:lnRef idx="1">
+            <a:schemeClr val="accent1"/>
+          </a:lnRef>
+          <a:fillRef idx="0">
+            <a:schemeClr val="accent1"/>
+          </a:fillRef>
+          <a:effectRef idx="0">
+            <a:schemeClr val="accent1"/>
+          </a:effectRef>
+          <a:fontRef idx="minor">
+            <a:schemeClr val="tx1"/>
+          </a:fontRef>
+        </p:style>
+      </p:cxnSp>
+      <p:cxnSp>
+        <p:nvCxnSpPr>
+          <p:cNvPr id="2158" name="Conector recto 2157">
+            <a:extLst>
+              <a:ext uri="{FF2B5EF4-FFF2-40B4-BE49-F238E27FC236}">
+                <a16:creationId xmlns:a16="http://schemas.microsoft.com/office/drawing/2014/main" id="{7F47C0E0-7E15-31C9-4BD3-C5D1A8DC4136}"/>
+              </a:ext>
+            </a:extLst>
+          </p:cNvPr>
+          <p:cNvCxnSpPr>
+            <a:cxnSpLocks/>
+          </p:cNvCxnSpPr>
+          <p:nvPr/>
+        </p:nvCxnSpPr>
+        <p:spPr>
+          <a:xfrm>
+            <a:off x="3544488" y="6199186"/>
+            <a:ext cx="3049726" cy="0"/>
+          </a:xfrm>
+          <a:prstGeom prst="line">
+            <a:avLst/>
+          </a:prstGeom>
+          <a:ln w="57150">
+            <a:solidFill>
+              <a:srgbClr val="FF0000"/>
+            </a:solidFill>
+          </a:ln>
+        </p:spPr>
+        <p:style>
+          <a:lnRef idx="1">
+            <a:schemeClr val="accent1"/>
+          </a:lnRef>
+          <a:fillRef idx="0">
+            <a:schemeClr val="accent1"/>
+          </a:fillRef>
+          <a:effectRef idx="0">
+            <a:schemeClr val="accent1"/>
+          </a:effectRef>
+          <a:fontRef idx="minor">
+            <a:schemeClr val="tx1"/>
+          </a:fontRef>
+        </p:style>
+      </p:cxnSp>
+      <p:cxnSp>
+        <p:nvCxnSpPr>
+          <p:cNvPr id="2159" name="Conector recto 2158">
+            <a:extLst>
+              <a:ext uri="{FF2B5EF4-FFF2-40B4-BE49-F238E27FC236}">
+                <a16:creationId xmlns:a16="http://schemas.microsoft.com/office/drawing/2014/main" id="{BAF146B0-4067-3766-F88C-20C00C98BD3A}"/>
+              </a:ext>
+            </a:extLst>
+          </p:cNvPr>
+          <p:cNvCxnSpPr>
+            <a:cxnSpLocks/>
+          </p:cNvCxnSpPr>
+          <p:nvPr/>
+        </p:nvCxnSpPr>
+        <p:spPr>
+          <a:xfrm>
+            <a:off x="4018455" y="6069526"/>
+            <a:ext cx="5700135" cy="0"/>
+          </a:xfrm>
+          <a:prstGeom prst="line">
+            <a:avLst/>
+          </a:prstGeom>
+          <a:ln w="57150">
+            <a:solidFill>
+              <a:srgbClr val="FF0000"/>
+            </a:solidFill>
+          </a:ln>
+        </p:spPr>
+        <p:style>
+          <a:lnRef idx="1">
+            <a:schemeClr val="accent1"/>
+          </a:lnRef>
+          <a:fillRef idx="0">
+            <a:schemeClr val="accent1"/>
+          </a:fillRef>
+          <a:effectRef idx="0">
+            <a:schemeClr val="accent1"/>
+          </a:effectRef>
+          <a:fontRef idx="minor">
+            <a:schemeClr val="tx1"/>
+          </a:fontRef>
+        </p:style>
+      </p:cxnSp>
+      <p:cxnSp>
+        <p:nvCxnSpPr>
+          <p:cNvPr id="2161" name="Conector recto 2160">
+            <a:extLst>
+              <a:ext uri="{FF2B5EF4-FFF2-40B4-BE49-F238E27FC236}">
+                <a16:creationId xmlns:a16="http://schemas.microsoft.com/office/drawing/2014/main" id="{BDA32BAA-B22B-4BE1-FE5A-69D6B806E9C2}"/>
+              </a:ext>
+            </a:extLst>
+          </p:cNvPr>
+          <p:cNvCxnSpPr/>
+          <p:nvPr/>
+        </p:nvCxnSpPr>
+        <p:spPr>
+          <a:xfrm flipV="1">
+            <a:off x="6582027" y="5360587"/>
+            <a:ext cx="0" cy="864000"/>
+          </a:xfrm>
+          <a:prstGeom prst="line">
+            <a:avLst/>
+          </a:prstGeom>
+          <a:ln w="57150">
+            <a:solidFill>
+              <a:srgbClr val="FF0000"/>
+            </a:solidFill>
+          </a:ln>
+        </p:spPr>
+        <p:style>
+          <a:lnRef idx="1">
+            <a:schemeClr val="accent1"/>
+          </a:lnRef>
+          <a:fillRef idx="0">
+            <a:schemeClr val="accent1"/>
+          </a:fillRef>
+          <a:effectRef idx="0">
+            <a:schemeClr val="accent1"/>
+          </a:effectRef>
+          <a:fontRef idx="minor">
+            <a:schemeClr val="tx1"/>
+          </a:fontRef>
+        </p:style>
+      </p:cxnSp>
+      <p:cxnSp>
+        <p:nvCxnSpPr>
+          <p:cNvPr id="2170" name="Conector recto 2169">
+            <a:extLst>
+              <a:ext uri="{FF2B5EF4-FFF2-40B4-BE49-F238E27FC236}">
+                <a16:creationId xmlns:a16="http://schemas.microsoft.com/office/drawing/2014/main" id="{9AAA266B-71CE-02E2-990A-A6A3D6B3992F}"/>
+              </a:ext>
+            </a:extLst>
+          </p:cNvPr>
+          <p:cNvCxnSpPr>
+            <a:cxnSpLocks/>
+          </p:cNvCxnSpPr>
+          <p:nvPr/>
+        </p:nvCxnSpPr>
+        <p:spPr>
+          <a:xfrm flipV="1">
+            <a:off x="9718590" y="5387642"/>
+            <a:ext cx="0" cy="681884"/>
+          </a:xfrm>
+          <a:prstGeom prst="line">
+            <a:avLst/>
+          </a:prstGeom>
+          <a:ln w="76200">
+            <a:solidFill>
+              <a:srgbClr val="FF0000"/>
+            </a:solidFill>
+          </a:ln>
+        </p:spPr>
+        <p:style>
+          <a:lnRef idx="1">
+            <a:schemeClr val="accent1"/>
+          </a:lnRef>
+          <a:fillRef idx="0">
+            <a:schemeClr val="accent1"/>
+          </a:fillRef>
+          <a:effectRef idx="0">
+            <a:schemeClr val="accent1"/>
+          </a:effectRef>
+          <a:fontRef idx="minor">
+            <a:schemeClr val="tx1"/>
+          </a:fontRef>
+        </p:style>
+      </p:cxnSp>
+      <p:cxnSp>
+        <p:nvCxnSpPr>
+          <p:cNvPr id="2173" name="Conector recto 2172">
+            <a:extLst>
+              <a:ext uri="{FF2B5EF4-FFF2-40B4-BE49-F238E27FC236}">
+                <a16:creationId xmlns:a16="http://schemas.microsoft.com/office/drawing/2014/main" id="{38CCDCC7-9EE7-5C3B-1722-5E9D5C4C010E}"/>
+              </a:ext>
+            </a:extLst>
+          </p:cNvPr>
+          <p:cNvCxnSpPr>
+            <a:cxnSpLocks/>
+          </p:cNvCxnSpPr>
+          <p:nvPr/>
+        </p:nvCxnSpPr>
+        <p:spPr>
+          <a:xfrm flipV="1">
+            <a:off x="9873446" y="5383009"/>
+            <a:ext cx="0" cy="927653"/>
+          </a:xfrm>
+          <a:prstGeom prst="line">
+            <a:avLst/>
+          </a:prstGeom>
+          <a:ln w="76200">
+            <a:solidFill>
+              <a:srgbClr val="FF0000"/>
+            </a:solidFill>
+          </a:ln>
+        </p:spPr>
+        <p:style>
+          <a:lnRef idx="1">
+            <a:schemeClr val="accent1"/>
+          </a:lnRef>
+          <a:fillRef idx="0">
+            <a:schemeClr val="accent1"/>
+          </a:fillRef>
+          <a:effectRef idx="0">
+            <a:schemeClr val="accent1"/>
+          </a:effectRef>
+          <a:fontRef idx="minor">
+            <a:schemeClr val="tx1"/>
+          </a:fontRef>
+        </p:style>
+      </p:cxnSp>
+      <p:cxnSp>
+        <p:nvCxnSpPr>
+          <p:cNvPr id="2178" name="Conector recto 2177">
+            <a:extLst>
+              <a:ext uri="{FF2B5EF4-FFF2-40B4-BE49-F238E27FC236}">
+                <a16:creationId xmlns:a16="http://schemas.microsoft.com/office/drawing/2014/main" id="{D79C57F8-6E7C-9ABD-9032-8B2B1F6D569B}"/>
+              </a:ext>
+            </a:extLst>
+          </p:cNvPr>
+          <p:cNvCxnSpPr>
+            <a:cxnSpLocks/>
+          </p:cNvCxnSpPr>
+          <p:nvPr/>
+        </p:nvCxnSpPr>
+        <p:spPr>
+          <a:xfrm flipV="1">
+            <a:off x="6725960" y="5360587"/>
+            <a:ext cx="0" cy="1181975"/>
+          </a:xfrm>
+          <a:prstGeom prst="line">
+            <a:avLst/>
+          </a:prstGeom>
+          <a:ln w="57150">
+            <a:solidFill>
+              <a:srgbClr val="FF0000"/>
+            </a:solidFill>
+          </a:ln>
+        </p:spPr>
+        <p:style>
+          <a:lnRef idx="1">
+            <a:schemeClr val="accent1"/>
+          </a:lnRef>
+          <a:fillRef idx="0">
+            <a:schemeClr val="accent1"/>
+          </a:fillRef>
+          <a:effectRef idx="0">
+            <a:schemeClr val="accent1"/>
+          </a:effectRef>
+          <a:fontRef idx="minor">
+            <a:schemeClr val="tx1"/>
+          </a:fontRef>
+        </p:style>
+      </p:cxnSp>
+      <p:cxnSp>
+        <p:nvCxnSpPr>
+          <p:cNvPr id="2180" name="Conector recto 2179">
+            <a:extLst>
+              <a:ext uri="{FF2B5EF4-FFF2-40B4-BE49-F238E27FC236}">
+                <a16:creationId xmlns:a16="http://schemas.microsoft.com/office/drawing/2014/main" id="{1BA5CB27-A508-3E07-CD3D-E0708C849500}"/>
+              </a:ext>
+            </a:extLst>
+          </p:cNvPr>
+          <p:cNvCxnSpPr>
+            <a:cxnSpLocks/>
+          </p:cNvCxnSpPr>
+          <p:nvPr/>
+        </p:nvCxnSpPr>
+        <p:spPr>
+          <a:xfrm flipV="1">
+            <a:off x="10002560" y="5381913"/>
+            <a:ext cx="0" cy="1160649"/>
+          </a:xfrm>
+          <a:prstGeom prst="line">
+            <a:avLst/>
+          </a:prstGeom>
+          <a:ln w="57150">
+            <a:solidFill>
+              <a:srgbClr val="FF0000"/>
+            </a:solidFill>
+          </a:ln>
+        </p:spPr>
+        <p:style>
+          <a:lnRef idx="1">
+            <a:schemeClr val="accent1"/>
+          </a:lnRef>
+          <a:fillRef idx="0">
+            <a:schemeClr val="accent1"/>
+          </a:fillRef>
+          <a:effectRef idx="0">
+            <a:schemeClr val="accent1"/>
+          </a:effectRef>
+          <a:fontRef idx="minor">
+            <a:schemeClr val="tx1"/>
+          </a:fontRef>
+        </p:style>
+      </p:cxnSp>
+      <p:cxnSp>
+        <p:nvCxnSpPr>
+          <p:cNvPr id="2183" name="Conector recto 2182">
+            <a:extLst>
+              <a:ext uri="{FF2B5EF4-FFF2-40B4-BE49-F238E27FC236}">
+                <a16:creationId xmlns:a16="http://schemas.microsoft.com/office/drawing/2014/main" id="{23E04DA6-5CC0-5239-BDF4-A09428D38282}"/>
+              </a:ext>
+            </a:extLst>
+          </p:cNvPr>
+          <p:cNvCxnSpPr>
+            <a:cxnSpLocks/>
+          </p:cNvCxnSpPr>
+          <p:nvPr/>
+        </p:nvCxnSpPr>
+        <p:spPr>
+          <a:xfrm>
+            <a:off x="6725960" y="6542562"/>
+            <a:ext cx="4535740" cy="0"/>
+          </a:xfrm>
+          <a:prstGeom prst="line">
+            <a:avLst/>
+          </a:prstGeom>
+          <a:ln w="57150">
+            <a:solidFill>
+              <a:srgbClr val="FF0000"/>
+            </a:solidFill>
+          </a:ln>
+        </p:spPr>
+        <p:style>
+          <a:lnRef idx="1">
+            <a:schemeClr val="accent1"/>
+          </a:lnRef>
+          <a:fillRef idx="0">
+            <a:schemeClr val="accent1"/>
+          </a:fillRef>
+          <a:effectRef idx="0">
+            <a:schemeClr val="accent1"/>
+          </a:effectRef>
+          <a:fontRef idx="minor">
+            <a:schemeClr val="tx1"/>
+          </a:fontRef>
+        </p:style>
+      </p:cxnSp>
+      <p:cxnSp>
+        <p:nvCxnSpPr>
+          <p:cNvPr id="2185" name="Conector recto 2184">
+            <a:extLst>
+              <a:ext uri="{FF2B5EF4-FFF2-40B4-BE49-F238E27FC236}">
+                <a16:creationId xmlns:a16="http://schemas.microsoft.com/office/drawing/2014/main" id="{7437FCCE-A8EA-F67D-9A0A-657B067429BF}"/>
+              </a:ext>
+            </a:extLst>
+          </p:cNvPr>
+          <p:cNvCxnSpPr>
+            <a:cxnSpLocks/>
+          </p:cNvCxnSpPr>
+          <p:nvPr/>
+        </p:nvCxnSpPr>
+        <p:spPr>
+          <a:xfrm flipH="1" flipV="1">
+            <a:off x="11261700" y="4193410"/>
+            <a:ext cx="0" cy="2349152"/>
+          </a:xfrm>
+          <a:prstGeom prst="line">
+            <a:avLst/>
+          </a:prstGeom>
+          <a:ln w="57150">
+            <a:solidFill>
+              <a:srgbClr val="FF0000"/>
+            </a:solidFill>
+          </a:ln>
+        </p:spPr>
+        <p:style>
+          <a:lnRef idx="1">
+            <a:schemeClr val="accent1"/>
+          </a:lnRef>
+          <a:fillRef idx="0">
+            <a:schemeClr val="accent1"/>
+          </a:fillRef>
+          <a:effectRef idx="0">
+            <a:schemeClr val="accent1"/>
+          </a:effectRef>
+          <a:fontRef idx="minor">
+            <a:schemeClr val="tx1"/>
+          </a:fontRef>
+        </p:style>
+      </p:cxnSp>
+      <p:sp>
+        <p:nvSpPr>
+          <p:cNvPr id="2187" name="Elipse 2186">
+            <a:extLst>
+              <a:ext uri="{FF2B5EF4-FFF2-40B4-BE49-F238E27FC236}">
+                <a16:creationId xmlns:a16="http://schemas.microsoft.com/office/drawing/2014/main" id="{CC9274BC-BA10-E3BB-2E5F-D77246676171}"/>
+              </a:ext>
+            </a:extLst>
+          </p:cNvPr>
+          <p:cNvSpPr/>
+          <p:nvPr/>
+        </p:nvSpPr>
+        <p:spPr>
+          <a:xfrm>
+            <a:off x="9925132" y="6468774"/>
+            <a:ext cx="154856" cy="154856"/>
+          </a:xfrm>
+          <a:prstGeom prst="ellipse">
+            <a:avLst/>
+          </a:prstGeom>
+          <a:solidFill>
+            <a:srgbClr val="FF0000"/>
+          </a:solidFill>
+          <a:ln>
+            <a:solidFill>
+              <a:srgbClr val="FF0000"/>
+            </a:solidFill>
+          </a:ln>
+        </p:spPr>
+        <p:style>
+          <a:lnRef idx="2">
+            <a:schemeClr val="accent1">
+              <a:shade val="50000"/>
+            </a:schemeClr>
+          </a:lnRef>
+          <a:fillRef idx="1">
+            <a:schemeClr val="accent1"/>
+          </a:fillRef>
+          <a:effectRef idx="0">
+            <a:schemeClr val="accent1"/>
+          </a:effectRef>
+          <a:fontRef idx="minor">
+            <a:schemeClr val="lt1"/>
+          </a:fontRef>
+        </p:style>
+        <p:txBody>
+          <a:bodyPr rtlCol="0" anchor="ctr"/>
+          <a:lstStyle/>
+          <a:p>
+            <a:pPr algn="ctr"/>
+            <a:endParaRPr lang="es-MX"/>
+          </a:p>
+        </p:txBody>
+      </p:sp>
+      <p:pic>
+        <p:nvPicPr>
+          <p:cNvPr id="2189" name="Imagen 2188">
+            <a:extLst>
+              <a:ext uri="{FF2B5EF4-FFF2-40B4-BE49-F238E27FC236}">
+                <a16:creationId xmlns:a16="http://schemas.microsoft.com/office/drawing/2014/main" id="{181B1EC8-0E6D-5C69-4BD9-0529F3DF18B6}"/>
+              </a:ext>
+            </a:extLst>
+          </p:cNvPr>
+          <p:cNvPicPr>
+            <a:picLocks noChangeAspect="1"/>
+          </p:cNvPicPr>
+          <p:nvPr/>
+        </p:nvPicPr>
+        <p:blipFill>
+          <a:blip r:embed="rId5"/>
+          <a:stretch>
+            <a:fillRect/>
+          </a:stretch>
+        </p:blipFill>
+        <p:spPr>
+          <a:xfrm>
+            <a:off x="2308803" y="5449445"/>
+            <a:ext cx="898208" cy="1197610"/>
+          </a:xfrm>
+          <a:prstGeom prst="rect">
+            <a:avLst/>
+          </a:prstGeom>
+          <a:ln>
+            <a:noFill/>
+          </a:ln>
+          <a:effectLst>
+            <a:outerShdw blurRad="292100" dist="139700" dir="2700000" algn="tl" rotWithShape="0">
+              <a:srgbClr val="333333">
+                <a:alpha val="65000"/>
+              </a:srgbClr>
+            </a:outerShdw>
+          </a:effectLst>
+        </p:spPr>
+      </p:pic>
+      <p:cxnSp>
+        <p:nvCxnSpPr>
+          <p:cNvPr id="2196" name="Conector recto 2195">
+            <a:extLst>
+              <a:ext uri="{FF2B5EF4-FFF2-40B4-BE49-F238E27FC236}">
+                <a16:creationId xmlns:a16="http://schemas.microsoft.com/office/drawing/2014/main" id="{129909A1-CA41-15F5-127F-5B8F6D7C68D0}"/>
+              </a:ext>
+            </a:extLst>
+          </p:cNvPr>
+          <p:cNvCxnSpPr>
+            <a:cxnSpLocks/>
+          </p:cNvCxnSpPr>
+          <p:nvPr/>
+        </p:nvCxnSpPr>
+        <p:spPr>
+          <a:xfrm>
+            <a:off x="3176581" y="6048250"/>
+            <a:ext cx="430219" cy="0"/>
+          </a:xfrm>
+          <a:prstGeom prst="line">
+            <a:avLst/>
+          </a:prstGeom>
+          <a:ln w="57150">
+            <a:solidFill>
+              <a:srgbClr val="FF0000"/>
+            </a:solidFill>
+          </a:ln>
+        </p:spPr>
+        <p:style>
+          <a:lnRef idx="1">
+            <a:schemeClr val="accent1"/>
+          </a:lnRef>
+          <a:fillRef idx="0">
+            <a:schemeClr val="accent1"/>
+          </a:fillRef>
+          <a:effectRef idx="0">
+            <a:schemeClr val="accent1"/>
+          </a:effectRef>
+          <a:fontRef idx="minor">
+            <a:schemeClr val="tx1"/>
+          </a:fontRef>
+        </p:style>
+      </p:cxnSp>
+      <p:cxnSp>
+        <p:nvCxnSpPr>
+          <p:cNvPr id="2198" name="Conector recto 2197">
+            <a:extLst>
+              <a:ext uri="{FF2B5EF4-FFF2-40B4-BE49-F238E27FC236}">
+                <a16:creationId xmlns:a16="http://schemas.microsoft.com/office/drawing/2014/main" id="{297D7CF2-440D-092E-77D2-CCE343D3DD07}"/>
+              </a:ext>
+            </a:extLst>
+          </p:cNvPr>
+          <p:cNvCxnSpPr>
+            <a:cxnSpLocks/>
+          </p:cNvCxnSpPr>
+          <p:nvPr/>
+        </p:nvCxnSpPr>
+        <p:spPr>
+          <a:xfrm>
+            <a:off x="3165071" y="5775653"/>
+            <a:ext cx="853384" cy="0"/>
+          </a:xfrm>
+          <a:prstGeom prst="line">
+            <a:avLst/>
+          </a:prstGeom>
+          <a:ln w="57150">
+            <a:solidFill>
+              <a:srgbClr val="FF0000"/>
+            </a:solidFill>
+          </a:ln>
+        </p:spPr>
+        <p:style>
+          <a:lnRef idx="1">
+            <a:schemeClr val="accent1"/>
+          </a:lnRef>
+          <a:fillRef idx="0">
+            <a:schemeClr val="accent1"/>
+          </a:fillRef>
+          <a:effectRef idx="0">
+            <a:schemeClr val="accent1"/>
+          </a:effectRef>
+          <a:fontRef idx="minor">
+            <a:schemeClr val="tx1"/>
+          </a:fontRef>
+        </p:style>
+      </p:cxnSp>
+      <p:cxnSp>
+        <p:nvCxnSpPr>
+          <p:cNvPr id="2200" name="Conector recto 2199">
+            <a:extLst>
+              <a:ext uri="{FF2B5EF4-FFF2-40B4-BE49-F238E27FC236}">
+                <a16:creationId xmlns:a16="http://schemas.microsoft.com/office/drawing/2014/main" id="{D4AE9255-2C14-B59D-E636-8295E08128EF}"/>
+              </a:ext>
+            </a:extLst>
+          </p:cNvPr>
+          <p:cNvCxnSpPr>
+            <a:cxnSpLocks/>
+          </p:cNvCxnSpPr>
+          <p:nvPr/>
+        </p:nvCxnSpPr>
+        <p:spPr>
+          <a:xfrm flipV="1">
+            <a:off x="4018455" y="5767186"/>
+            <a:ext cx="0" cy="331401"/>
+          </a:xfrm>
+          <a:prstGeom prst="line">
+            <a:avLst/>
+          </a:prstGeom>
+          <a:ln w="57150">
+            <a:solidFill>
+              <a:srgbClr val="FF0000"/>
+            </a:solidFill>
+          </a:ln>
+        </p:spPr>
+        <p:style>
+          <a:lnRef idx="1">
+            <a:schemeClr val="accent1"/>
+          </a:lnRef>
+          <a:fillRef idx="0">
+            <a:schemeClr val="accent1"/>
+          </a:fillRef>
+          <a:effectRef idx="0">
+            <a:schemeClr val="accent1"/>
+          </a:effectRef>
+          <a:fontRef idx="minor">
+            <a:schemeClr val="tx1"/>
+          </a:fontRef>
+        </p:style>
+      </p:cxnSp>
+      <p:cxnSp>
+        <p:nvCxnSpPr>
+          <p:cNvPr id="2201" name="Conector recto 2200">
+            <a:extLst>
+              <a:ext uri="{FF2B5EF4-FFF2-40B4-BE49-F238E27FC236}">
+                <a16:creationId xmlns:a16="http://schemas.microsoft.com/office/drawing/2014/main" id="{6598CC26-2A66-0B49-9473-D76DB589443D}"/>
+              </a:ext>
+            </a:extLst>
+          </p:cNvPr>
+          <p:cNvCxnSpPr>
+            <a:cxnSpLocks/>
+          </p:cNvCxnSpPr>
+          <p:nvPr/>
+        </p:nvCxnSpPr>
+        <p:spPr>
+          <a:xfrm flipH="1" flipV="1">
+            <a:off x="3569722" y="6008587"/>
+            <a:ext cx="0" cy="180000"/>
+          </a:xfrm>
+          <a:prstGeom prst="line">
+            <a:avLst/>
+          </a:prstGeom>
+          <a:ln w="57150">
+            <a:solidFill>
+              <a:srgbClr val="FF0000"/>
+            </a:solidFill>
+          </a:ln>
+        </p:spPr>
+        <p:style>
+          <a:lnRef idx="1">
+            <a:schemeClr val="accent1"/>
+          </a:lnRef>
+          <a:fillRef idx="0">
+            <a:schemeClr val="accent1"/>
+          </a:fillRef>
+          <a:effectRef idx="0">
+            <a:schemeClr val="accent1"/>
+          </a:effectRef>
+          <a:fontRef idx="minor">
+            <a:schemeClr val="tx1"/>
+          </a:fontRef>
+        </p:style>
+      </p:cxnSp>
     </p:spTree>
     <p:extLst>
       <p:ext uri="{BB962C8B-B14F-4D97-AF65-F5344CB8AC3E}">
